--- a/เครื่องกรอกน้ำอัตโนมัติ.pptx
+++ b/เครื่องกรอกน้ำอัตโนมัติ.pptx
@@ -1,43 +1,50 @@
 
 <file path=ppt/presentation.xml><?xml version="1.0" encoding="utf-8"?>
-<p:presentation xmlns:a="http://schemas.openxmlformats.org/drawingml/2006/main" xmlns:r="http://schemas.openxmlformats.org/officeDocument/2006/relationships" xmlns:mc="http://schemas.openxmlformats.org/markup-compatibility/2006" xmlns:mv="urn:schemas-microsoft-com:mac:vml" xmlns:p="http://schemas.openxmlformats.org/presentationml/2006/main" xmlns:c="http://schemas.openxmlformats.org/drawingml/2006/chart" xmlns:dgm="http://schemas.openxmlformats.org/drawingml/2006/diagram" xmlns:o="urn:schemas-microsoft-com:office:office" xmlns:v="urn:schemas-microsoft-com:vml" xmlns:pvml="urn:schemas-microsoft-com:office:powerpoint" xmlns:com="http://schemas.openxmlformats.org/drawingml/2006/compatibility" xmlns:p14="http://schemas.microsoft.com/office/powerpoint/2010/main" xmlns:p15="http://schemas.microsoft.com/office/powerpoint/2012/main" autoCompressPictures="0" embedTrueTypeFonts="1" strictFirstAndLastChars="0" saveSubsetFonts="1">
+<p:presentation xmlns:a="http://schemas.openxmlformats.org/drawingml/2006/main" xmlns:r="http://schemas.openxmlformats.org/officeDocument/2006/relationships" xmlns:p="http://schemas.openxmlformats.org/presentationml/2006/main" strictFirstAndLastChars="0" embedTrueTypeFonts="1" saveSubsetFonts="1" autoCompressPictures="0">
   <p:sldMasterIdLst>
-    <p:sldMasterId id="2147483659" r:id="rId4"/>
+    <p:sldMasterId id="2147483659" r:id="rId1"/>
   </p:sldMasterIdLst>
   <p:notesMasterIdLst>
-    <p:notesMasterId r:id="rId5"/>
+    <p:notesMasterId r:id="rId14"/>
   </p:notesMasterIdLst>
   <p:sldIdLst>
-    <p:sldId id="256" r:id="rId6"/>
-    <p:sldId id="257" r:id="rId7"/>
-    <p:sldId id="258" r:id="rId8"/>
-    <p:sldId id="259" r:id="rId9"/>
-    <p:sldId id="260" r:id="rId10"/>
-    <p:sldId id="261" r:id="rId11"/>
-    <p:sldId id="262" r:id="rId12"/>
-    <p:sldId id="263" r:id="rId13"/>
-    <p:sldId id="264" r:id="rId14"/>
-    <p:sldId id="265" r:id="rId15"/>
-    <p:sldId id="266" r:id="rId16"/>
-    <p:sldId id="267" r:id="rId17"/>
+    <p:sldId id="256" r:id="rId2"/>
+    <p:sldId id="257" r:id="rId3"/>
+    <p:sldId id="258" r:id="rId4"/>
+    <p:sldId id="259" r:id="rId5"/>
+    <p:sldId id="260" r:id="rId6"/>
+    <p:sldId id="261" r:id="rId7"/>
+    <p:sldId id="262" r:id="rId8"/>
+    <p:sldId id="263" r:id="rId9"/>
+    <p:sldId id="264" r:id="rId10"/>
+    <p:sldId id="265" r:id="rId11"/>
+    <p:sldId id="266" r:id="rId12"/>
+    <p:sldId id="267" r:id="rId13"/>
   </p:sldIdLst>
-  <p:sldSz cy="5143500" cx="9144000"/>
+  <p:sldSz cx="9144000" cy="5143500" type="screen16x9"/>
   <p:notesSz cx="6858000" cy="9144000"/>
   <p:embeddedFontLst>
     <p:embeddedFont>
-      <p:font typeface="Roboto"/>
-      <p:regular r:id="rId18"/>
-      <p:bold r:id="rId19"/>
-      <p:italic r:id="rId20"/>
-      <p:boldItalic r:id="rId21"/>
+      <p:font typeface="Angsana New" panose="02020603050405020304" pitchFamily="18" charset="-34"/>
+      <p:regular r:id="rId15"/>
+      <p:bold r:id="rId16"/>
+      <p:italic r:id="rId17"/>
+      <p:boldItalic r:id="rId18"/>
     </p:embeddedFont>
     <p:embeddedFont>
-      <p:font typeface="Sriracha"/>
-      <p:regular r:id="rId22"/>
+      <p:font typeface="Roboto" panose="020B0604020202020204" charset="0"/>
+      <p:regular r:id="rId19"/>
+      <p:bold r:id="rId20"/>
+      <p:italic r:id="rId21"/>
+      <p:boldItalic r:id="rId22"/>
+    </p:embeddedFont>
+    <p:embeddedFont>
+      <p:font typeface="Sriracha" panose="020B0604020202020204" charset="-34"/>
+      <p:regular r:id="rId23"/>
     </p:embeddedFont>
   </p:embeddedFontLst>
   <p:defaultTextStyle>
-    <a:defPPr lvl="0" marR="0" rtl="0" algn="l">
+    <a:defPPr marR="0" lvl="0" algn="l" rtl="0">
       <a:lnSpc>
         <a:spcPct val="100000"/>
       </a:lnSpc>
@@ -48,7 +55,7 @@
         <a:spcPts val="0"/>
       </a:spcAft>
     </a:defPPr>
-    <a:lvl1pPr lvl="0" marR="0" rtl="0" algn="l">
+    <a:lvl1pPr marR="0" lvl="0" algn="l" rtl="0">
       <a:lnSpc>
         <a:spcPct val="100000"/>
       </a:lnSpc>
@@ -62,7 +69,7 @@
         <a:srgbClr val="000000"/>
       </a:buClr>
       <a:buFont typeface="Arial"/>
-      <a:defRPr b="0" i="0" sz="1400" u="none" cap="none" strike="noStrike">
+      <a:defRPr sz="1400" b="0" i="0" u="none" strike="noStrike" cap="none">
         <a:solidFill>
           <a:srgbClr val="000000"/>
         </a:solidFill>
@@ -72,7 +79,7 @@
         <a:sym typeface="Arial"/>
       </a:defRPr>
     </a:lvl1pPr>
-    <a:lvl2pPr lvl="1" marR="0" rtl="0" algn="l">
+    <a:lvl2pPr marR="0" lvl="1" algn="l" rtl="0">
       <a:lnSpc>
         <a:spcPct val="100000"/>
       </a:lnSpc>
@@ -86,7 +93,7 @@
         <a:srgbClr val="000000"/>
       </a:buClr>
       <a:buFont typeface="Arial"/>
-      <a:defRPr b="0" i="0" sz="1400" u="none" cap="none" strike="noStrike">
+      <a:defRPr sz="1400" b="0" i="0" u="none" strike="noStrike" cap="none">
         <a:solidFill>
           <a:srgbClr val="000000"/>
         </a:solidFill>
@@ -96,7 +103,7 @@
         <a:sym typeface="Arial"/>
       </a:defRPr>
     </a:lvl2pPr>
-    <a:lvl3pPr lvl="2" marR="0" rtl="0" algn="l">
+    <a:lvl3pPr marR="0" lvl="2" algn="l" rtl="0">
       <a:lnSpc>
         <a:spcPct val="100000"/>
       </a:lnSpc>
@@ -110,7 +117,7 @@
         <a:srgbClr val="000000"/>
       </a:buClr>
       <a:buFont typeface="Arial"/>
-      <a:defRPr b="0" i="0" sz="1400" u="none" cap="none" strike="noStrike">
+      <a:defRPr sz="1400" b="0" i="0" u="none" strike="noStrike" cap="none">
         <a:solidFill>
           <a:srgbClr val="000000"/>
         </a:solidFill>
@@ -120,7 +127,7 @@
         <a:sym typeface="Arial"/>
       </a:defRPr>
     </a:lvl3pPr>
-    <a:lvl4pPr lvl="3" marR="0" rtl="0" algn="l">
+    <a:lvl4pPr marR="0" lvl="3" algn="l" rtl="0">
       <a:lnSpc>
         <a:spcPct val="100000"/>
       </a:lnSpc>
@@ -134,7 +141,7 @@
         <a:srgbClr val="000000"/>
       </a:buClr>
       <a:buFont typeface="Arial"/>
-      <a:defRPr b="0" i="0" sz="1400" u="none" cap="none" strike="noStrike">
+      <a:defRPr sz="1400" b="0" i="0" u="none" strike="noStrike" cap="none">
         <a:solidFill>
           <a:srgbClr val="000000"/>
         </a:solidFill>
@@ -144,7 +151,7 @@
         <a:sym typeface="Arial"/>
       </a:defRPr>
     </a:lvl4pPr>
-    <a:lvl5pPr lvl="4" marR="0" rtl="0" algn="l">
+    <a:lvl5pPr marR="0" lvl="4" algn="l" rtl="0">
       <a:lnSpc>
         <a:spcPct val="100000"/>
       </a:lnSpc>
@@ -158,7 +165,7 @@
         <a:srgbClr val="000000"/>
       </a:buClr>
       <a:buFont typeface="Arial"/>
-      <a:defRPr b="0" i="0" sz="1400" u="none" cap="none" strike="noStrike">
+      <a:defRPr sz="1400" b="0" i="0" u="none" strike="noStrike" cap="none">
         <a:solidFill>
           <a:srgbClr val="000000"/>
         </a:solidFill>
@@ -168,7 +175,7 @@
         <a:sym typeface="Arial"/>
       </a:defRPr>
     </a:lvl5pPr>
-    <a:lvl6pPr lvl="5" marR="0" rtl="0" algn="l">
+    <a:lvl6pPr marR="0" lvl="5" algn="l" rtl="0">
       <a:lnSpc>
         <a:spcPct val="100000"/>
       </a:lnSpc>
@@ -182,7 +189,7 @@
         <a:srgbClr val="000000"/>
       </a:buClr>
       <a:buFont typeface="Arial"/>
-      <a:defRPr b="0" i="0" sz="1400" u="none" cap="none" strike="noStrike">
+      <a:defRPr sz="1400" b="0" i="0" u="none" strike="noStrike" cap="none">
         <a:solidFill>
           <a:srgbClr val="000000"/>
         </a:solidFill>
@@ -192,7 +199,7 @@
         <a:sym typeface="Arial"/>
       </a:defRPr>
     </a:lvl6pPr>
-    <a:lvl7pPr lvl="6" marR="0" rtl="0" algn="l">
+    <a:lvl7pPr marR="0" lvl="6" algn="l" rtl="0">
       <a:lnSpc>
         <a:spcPct val="100000"/>
       </a:lnSpc>
@@ -206,7 +213,7 @@
         <a:srgbClr val="000000"/>
       </a:buClr>
       <a:buFont typeface="Arial"/>
-      <a:defRPr b="0" i="0" sz="1400" u="none" cap="none" strike="noStrike">
+      <a:defRPr sz="1400" b="0" i="0" u="none" strike="noStrike" cap="none">
         <a:solidFill>
           <a:srgbClr val="000000"/>
         </a:solidFill>
@@ -216,7 +223,7 @@
         <a:sym typeface="Arial"/>
       </a:defRPr>
     </a:lvl7pPr>
-    <a:lvl8pPr lvl="7" marR="0" rtl="0" algn="l">
+    <a:lvl8pPr marR="0" lvl="7" algn="l" rtl="0">
       <a:lnSpc>
         <a:spcPct val="100000"/>
       </a:lnSpc>
@@ -230,7 +237,7 @@
         <a:srgbClr val="000000"/>
       </a:buClr>
       <a:buFont typeface="Arial"/>
-      <a:defRPr b="0" i="0" sz="1400" u="none" cap="none" strike="noStrike">
+      <a:defRPr sz="1400" b="0" i="0" u="none" strike="noStrike" cap="none">
         <a:solidFill>
           <a:srgbClr val="000000"/>
         </a:solidFill>
@@ -240,7 +247,7 @@
         <a:sym typeface="Arial"/>
       </a:defRPr>
     </a:lvl8pPr>
-    <a:lvl9pPr lvl="8" marR="0" rtl="0" algn="l">
+    <a:lvl9pPr marR="0" lvl="8" algn="l" rtl="0">
       <a:lnSpc>
         <a:spcPct val="100000"/>
       </a:lnSpc>
@@ -254,7 +261,7 @@
         <a:srgbClr val="000000"/>
       </a:buClr>
       <a:buFont typeface="Arial"/>
-      <a:defRPr b="0" i="0" sz="1400" u="none" cap="none" strike="noStrike">
+      <a:defRPr sz="1400" b="0" i="0" u="none" strike="noStrike" cap="none">
         <a:solidFill>
           <a:srgbClr val="000000"/>
         </a:solidFill>
@@ -267,7 +274,7 @@
   </p:defaultTextStyle>
   <p:extLst>
     <p:ext uri="{EFAFB233-063F-42B5-8137-9DF3F51BA10A}">
-      <p15:sldGuideLst>
+      <p15:sldGuideLst xmlns:p15="http://schemas.microsoft.com/office/powerpoint/2012/main">
         <p15:guide id="1" orient="horz" pos="1620">
           <p15:clr>
             <a:srgbClr val="A4A3A4"/>
@@ -285,11 +292,16 @@
 </file>
 
 <file path=ppt/notesMasters/notesMaster1.xml><?xml version="1.0" encoding="utf-8"?>
-<p:notesMaster xmlns:a="http://schemas.openxmlformats.org/drawingml/2006/main" xmlns:r="http://schemas.openxmlformats.org/officeDocument/2006/relationships" xmlns:mc="http://schemas.openxmlformats.org/markup-compatibility/2006" xmlns:mv="urn:schemas-microsoft-com:mac:vml" xmlns:p="http://schemas.openxmlformats.org/presentationml/2006/main" xmlns:c="http://schemas.openxmlformats.org/drawingml/2006/chart" xmlns:dgm="http://schemas.openxmlformats.org/drawingml/2006/diagram" xmlns:o="urn:schemas-microsoft-com:office:office" xmlns:v="urn:schemas-microsoft-com:vml" xmlns:pvml="urn:schemas-microsoft-com:office:powerpoint" xmlns:com="http://schemas.openxmlformats.org/drawingml/2006/compatibility" xmlns:p14="http://schemas.microsoft.com/office/powerpoint/2010/main" xmlns:p15="http://schemas.microsoft.com/office/powerpoint/2012/main">
+<p:notesMaster xmlns:a="http://schemas.openxmlformats.org/drawingml/2006/main" xmlns:r="http://schemas.openxmlformats.org/officeDocument/2006/relationships" xmlns:p="http://schemas.openxmlformats.org/presentationml/2006/main">
   <p:cSld>
+    <p:bg>
+      <p:bgRef idx="1001">
+        <a:schemeClr val="bg1"/>
+      </p:bgRef>
+    </p:bg>
     <p:spTree>
       <p:nvGrpSpPr>
-        <p:cNvPr id="2" name="Shape 2"/>
+        <p:cNvPr id="1" name="Shape 2"/>
         <p:cNvGrpSpPr/>
         <p:nvPr/>
       </p:nvGrpSpPr>
@@ -304,9 +316,11 @@
       <p:sp>
         <p:nvSpPr>
           <p:cNvPr id="3" name="Google Shape;3;n"/>
-          <p:cNvSpPr/>
+          <p:cNvSpPr>
+            <a:spLocks noGrp="1" noRot="1" noChangeAspect="1"/>
+          </p:cNvSpPr>
           <p:nvPr>
-            <p:ph idx="2" type="sldImg"/>
+            <p:ph type="sldImg" idx="2"/>
           </p:nvPr>
         </p:nvSpPr>
         <p:spPr>
@@ -315,9 +329,13 @@
             <a:ext cx="6096075" cy="3429000"/>
           </a:xfrm>
           <a:custGeom>
-            <a:rect b="b" l="l" r="r" t="t"/>
+            <a:avLst/>
+            <a:gdLst/>
+            <a:ahLst/>
+            <a:cxnLst/>
+            <a:rect l="l" t="t" r="r" b="b"/>
             <a:pathLst>
-              <a:path extrusionOk="0" h="120000" w="120000">
+              <a:path w="120000" h="120000" extrusionOk="0">
                 <a:moveTo>
                   <a:pt x="0" y="0"/>
                 </a:moveTo>
@@ -335,23 +353,25 @@
             </a:pathLst>
           </a:custGeom>
           <a:noFill/>
-          <a:ln cap="flat" cmpd="sng" w="9525">
+          <a:ln w="9525" cap="flat" cmpd="sng">
             <a:solidFill>
               <a:srgbClr val="000000"/>
             </a:solidFill>
             <a:prstDash val="solid"/>
             <a:round/>
-            <a:headEnd len="sm" w="sm" type="none"/>
-            <a:tailEnd len="sm" w="sm" type="none"/>
+            <a:headEnd type="none" w="sm" len="sm"/>
+            <a:tailEnd type="none" w="sm" len="sm"/>
           </a:ln>
         </p:spPr>
       </p:sp>
       <p:sp>
         <p:nvSpPr>
           <p:cNvPr id="4" name="Google Shape;4;n"/>
-          <p:cNvSpPr txBox="1"/>
+          <p:cNvSpPr txBox="1">
+            <a:spLocks noGrp="1"/>
+          </p:cNvSpPr>
           <p:nvPr>
-            <p:ph idx="1" type="body"/>
+            <p:ph type="body" idx="1"/>
           </p:nvPr>
         </p:nvSpPr>
         <p:spPr>
@@ -368,11 +388,11 @@
           </a:ln>
         </p:spPr>
         <p:txBody>
-          <a:bodyPr anchorCtr="0" anchor="t" bIns="91425" lIns="91425" spcFirstLastPara="1" rIns="91425" wrap="square" tIns="91425">
+          <a:bodyPr spcFirstLastPara="1" wrap="square" lIns="91425" tIns="91425" rIns="91425" bIns="91425" anchor="t" anchorCtr="0">
             <a:noAutofit/>
           </a:bodyPr>
           <a:lstStyle>
-            <a:lvl1pPr indent="-298450" lvl="0" marL="457200">
+            <a:lvl1pPr marL="457200" lvl="0" indent="-298450">
               <a:spcBef>
                 <a:spcPts val="0"/>
               </a:spcBef>
@@ -383,7 +403,7 @@
               <a:buChar char="●"/>
               <a:defRPr sz="1100"/>
             </a:lvl1pPr>
-            <a:lvl2pPr indent="-298450" lvl="1" marL="914400">
+            <a:lvl2pPr marL="914400" lvl="1" indent="-298450">
               <a:spcBef>
                 <a:spcPts val="0"/>
               </a:spcBef>
@@ -394,7 +414,7 @@
               <a:buChar char="○"/>
               <a:defRPr sz="1100"/>
             </a:lvl2pPr>
-            <a:lvl3pPr indent="-298450" lvl="2" marL="1371600">
+            <a:lvl3pPr marL="1371600" lvl="2" indent="-298450">
               <a:spcBef>
                 <a:spcPts val="0"/>
               </a:spcBef>
@@ -405,7 +425,7 @@
               <a:buChar char="■"/>
               <a:defRPr sz="1100"/>
             </a:lvl3pPr>
-            <a:lvl4pPr indent="-298450" lvl="3" marL="1828800">
+            <a:lvl4pPr marL="1828800" lvl="3" indent="-298450">
               <a:spcBef>
                 <a:spcPts val="0"/>
               </a:spcBef>
@@ -416,7 +436,7 @@
               <a:buChar char="●"/>
               <a:defRPr sz="1100"/>
             </a:lvl4pPr>
-            <a:lvl5pPr indent="-298450" lvl="4" marL="2286000">
+            <a:lvl5pPr marL="2286000" lvl="4" indent="-298450">
               <a:spcBef>
                 <a:spcPts val="0"/>
               </a:spcBef>
@@ -427,7 +447,7 @@
               <a:buChar char="○"/>
               <a:defRPr sz="1100"/>
             </a:lvl5pPr>
-            <a:lvl6pPr indent="-298450" lvl="5" marL="2743200">
+            <a:lvl6pPr marL="2743200" lvl="5" indent="-298450">
               <a:spcBef>
                 <a:spcPts val="0"/>
               </a:spcBef>
@@ -438,7 +458,7 @@
               <a:buChar char="■"/>
               <a:defRPr sz="1100"/>
             </a:lvl6pPr>
-            <a:lvl7pPr indent="-298450" lvl="6" marL="3200400">
+            <a:lvl7pPr marL="3200400" lvl="6" indent="-298450">
               <a:spcBef>
                 <a:spcPts val="0"/>
               </a:spcBef>
@@ -449,7 +469,7 @@
               <a:buChar char="●"/>
               <a:defRPr sz="1100"/>
             </a:lvl7pPr>
-            <a:lvl8pPr indent="-298450" lvl="7" marL="3657600">
+            <a:lvl8pPr marL="3657600" lvl="7" indent="-298450">
               <a:spcBef>
                 <a:spcPts val="0"/>
               </a:spcBef>
@@ -460,7 +480,7 @@
               <a:buChar char="○"/>
               <a:defRPr sz="1100"/>
             </a:lvl8pPr>
-            <a:lvl9pPr indent="-298450" lvl="8" marL="4114800">
+            <a:lvl9pPr marL="4114800" lvl="8" indent="-298450">
               <a:spcBef>
                 <a:spcPts val="0"/>
               </a:spcBef>
@@ -472,14 +492,16 @@
               <a:defRPr sz="1100"/>
             </a:lvl9pPr>
           </a:lstStyle>
-          <a:p/>
+          <a:p>
+            <a:endParaRPr/>
+          </a:p>
         </p:txBody>
       </p:sp>
     </p:spTree>
   </p:cSld>
-  <p:clrMap accent1="accent1" accent2="accent2" accent3="accent3" accent4="accent4" accent5="accent5" accent6="accent6" bg1="lt1" bg2="dk2" tx1="dk1" tx2="lt2" folHlink="folHlink" hlink="hlink"/>
+  <p:clrMap bg1="lt1" tx1="dk1" bg2="dk2" tx2="lt2" accent1="accent1" accent2="accent2" accent3="accent3" accent4="accent4" accent5="accent5" accent6="accent6" hlink="hlink" folHlink="folHlink"/>
   <p:notesStyle>
-    <a:defPPr lvl="0" marR="0" rtl="0" algn="l">
+    <a:defPPr marR="0" lvl="0" algn="l" rtl="0">
       <a:lnSpc>
         <a:spcPct val="100000"/>
       </a:lnSpc>
@@ -490,7 +512,7 @@
         <a:spcPts val="0"/>
       </a:spcAft>
     </a:defPPr>
-    <a:lvl1pPr lvl="0" marR="0" rtl="0" algn="l">
+    <a:lvl1pPr marR="0" lvl="0" algn="l" rtl="0">
       <a:lnSpc>
         <a:spcPct val="100000"/>
       </a:lnSpc>
@@ -504,7 +526,7 @@
         <a:srgbClr val="000000"/>
       </a:buClr>
       <a:buFont typeface="Arial"/>
-      <a:defRPr b="0" i="0" sz="1400" u="none" cap="none" strike="noStrike">
+      <a:defRPr sz="1400" b="0" i="0" u="none" strike="noStrike" cap="none">
         <a:solidFill>
           <a:srgbClr val="000000"/>
         </a:solidFill>
@@ -514,7 +536,7 @@
         <a:sym typeface="Arial"/>
       </a:defRPr>
     </a:lvl1pPr>
-    <a:lvl2pPr lvl="1" marR="0" rtl="0" algn="l">
+    <a:lvl2pPr marR="0" lvl="1" algn="l" rtl="0">
       <a:lnSpc>
         <a:spcPct val="100000"/>
       </a:lnSpc>
@@ -528,7 +550,7 @@
         <a:srgbClr val="000000"/>
       </a:buClr>
       <a:buFont typeface="Arial"/>
-      <a:defRPr b="0" i="0" sz="1400" u="none" cap="none" strike="noStrike">
+      <a:defRPr sz="1400" b="0" i="0" u="none" strike="noStrike" cap="none">
         <a:solidFill>
           <a:srgbClr val="000000"/>
         </a:solidFill>
@@ -538,7 +560,7 @@
         <a:sym typeface="Arial"/>
       </a:defRPr>
     </a:lvl2pPr>
-    <a:lvl3pPr lvl="2" marR="0" rtl="0" algn="l">
+    <a:lvl3pPr marR="0" lvl="2" algn="l" rtl="0">
       <a:lnSpc>
         <a:spcPct val="100000"/>
       </a:lnSpc>
@@ -552,7 +574,7 @@
         <a:srgbClr val="000000"/>
       </a:buClr>
       <a:buFont typeface="Arial"/>
-      <a:defRPr b="0" i="0" sz="1400" u="none" cap="none" strike="noStrike">
+      <a:defRPr sz="1400" b="0" i="0" u="none" strike="noStrike" cap="none">
         <a:solidFill>
           <a:srgbClr val="000000"/>
         </a:solidFill>
@@ -562,7 +584,7 @@
         <a:sym typeface="Arial"/>
       </a:defRPr>
     </a:lvl3pPr>
-    <a:lvl4pPr lvl="3" marR="0" rtl="0" algn="l">
+    <a:lvl4pPr marR="0" lvl="3" algn="l" rtl="0">
       <a:lnSpc>
         <a:spcPct val="100000"/>
       </a:lnSpc>
@@ -576,7 +598,7 @@
         <a:srgbClr val="000000"/>
       </a:buClr>
       <a:buFont typeface="Arial"/>
-      <a:defRPr b="0" i="0" sz="1400" u="none" cap="none" strike="noStrike">
+      <a:defRPr sz="1400" b="0" i="0" u="none" strike="noStrike" cap="none">
         <a:solidFill>
           <a:srgbClr val="000000"/>
         </a:solidFill>
@@ -586,7 +608,7 @@
         <a:sym typeface="Arial"/>
       </a:defRPr>
     </a:lvl4pPr>
-    <a:lvl5pPr lvl="4" marR="0" rtl="0" algn="l">
+    <a:lvl5pPr marR="0" lvl="4" algn="l" rtl="0">
       <a:lnSpc>
         <a:spcPct val="100000"/>
       </a:lnSpc>
@@ -600,7 +622,7 @@
         <a:srgbClr val="000000"/>
       </a:buClr>
       <a:buFont typeface="Arial"/>
-      <a:defRPr b="0" i="0" sz="1400" u="none" cap="none" strike="noStrike">
+      <a:defRPr sz="1400" b="0" i="0" u="none" strike="noStrike" cap="none">
         <a:solidFill>
           <a:srgbClr val="000000"/>
         </a:solidFill>
@@ -610,7 +632,7 @@
         <a:sym typeface="Arial"/>
       </a:defRPr>
     </a:lvl5pPr>
-    <a:lvl6pPr lvl="5" marR="0" rtl="0" algn="l">
+    <a:lvl6pPr marR="0" lvl="5" algn="l" rtl="0">
       <a:lnSpc>
         <a:spcPct val="100000"/>
       </a:lnSpc>
@@ -624,7 +646,7 @@
         <a:srgbClr val="000000"/>
       </a:buClr>
       <a:buFont typeface="Arial"/>
-      <a:defRPr b="0" i="0" sz="1400" u="none" cap="none" strike="noStrike">
+      <a:defRPr sz="1400" b="0" i="0" u="none" strike="noStrike" cap="none">
         <a:solidFill>
           <a:srgbClr val="000000"/>
         </a:solidFill>
@@ -634,7 +656,7 @@
         <a:sym typeface="Arial"/>
       </a:defRPr>
     </a:lvl6pPr>
-    <a:lvl7pPr lvl="6" marR="0" rtl="0" algn="l">
+    <a:lvl7pPr marR="0" lvl="6" algn="l" rtl="0">
       <a:lnSpc>
         <a:spcPct val="100000"/>
       </a:lnSpc>
@@ -648,7 +670,7 @@
         <a:srgbClr val="000000"/>
       </a:buClr>
       <a:buFont typeface="Arial"/>
-      <a:defRPr b="0" i="0" sz="1400" u="none" cap="none" strike="noStrike">
+      <a:defRPr sz="1400" b="0" i="0" u="none" strike="noStrike" cap="none">
         <a:solidFill>
           <a:srgbClr val="000000"/>
         </a:solidFill>
@@ -658,7 +680,7 @@
         <a:sym typeface="Arial"/>
       </a:defRPr>
     </a:lvl7pPr>
-    <a:lvl8pPr lvl="7" marR="0" rtl="0" algn="l">
+    <a:lvl8pPr marR="0" lvl="7" algn="l" rtl="0">
       <a:lnSpc>
         <a:spcPct val="100000"/>
       </a:lnSpc>
@@ -672,7 +694,7 @@
         <a:srgbClr val="000000"/>
       </a:buClr>
       <a:buFont typeface="Arial"/>
-      <a:defRPr b="0" i="0" sz="1400" u="none" cap="none" strike="noStrike">
+      <a:defRPr sz="1400" b="0" i="0" u="none" strike="noStrike" cap="none">
         <a:solidFill>
           <a:srgbClr val="000000"/>
         </a:solidFill>
@@ -682,7 +704,7 @@
         <a:sym typeface="Arial"/>
       </a:defRPr>
     </a:lvl8pPr>
-    <a:lvl9pPr lvl="8" marR="0" rtl="0" algn="l">
+    <a:lvl9pPr marR="0" lvl="8" algn="l" rtl="0">
       <a:lnSpc>
         <a:spcPct val="100000"/>
       </a:lnSpc>
@@ -696,7 +718,7 @@
         <a:srgbClr val="000000"/>
       </a:buClr>
       <a:buFont typeface="Arial"/>
-      <a:defRPr b="0" i="0" sz="1400" u="none" cap="none" strike="noStrike">
+      <a:defRPr sz="1400" b="0" i="0" u="none" strike="noStrike" cap="none">
         <a:solidFill>
           <a:srgbClr val="000000"/>
         </a:solidFill>
@@ -711,11 +733,11 @@
 </file>
 
 <file path=ppt/notesSlides/notesSlide1.xml><?xml version="1.0" encoding="utf-8"?>
-<p:notes xmlns:a="http://schemas.openxmlformats.org/drawingml/2006/main" xmlns:r="http://schemas.openxmlformats.org/officeDocument/2006/relationships" xmlns:mc="http://schemas.openxmlformats.org/markup-compatibility/2006" xmlns:mv="urn:schemas-microsoft-com:mac:vml" xmlns:p="http://schemas.openxmlformats.org/presentationml/2006/main" xmlns:c="http://schemas.openxmlformats.org/drawingml/2006/chart" xmlns:dgm="http://schemas.openxmlformats.org/drawingml/2006/diagram" xmlns:o="urn:schemas-microsoft-com:office:office" xmlns:v="urn:schemas-microsoft-com:vml" xmlns:pvml="urn:schemas-microsoft-com:office:powerpoint" xmlns:com="http://schemas.openxmlformats.org/drawingml/2006/compatibility" xmlns:p14="http://schemas.microsoft.com/office/powerpoint/2010/main" xmlns:p15="http://schemas.microsoft.com/office/powerpoint/2012/main" showMasterPhAnim="0" showMasterSp="0">
+<p:notes xmlns:a="http://schemas.openxmlformats.org/drawingml/2006/main" xmlns:r="http://schemas.openxmlformats.org/officeDocument/2006/relationships" xmlns:p="http://schemas.openxmlformats.org/presentationml/2006/main" showMasterSp="0" showMasterPhAnim="0">
   <p:cSld>
     <p:spTree>
       <p:nvGrpSpPr>
-        <p:cNvPr id="81" name="Shape 81"/>
+        <p:cNvPr id="1" name="Shape 81"/>
         <p:cNvGrpSpPr/>
         <p:nvPr/>
       </p:nvGrpSpPr>
@@ -730,20 +752,26 @@
       <p:sp>
         <p:nvSpPr>
           <p:cNvPr id="82" name="Google Shape;82;p:notes"/>
-          <p:cNvSpPr/>
+          <p:cNvSpPr>
+            <a:spLocks noGrp="1" noRot="1" noChangeAspect="1"/>
+          </p:cNvSpPr>
           <p:nvPr>
-            <p:ph idx="2" type="sldImg"/>
+            <p:ph type="sldImg" idx="2"/>
           </p:nvPr>
         </p:nvSpPr>
         <p:spPr>
           <a:xfrm>
-            <a:off x="381300" y="685800"/>
-            <a:ext cx="6096075" cy="3429000"/>
+            <a:off x="381000" y="685800"/>
+            <a:ext cx="6096000" cy="3429000"/>
           </a:xfrm>
           <a:custGeom>
-            <a:rect b="b" l="l" r="r" t="t"/>
+            <a:avLst/>
+            <a:gdLst/>
+            <a:ahLst/>
+            <a:cxnLst/>
+            <a:rect l="l" t="t" r="r" b="b"/>
             <a:pathLst>
-              <a:path extrusionOk="0" h="120000" w="120000">
+              <a:path w="120000" h="120000" extrusionOk="0">
                 <a:moveTo>
                   <a:pt x="0" y="0"/>
                 </a:moveTo>
@@ -765,9 +793,11 @@
       <p:sp>
         <p:nvSpPr>
           <p:cNvPr id="83" name="Google Shape;83;p:notes"/>
-          <p:cNvSpPr txBox="1"/>
+          <p:cNvSpPr txBox="1">
+            <a:spLocks noGrp="1"/>
+          </p:cNvSpPr>
           <p:nvPr>
-            <p:ph idx="1" type="body"/>
+            <p:ph type="body" idx="1"/>
           </p:nvPr>
         </p:nvSpPr>
         <p:spPr>
@@ -780,12 +810,12 @@
           </a:prstGeom>
         </p:spPr>
         <p:txBody>
-          <a:bodyPr anchorCtr="0" anchor="t" bIns="91425" lIns="91425" spcFirstLastPara="1" rIns="91425" wrap="square" tIns="91425">
+          <a:bodyPr spcFirstLastPara="1" wrap="square" lIns="91425" tIns="91425" rIns="91425" bIns="91425" anchor="t" anchorCtr="0">
             <a:noAutofit/>
           </a:bodyPr>
           <a:lstStyle/>
           <a:p>
-            <a:pPr indent="0" lvl="0" marL="0" rtl="0" algn="l">
+            <a:pPr marL="0" lvl="0" indent="0" algn="l" rtl="0">
               <a:spcBef>
                 <a:spcPts val="0"/>
               </a:spcBef>
@@ -794,9 +824,6 @@
               </a:spcAft>
               <a:buNone/>
             </a:pPr>
-            <a:r>
-              <a:t/>
-            </a:r>
             <a:endParaRPr/>
           </a:p>
         </p:txBody>
@@ -810,11 +837,11 @@
 </file>
 
 <file path=ppt/notesSlides/notesSlide10.xml><?xml version="1.0" encoding="utf-8"?>
-<p:notes xmlns:a="http://schemas.openxmlformats.org/drawingml/2006/main" xmlns:r="http://schemas.openxmlformats.org/officeDocument/2006/relationships" xmlns:mc="http://schemas.openxmlformats.org/markup-compatibility/2006" xmlns:mv="urn:schemas-microsoft-com:mac:vml" xmlns:p="http://schemas.openxmlformats.org/presentationml/2006/main" xmlns:c="http://schemas.openxmlformats.org/drawingml/2006/chart" xmlns:dgm="http://schemas.openxmlformats.org/drawingml/2006/diagram" xmlns:o="urn:schemas-microsoft-com:office:office" xmlns:v="urn:schemas-microsoft-com:vml" xmlns:pvml="urn:schemas-microsoft-com:office:powerpoint" xmlns:com="http://schemas.openxmlformats.org/drawingml/2006/compatibility" xmlns:p14="http://schemas.microsoft.com/office/powerpoint/2010/main" xmlns:p15="http://schemas.microsoft.com/office/powerpoint/2012/main" showMasterPhAnim="0" showMasterSp="0">
+<p:notes xmlns:a="http://schemas.openxmlformats.org/drawingml/2006/main" xmlns:r="http://schemas.openxmlformats.org/officeDocument/2006/relationships" xmlns:p="http://schemas.openxmlformats.org/presentationml/2006/main" showMasterSp="0" showMasterPhAnim="0">
   <p:cSld>
     <p:spTree>
       <p:nvGrpSpPr>
-        <p:cNvPr id="166" name="Shape 166"/>
+        <p:cNvPr id="1" name="Shape 166"/>
         <p:cNvGrpSpPr/>
         <p:nvPr/>
       </p:nvGrpSpPr>
@@ -829,20 +856,26 @@
       <p:sp>
         <p:nvSpPr>
           <p:cNvPr id="167" name="Google Shape;167;g82b35ea174_0_1393:notes"/>
-          <p:cNvSpPr/>
+          <p:cNvSpPr>
+            <a:spLocks noGrp="1" noRot="1" noChangeAspect="1"/>
+          </p:cNvSpPr>
           <p:nvPr>
-            <p:ph idx="2" type="sldImg"/>
+            <p:ph type="sldImg" idx="2"/>
           </p:nvPr>
         </p:nvSpPr>
         <p:spPr>
           <a:xfrm>
-            <a:off x="381300" y="685800"/>
+            <a:off x="381000" y="685800"/>
             <a:ext cx="6096000" cy="3429000"/>
           </a:xfrm>
           <a:custGeom>
-            <a:rect b="b" l="l" r="r" t="t"/>
+            <a:avLst/>
+            <a:gdLst/>
+            <a:ahLst/>
+            <a:cxnLst/>
+            <a:rect l="l" t="t" r="r" b="b"/>
             <a:pathLst>
-              <a:path extrusionOk="0" h="120000" w="120000">
+              <a:path w="120000" h="120000" extrusionOk="0">
                 <a:moveTo>
                   <a:pt x="0" y="0"/>
                 </a:moveTo>
@@ -864,9 +897,11 @@
       <p:sp>
         <p:nvSpPr>
           <p:cNvPr id="168" name="Google Shape;168;g82b35ea174_0_1393:notes"/>
-          <p:cNvSpPr txBox="1"/>
+          <p:cNvSpPr txBox="1">
+            <a:spLocks noGrp="1"/>
+          </p:cNvSpPr>
           <p:nvPr>
-            <p:ph idx="1" type="body"/>
+            <p:ph type="body" idx="1"/>
           </p:nvPr>
         </p:nvSpPr>
         <p:spPr>
@@ -879,12 +914,12 @@
           </a:prstGeom>
         </p:spPr>
         <p:txBody>
-          <a:bodyPr anchorCtr="0" anchor="t" bIns="91425" lIns="91425" spcFirstLastPara="1" rIns="91425" wrap="square" tIns="91425">
+          <a:bodyPr spcFirstLastPara="1" wrap="square" lIns="91425" tIns="91425" rIns="91425" bIns="91425" anchor="t" anchorCtr="0">
             <a:noAutofit/>
           </a:bodyPr>
           <a:lstStyle/>
           <a:p>
-            <a:pPr indent="0" lvl="0" marL="0" rtl="0" algn="l">
+            <a:pPr marL="0" lvl="0" indent="0" algn="l" rtl="0">
               <a:spcBef>
                 <a:spcPts val="0"/>
               </a:spcBef>
@@ -893,9 +928,6 @@
               </a:spcAft>
               <a:buNone/>
             </a:pPr>
-            <a:r>
-              <a:t/>
-            </a:r>
             <a:endParaRPr/>
           </a:p>
         </p:txBody>
@@ -909,11 +941,11 @@
 </file>
 
 <file path=ppt/notesSlides/notesSlide11.xml><?xml version="1.0" encoding="utf-8"?>
-<p:notes xmlns:a="http://schemas.openxmlformats.org/drawingml/2006/main" xmlns:r="http://schemas.openxmlformats.org/officeDocument/2006/relationships" xmlns:mc="http://schemas.openxmlformats.org/markup-compatibility/2006" xmlns:mv="urn:schemas-microsoft-com:mac:vml" xmlns:p="http://schemas.openxmlformats.org/presentationml/2006/main" xmlns:c="http://schemas.openxmlformats.org/drawingml/2006/chart" xmlns:dgm="http://schemas.openxmlformats.org/drawingml/2006/diagram" xmlns:o="urn:schemas-microsoft-com:office:office" xmlns:v="urn:schemas-microsoft-com:vml" xmlns:pvml="urn:schemas-microsoft-com:office:powerpoint" xmlns:com="http://schemas.openxmlformats.org/drawingml/2006/compatibility" xmlns:p14="http://schemas.microsoft.com/office/powerpoint/2010/main" xmlns:p15="http://schemas.microsoft.com/office/powerpoint/2012/main" showMasterPhAnim="0" showMasterSp="0">
+<p:notes xmlns:a="http://schemas.openxmlformats.org/drawingml/2006/main" xmlns:r="http://schemas.openxmlformats.org/officeDocument/2006/relationships" xmlns:p="http://schemas.openxmlformats.org/presentationml/2006/main" showMasterSp="0" showMasterPhAnim="0">
   <p:cSld>
     <p:spTree>
       <p:nvGrpSpPr>
-        <p:cNvPr id="173" name="Shape 173"/>
+        <p:cNvPr id="1" name="Shape 173"/>
         <p:cNvGrpSpPr/>
         <p:nvPr/>
       </p:nvGrpSpPr>
@@ -928,20 +960,26 @@
       <p:sp>
         <p:nvSpPr>
           <p:cNvPr id="174" name="Google Shape;174;g82b35ea174_0_326:notes"/>
-          <p:cNvSpPr/>
+          <p:cNvSpPr>
+            <a:spLocks noGrp="1" noRot="1" noChangeAspect="1"/>
+          </p:cNvSpPr>
           <p:nvPr>
-            <p:ph idx="2" type="sldImg"/>
+            <p:ph type="sldImg" idx="2"/>
           </p:nvPr>
         </p:nvSpPr>
         <p:spPr>
           <a:xfrm>
-            <a:off x="381300" y="685800"/>
+            <a:off x="381000" y="685800"/>
             <a:ext cx="6096000" cy="3429000"/>
           </a:xfrm>
           <a:custGeom>
-            <a:rect b="b" l="l" r="r" t="t"/>
+            <a:avLst/>
+            <a:gdLst/>
+            <a:ahLst/>
+            <a:cxnLst/>
+            <a:rect l="l" t="t" r="r" b="b"/>
             <a:pathLst>
-              <a:path extrusionOk="0" h="120000" w="120000">
+              <a:path w="120000" h="120000" extrusionOk="0">
                 <a:moveTo>
                   <a:pt x="0" y="0"/>
                 </a:moveTo>
@@ -963,9 +1001,11 @@
       <p:sp>
         <p:nvSpPr>
           <p:cNvPr id="175" name="Google Shape;175;g82b35ea174_0_326:notes"/>
-          <p:cNvSpPr txBox="1"/>
+          <p:cNvSpPr txBox="1">
+            <a:spLocks noGrp="1"/>
+          </p:cNvSpPr>
           <p:nvPr>
-            <p:ph idx="1" type="body"/>
+            <p:ph type="body" idx="1"/>
           </p:nvPr>
         </p:nvSpPr>
         <p:spPr>
@@ -978,12 +1018,12 @@
           </a:prstGeom>
         </p:spPr>
         <p:txBody>
-          <a:bodyPr anchorCtr="0" anchor="t" bIns="91425" lIns="91425" spcFirstLastPara="1" rIns="91425" wrap="square" tIns="91425">
+          <a:bodyPr spcFirstLastPara="1" wrap="square" lIns="91425" tIns="91425" rIns="91425" bIns="91425" anchor="t" anchorCtr="0">
             <a:noAutofit/>
           </a:bodyPr>
           <a:lstStyle/>
           <a:p>
-            <a:pPr indent="0" lvl="0" marL="0" rtl="0" algn="l">
+            <a:pPr marL="0" lvl="0" indent="0" algn="l" rtl="0">
               <a:spcBef>
                 <a:spcPts val="0"/>
               </a:spcBef>
@@ -992,9 +1032,6 @@
               </a:spcAft>
               <a:buNone/>
             </a:pPr>
-            <a:r>
-              <a:t/>
-            </a:r>
             <a:endParaRPr/>
           </a:p>
         </p:txBody>
@@ -1008,11 +1045,11 @@
 </file>
 
 <file path=ppt/notesSlides/notesSlide12.xml><?xml version="1.0" encoding="utf-8"?>
-<p:notes xmlns:a="http://schemas.openxmlformats.org/drawingml/2006/main" xmlns:r="http://schemas.openxmlformats.org/officeDocument/2006/relationships" xmlns:mc="http://schemas.openxmlformats.org/markup-compatibility/2006" xmlns:mv="urn:schemas-microsoft-com:mac:vml" xmlns:p="http://schemas.openxmlformats.org/presentationml/2006/main" xmlns:c="http://schemas.openxmlformats.org/drawingml/2006/chart" xmlns:dgm="http://schemas.openxmlformats.org/drawingml/2006/diagram" xmlns:o="urn:schemas-microsoft-com:office:office" xmlns:v="urn:schemas-microsoft-com:vml" xmlns:pvml="urn:schemas-microsoft-com:office:powerpoint" xmlns:com="http://schemas.openxmlformats.org/drawingml/2006/compatibility" xmlns:p14="http://schemas.microsoft.com/office/powerpoint/2010/main" xmlns:p15="http://schemas.microsoft.com/office/powerpoint/2012/main" showMasterPhAnim="0" showMasterSp="0">
+<p:notes xmlns:a="http://schemas.openxmlformats.org/drawingml/2006/main" xmlns:r="http://schemas.openxmlformats.org/officeDocument/2006/relationships" xmlns:p="http://schemas.openxmlformats.org/presentationml/2006/main" showMasterSp="0" showMasterPhAnim="0">
   <p:cSld>
     <p:spTree>
       <p:nvGrpSpPr>
-        <p:cNvPr id="181" name="Shape 181"/>
+        <p:cNvPr id="1" name="Shape 181"/>
         <p:cNvGrpSpPr/>
         <p:nvPr/>
       </p:nvGrpSpPr>
@@ -1027,9 +1064,11 @@
       <p:sp>
         <p:nvSpPr>
           <p:cNvPr id="182" name="Google Shape;182;g82b35ea174_0_332:notes"/>
-          <p:cNvSpPr/>
+          <p:cNvSpPr>
+            <a:spLocks noGrp="1" noRot="1" noChangeAspect="1"/>
+          </p:cNvSpPr>
           <p:nvPr>
-            <p:ph idx="2" type="sldImg"/>
+            <p:ph type="sldImg" idx="2"/>
           </p:nvPr>
         </p:nvSpPr>
         <p:spPr>
@@ -1038,9 +1077,13 @@
             <a:ext cx="6096000" cy="3429000"/>
           </a:xfrm>
           <a:custGeom>
-            <a:rect b="b" l="l" r="r" t="t"/>
+            <a:avLst/>
+            <a:gdLst/>
+            <a:ahLst/>
+            <a:cxnLst/>
+            <a:rect l="l" t="t" r="r" b="b"/>
             <a:pathLst>
-              <a:path extrusionOk="0" h="120000" w="120000">
+              <a:path w="120000" h="120000" extrusionOk="0">
                 <a:moveTo>
                   <a:pt x="0" y="0"/>
                 </a:moveTo>
@@ -1062,9 +1105,11 @@
       <p:sp>
         <p:nvSpPr>
           <p:cNvPr id="183" name="Google Shape;183;g82b35ea174_0_332:notes"/>
-          <p:cNvSpPr txBox="1"/>
+          <p:cNvSpPr txBox="1">
+            <a:spLocks noGrp="1"/>
+          </p:cNvSpPr>
           <p:nvPr>
-            <p:ph idx="1" type="body"/>
+            <p:ph type="body" idx="1"/>
           </p:nvPr>
         </p:nvSpPr>
         <p:spPr>
@@ -1077,12 +1122,12 @@
           </a:prstGeom>
         </p:spPr>
         <p:txBody>
-          <a:bodyPr anchorCtr="0" anchor="t" bIns="91425" lIns="91425" spcFirstLastPara="1" rIns="91425" wrap="square" tIns="91425">
+          <a:bodyPr spcFirstLastPara="1" wrap="square" lIns="91425" tIns="91425" rIns="91425" bIns="91425" anchor="t" anchorCtr="0">
             <a:noAutofit/>
           </a:bodyPr>
           <a:lstStyle/>
           <a:p>
-            <a:pPr indent="0" lvl="0" marL="0" rtl="0" algn="l">
+            <a:pPr marL="0" lvl="0" indent="0" algn="l" rtl="0">
               <a:spcBef>
                 <a:spcPts val="0"/>
               </a:spcBef>
@@ -1091,9 +1136,6 @@
               </a:spcAft>
               <a:buNone/>
             </a:pPr>
-            <a:r>
-              <a:t/>
-            </a:r>
             <a:endParaRPr/>
           </a:p>
         </p:txBody>
@@ -1107,11 +1149,11 @@
 </file>
 
 <file path=ppt/notesSlides/notesSlide2.xml><?xml version="1.0" encoding="utf-8"?>
-<p:notes xmlns:a="http://schemas.openxmlformats.org/drawingml/2006/main" xmlns:r="http://schemas.openxmlformats.org/officeDocument/2006/relationships" xmlns:mc="http://schemas.openxmlformats.org/markup-compatibility/2006" xmlns:mv="urn:schemas-microsoft-com:mac:vml" xmlns:p="http://schemas.openxmlformats.org/presentationml/2006/main" xmlns:c="http://schemas.openxmlformats.org/drawingml/2006/chart" xmlns:dgm="http://schemas.openxmlformats.org/drawingml/2006/diagram" xmlns:o="urn:schemas-microsoft-com:office:office" xmlns:v="urn:schemas-microsoft-com:vml" xmlns:pvml="urn:schemas-microsoft-com:office:powerpoint" xmlns:com="http://schemas.openxmlformats.org/drawingml/2006/compatibility" xmlns:p14="http://schemas.microsoft.com/office/powerpoint/2010/main" xmlns:p15="http://schemas.microsoft.com/office/powerpoint/2012/main" showMasterPhAnim="0" showMasterSp="0">
+<p:notes xmlns:a="http://schemas.openxmlformats.org/drawingml/2006/main" xmlns:r="http://schemas.openxmlformats.org/officeDocument/2006/relationships" xmlns:p="http://schemas.openxmlformats.org/presentationml/2006/main" showMasterSp="0" showMasterPhAnim="0">
   <p:cSld>
     <p:spTree>
       <p:nvGrpSpPr>
-        <p:cNvPr id="90" name="Shape 90"/>
+        <p:cNvPr id="1" name="Shape 90"/>
         <p:cNvGrpSpPr/>
         <p:nvPr/>
       </p:nvGrpSpPr>
@@ -1126,20 +1168,26 @@
       <p:sp>
         <p:nvSpPr>
           <p:cNvPr id="91" name="Google Shape;91;g82b35ea174_0_278:notes"/>
-          <p:cNvSpPr/>
+          <p:cNvSpPr>
+            <a:spLocks noGrp="1" noRot="1" noChangeAspect="1"/>
+          </p:cNvSpPr>
           <p:nvPr>
-            <p:ph idx="2" type="sldImg"/>
+            <p:ph type="sldImg" idx="2"/>
           </p:nvPr>
         </p:nvSpPr>
         <p:spPr>
           <a:xfrm>
-            <a:off x="381300" y="685800"/>
+            <a:off x="381000" y="685800"/>
             <a:ext cx="6096000" cy="3429000"/>
           </a:xfrm>
           <a:custGeom>
-            <a:rect b="b" l="l" r="r" t="t"/>
+            <a:avLst/>
+            <a:gdLst/>
+            <a:ahLst/>
+            <a:cxnLst/>
+            <a:rect l="l" t="t" r="r" b="b"/>
             <a:pathLst>
-              <a:path extrusionOk="0" h="120000" w="120000">
+              <a:path w="120000" h="120000" extrusionOk="0">
                 <a:moveTo>
                   <a:pt x="0" y="0"/>
                 </a:moveTo>
@@ -1161,9 +1209,11 @@
       <p:sp>
         <p:nvSpPr>
           <p:cNvPr id="92" name="Google Shape;92;g82b35ea174_0_278:notes"/>
-          <p:cNvSpPr txBox="1"/>
+          <p:cNvSpPr txBox="1">
+            <a:spLocks noGrp="1"/>
+          </p:cNvSpPr>
           <p:nvPr>
-            <p:ph idx="1" type="body"/>
+            <p:ph type="body" idx="1"/>
           </p:nvPr>
         </p:nvSpPr>
         <p:spPr>
@@ -1176,12 +1226,12 @@
           </a:prstGeom>
         </p:spPr>
         <p:txBody>
-          <a:bodyPr anchorCtr="0" anchor="t" bIns="91425" lIns="91425" spcFirstLastPara="1" rIns="91425" wrap="square" tIns="91425">
+          <a:bodyPr spcFirstLastPara="1" wrap="square" lIns="91425" tIns="91425" rIns="91425" bIns="91425" anchor="t" anchorCtr="0">
             <a:noAutofit/>
           </a:bodyPr>
           <a:lstStyle/>
           <a:p>
-            <a:pPr indent="0" lvl="0" marL="0" rtl="0" algn="l">
+            <a:pPr marL="0" lvl="0" indent="0" algn="l" rtl="0">
               <a:spcBef>
                 <a:spcPts val="0"/>
               </a:spcBef>
@@ -1190,9 +1240,6 @@
               </a:spcAft>
               <a:buNone/>
             </a:pPr>
-            <a:r>
-              <a:t/>
-            </a:r>
             <a:endParaRPr/>
           </a:p>
         </p:txBody>
@@ -1206,11 +1253,11 @@
 </file>
 
 <file path=ppt/notesSlides/notesSlide3.xml><?xml version="1.0" encoding="utf-8"?>
-<p:notes xmlns:a="http://schemas.openxmlformats.org/drawingml/2006/main" xmlns:r="http://schemas.openxmlformats.org/officeDocument/2006/relationships" xmlns:mc="http://schemas.openxmlformats.org/markup-compatibility/2006" xmlns:mv="urn:schemas-microsoft-com:mac:vml" xmlns:p="http://schemas.openxmlformats.org/presentationml/2006/main" xmlns:c="http://schemas.openxmlformats.org/drawingml/2006/chart" xmlns:dgm="http://schemas.openxmlformats.org/drawingml/2006/diagram" xmlns:o="urn:schemas-microsoft-com:office:office" xmlns:v="urn:schemas-microsoft-com:vml" xmlns:pvml="urn:schemas-microsoft-com:office:powerpoint" xmlns:com="http://schemas.openxmlformats.org/drawingml/2006/compatibility" xmlns:p14="http://schemas.microsoft.com/office/powerpoint/2010/main" xmlns:p15="http://schemas.microsoft.com/office/powerpoint/2012/main" showMasterPhAnim="0" showMasterSp="0">
+<p:notes xmlns:a="http://schemas.openxmlformats.org/drawingml/2006/main" xmlns:r="http://schemas.openxmlformats.org/officeDocument/2006/relationships" xmlns:p="http://schemas.openxmlformats.org/presentationml/2006/main" showMasterSp="0" showMasterPhAnim="0">
   <p:cSld>
     <p:spTree>
       <p:nvGrpSpPr>
-        <p:cNvPr id="99" name="Shape 99"/>
+        <p:cNvPr id="1" name="Shape 99"/>
         <p:cNvGrpSpPr/>
         <p:nvPr/>
       </p:nvGrpSpPr>
@@ -1225,20 +1272,26 @@
       <p:sp>
         <p:nvSpPr>
           <p:cNvPr id="100" name="Google Shape;100;g82b35ea174_0_284:notes"/>
-          <p:cNvSpPr/>
+          <p:cNvSpPr>
+            <a:spLocks noGrp="1" noRot="1" noChangeAspect="1"/>
+          </p:cNvSpPr>
           <p:nvPr>
-            <p:ph idx="2" type="sldImg"/>
+            <p:ph type="sldImg" idx="2"/>
           </p:nvPr>
         </p:nvSpPr>
         <p:spPr>
           <a:xfrm>
-            <a:off x="381300" y="685800"/>
+            <a:off x="381000" y="685800"/>
             <a:ext cx="6096000" cy="3429000"/>
           </a:xfrm>
           <a:custGeom>
-            <a:rect b="b" l="l" r="r" t="t"/>
+            <a:avLst/>
+            <a:gdLst/>
+            <a:ahLst/>
+            <a:cxnLst/>
+            <a:rect l="l" t="t" r="r" b="b"/>
             <a:pathLst>
-              <a:path extrusionOk="0" h="120000" w="120000">
+              <a:path w="120000" h="120000" extrusionOk="0">
                 <a:moveTo>
                   <a:pt x="0" y="0"/>
                 </a:moveTo>
@@ -1260,9 +1313,11 @@
       <p:sp>
         <p:nvSpPr>
           <p:cNvPr id="101" name="Google Shape;101;g82b35ea174_0_284:notes"/>
-          <p:cNvSpPr txBox="1"/>
+          <p:cNvSpPr txBox="1">
+            <a:spLocks noGrp="1"/>
+          </p:cNvSpPr>
           <p:nvPr>
-            <p:ph idx="1" type="body"/>
+            <p:ph type="body" idx="1"/>
           </p:nvPr>
         </p:nvSpPr>
         <p:spPr>
@@ -1275,12 +1330,12 @@
           </a:prstGeom>
         </p:spPr>
         <p:txBody>
-          <a:bodyPr anchorCtr="0" anchor="t" bIns="91425" lIns="91425" spcFirstLastPara="1" rIns="91425" wrap="square" tIns="91425">
+          <a:bodyPr spcFirstLastPara="1" wrap="square" lIns="91425" tIns="91425" rIns="91425" bIns="91425" anchor="t" anchorCtr="0">
             <a:noAutofit/>
           </a:bodyPr>
           <a:lstStyle/>
           <a:p>
-            <a:pPr indent="0" lvl="0" marL="0" rtl="0" algn="l">
+            <a:pPr marL="0" lvl="0" indent="0" algn="l" rtl="0">
               <a:spcBef>
                 <a:spcPts val="0"/>
               </a:spcBef>
@@ -1289,9 +1344,6 @@
               </a:spcAft>
               <a:buNone/>
             </a:pPr>
-            <a:r>
-              <a:t/>
-            </a:r>
             <a:endParaRPr/>
           </a:p>
         </p:txBody>
@@ -1305,11 +1357,11 @@
 </file>
 
 <file path=ppt/notesSlides/notesSlide4.xml><?xml version="1.0" encoding="utf-8"?>
-<p:notes xmlns:a="http://schemas.openxmlformats.org/drawingml/2006/main" xmlns:r="http://schemas.openxmlformats.org/officeDocument/2006/relationships" xmlns:mc="http://schemas.openxmlformats.org/markup-compatibility/2006" xmlns:mv="urn:schemas-microsoft-com:mac:vml" xmlns:p="http://schemas.openxmlformats.org/presentationml/2006/main" xmlns:c="http://schemas.openxmlformats.org/drawingml/2006/chart" xmlns:dgm="http://schemas.openxmlformats.org/drawingml/2006/diagram" xmlns:o="urn:schemas-microsoft-com:office:office" xmlns:v="urn:schemas-microsoft-com:vml" xmlns:pvml="urn:schemas-microsoft-com:office:powerpoint" xmlns:com="http://schemas.openxmlformats.org/drawingml/2006/compatibility" xmlns:p14="http://schemas.microsoft.com/office/powerpoint/2010/main" xmlns:p15="http://schemas.microsoft.com/office/powerpoint/2012/main" showMasterPhAnim="0" showMasterSp="0">
+<p:notes xmlns:a="http://schemas.openxmlformats.org/drawingml/2006/main" xmlns:r="http://schemas.openxmlformats.org/officeDocument/2006/relationships" xmlns:p="http://schemas.openxmlformats.org/presentationml/2006/main" showMasterSp="0" showMasterPhAnim="0">
   <p:cSld>
     <p:spTree>
       <p:nvGrpSpPr>
-        <p:cNvPr id="109" name="Shape 109"/>
+        <p:cNvPr id="1" name="Shape 109"/>
         <p:cNvGrpSpPr/>
         <p:nvPr/>
       </p:nvGrpSpPr>
@@ -1324,20 +1376,26 @@
       <p:sp>
         <p:nvSpPr>
           <p:cNvPr id="110" name="Google Shape;110;g82b35ea174_0_290:notes"/>
-          <p:cNvSpPr/>
+          <p:cNvSpPr>
+            <a:spLocks noGrp="1" noRot="1" noChangeAspect="1"/>
+          </p:cNvSpPr>
           <p:nvPr>
-            <p:ph idx="2" type="sldImg"/>
+            <p:ph type="sldImg" idx="2"/>
           </p:nvPr>
         </p:nvSpPr>
         <p:spPr>
           <a:xfrm>
-            <a:off x="381300" y="685800"/>
+            <a:off x="381000" y="685800"/>
             <a:ext cx="6096000" cy="3429000"/>
           </a:xfrm>
           <a:custGeom>
-            <a:rect b="b" l="l" r="r" t="t"/>
+            <a:avLst/>
+            <a:gdLst/>
+            <a:ahLst/>
+            <a:cxnLst/>
+            <a:rect l="l" t="t" r="r" b="b"/>
             <a:pathLst>
-              <a:path extrusionOk="0" h="120000" w="120000">
+              <a:path w="120000" h="120000" extrusionOk="0">
                 <a:moveTo>
                   <a:pt x="0" y="0"/>
                 </a:moveTo>
@@ -1359,9 +1417,11 @@
       <p:sp>
         <p:nvSpPr>
           <p:cNvPr id="111" name="Google Shape;111;g82b35ea174_0_290:notes"/>
-          <p:cNvSpPr txBox="1"/>
+          <p:cNvSpPr txBox="1">
+            <a:spLocks noGrp="1"/>
+          </p:cNvSpPr>
           <p:nvPr>
-            <p:ph idx="1" type="body"/>
+            <p:ph type="body" idx="1"/>
           </p:nvPr>
         </p:nvSpPr>
         <p:spPr>
@@ -1374,12 +1434,12 @@
           </a:prstGeom>
         </p:spPr>
         <p:txBody>
-          <a:bodyPr anchorCtr="0" anchor="t" bIns="91425" lIns="91425" spcFirstLastPara="1" rIns="91425" wrap="square" tIns="91425">
+          <a:bodyPr spcFirstLastPara="1" wrap="square" lIns="91425" tIns="91425" rIns="91425" bIns="91425" anchor="t" anchorCtr="0">
             <a:noAutofit/>
           </a:bodyPr>
           <a:lstStyle/>
           <a:p>
-            <a:pPr indent="0" lvl="0" marL="0" rtl="0" algn="l">
+            <a:pPr marL="0" lvl="0" indent="0" algn="l" rtl="0">
               <a:spcBef>
                 <a:spcPts val="0"/>
               </a:spcBef>
@@ -1388,9 +1448,6 @@
               </a:spcAft>
               <a:buNone/>
             </a:pPr>
-            <a:r>
-              <a:t/>
-            </a:r>
             <a:endParaRPr/>
           </a:p>
         </p:txBody>
@@ -1404,11 +1461,11 @@
 </file>
 
 <file path=ppt/notesSlides/notesSlide5.xml><?xml version="1.0" encoding="utf-8"?>
-<p:notes xmlns:a="http://schemas.openxmlformats.org/drawingml/2006/main" xmlns:r="http://schemas.openxmlformats.org/officeDocument/2006/relationships" xmlns:mc="http://schemas.openxmlformats.org/markup-compatibility/2006" xmlns:mv="urn:schemas-microsoft-com:mac:vml" xmlns:p="http://schemas.openxmlformats.org/presentationml/2006/main" xmlns:c="http://schemas.openxmlformats.org/drawingml/2006/chart" xmlns:dgm="http://schemas.openxmlformats.org/drawingml/2006/diagram" xmlns:o="urn:schemas-microsoft-com:office:office" xmlns:v="urn:schemas-microsoft-com:vml" xmlns:pvml="urn:schemas-microsoft-com:office:powerpoint" xmlns:com="http://schemas.openxmlformats.org/drawingml/2006/compatibility" xmlns:p14="http://schemas.microsoft.com/office/powerpoint/2010/main" xmlns:p15="http://schemas.microsoft.com/office/powerpoint/2012/main" showMasterPhAnim="0" showMasterSp="0">
+<p:notes xmlns:a="http://schemas.openxmlformats.org/drawingml/2006/main" xmlns:r="http://schemas.openxmlformats.org/officeDocument/2006/relationships" xmlns:p="http://schemas.openxmlformats.org/presentationml/2006/main" showMasterSp="0" showMasterPhAnim="0">
   <p:cSld>
     <p:spTree>
       <p:nvGrpSpPr>
-        <p:cNvPr id="127" name="Shape 127"/>
+        <p:cNvPr id="1" name="Shape 127"/>
         <p:cNvGrpSpPr/>
         <p:nvPr/>
       </p:nvGrpSpPr>
@@ -1423,20 +1480,26 @@
       <p:sp>
         <p:nvSpPr>
           <p:cNvPr id="128" name="Google Shape;128;g82b35ea174_0_296:notes"/>
-          <p:cNvSpPr/>
+          <p:cNvSpPr>
+            <a:spLocks noGrp="1" noRot="1" noChangeAspect="1"/>
+          </p:cNvSpPr>
           <p:nvPr>
-            <p:ph idx="2" type="sldImg"/>
+            <p:ph type="sldImg" idx="2"/>
           </p:nvPr>
         </p:nvSpPr>
         <p:spPr>
           <a:xfrm>
-            <a:off x="381300" y="685800"/>
+            <a:off x="381000" y="685800"/>
             <a:ext cx="6096000" cy="3429000"/>
           </a:xfrm>
           <a:custGeom>
-            <a:rect b="b" l="l" r="r" t="t"/>
+            <a:avLst/>
+            <a:gdLst/>
+            <a:ahLst/>
+            <a:cxnLst/>
+            <a:rect l="l" t="t" r="r" b="b"/>
             <a:pathLst>
-              <a:path extrusionOk="0" h="120000" w="120000">
+              <a:path w="120000" h="120000" extrusionOk="0">
                 <a:moveTo>
                   <a:pt x="0" y="0"/>
                 </a:moveTo>
@@ -1458,9 +1521,11 @@
       <p:sp>
         <p:nvSpPr>
           <p:cNvPr id="129" name="Google Shape;129;g82b35ea174_0_296:notes"/>
-          <p:cNvSpPr txBox="1"/>
+          <p:cNvSpPr txBox="1">
+            <a:spLocks noGrp="1"/>
+          </p:cNvSpPr>
           <p:nvPr>
-            <p:ph idx="1" type="body"/>
+            <p:ph type="body" idx="1"/>
           </p:nvPr>
         </p:nvSpPr>
         <p:spPr>
@@ -1473,12 +1538,12 @@
           </a:prstGeom>
         </p:spPr>
         <p:txBody>
-          <a:bodyPr anchorCtr="0" anchor="t" bIns="91425" lIns="91425" spcFirstLastPara="1" rIns="91425" wrap="square" tIns="91425">
+          <a:bodyPr spcFirstLastPara="1" wrap="square" lIns="91425" tIns="91425" rIns="91425" bIns="91425" anchor="t" anchorCtr="0">
             <a:noAutofit/>
           </a:bodyPr>
           <a:lstStyle/>
           <a:p>
-            <a:pPr indent="0" lvl="0" marL="0" rtl="0" algn="l">
+            <a:pPr marL="0" lvl="0" indent="0" algn="l" rtl="0">
               <a:spcBef>
                 <a:spcPts val="0"/>
               </a:spcBef>
@@ -1487,9 +1552,6 @@
               </a:spcAft>
               <a:buNone/>
             </a:pPr>
-            <a:r>
-              <a:t/>
-            </a:r>
             <a:endParaRPr/>
           </a:p>
         </p:txBody>
@@ -1503,11 +1565,11 @@
 </file>
 
 <file path=ppt/notesSlides/notesSlide6.xml><?xml version="1.0" encoding="utf-8"?>
-<p:notes xmlns:a="http://schemas.openxmlformats.org/drawingml/2006/main" xmlns:r="http://schemas.openxmlformats.org/officeDocument/2006/relationships" xmlns:mc="http://schemas.openxmlformats.org/markup-compatibility/2006" xmlns:mv="urn:schemas-microsoft-com:mac:vml" xmlns:p="http://schemas.openxmlformats.org/presentationml/2006/main" xmlns:c="http://schemas.openxmlformats.org/drawingml/2006/chart" xmlns:dgm="http://schemas.openxmlformats.org/drawingml/2006/diagram" xmlns:o="urn:schemas-microsoft-com:office:office" xmlns:v="urn:schemas-microsoft-com:vml" xmlns:pvml="urn:schemas-microsoft-com:office:powerpoint" xmlns:com="http://schemas.openxmlformats.org/drawingml/2006/compatibility" xmlns:p14="http://schemas.microsoft.com/office/powerpoint/2010/main" xmlns:p15="http://schemas.microsoft.com/office/powerpoint/2012/main" showMasterPhAnim="0" showMasterSp="0">
+<p:notes xmlns:a="http://schemas.openxmlformats.org/drawingml/2006/main" xmlns:r="http://schemas.openxmlformats.org/officeDocument/2006/relationships" xmlns:p="http://schemas.openxmlformats.org/presentationml/2006/main" showMasterSp="0" showMasterPhAnim="0">
   <p:cSld>
     <p:spTree>
       <p:nvGrpSpPr>
-        <p:cNvPr id="135" name="Shape 135"/>
+        <p:cNvPr id="1" name="Shape 135"/>
         <p:cNvGrpSpPr/>
         <p:nvPr/>
       </p:nvGrpSpPr>
@@ -1522,20 +1584,26 @@
       <p:sp>
         <p:nvSpPr>
           <p:cNvPr id="136" name="Google Shape;136;g82b35ea174_0_308:notes"/>
-          <p:cNvSpPr/>
+          <p:cNvSpPr>
+            <a:spLocks noGrp="1" noRot="1" noChangeAspect="1"/>
+          </p:cNvSpPr>
           <p:nvPr>
-            <p:ph idx="2" type="sldImg"/>
+            <p:ph type="sldImg" idx="2"/>
           </p:nvPr>
         </p:nvSpPr>
         <p:spPr>
           <a:xfrm>
-            <a:off x="381300" y="685800"/>
+            <a:off x="381000" y="685800"/>
             <a:ext cx="6096000" cy="3429000"/>
           </a:xfrm>
           <a:custGeom>
-            <a:rect b="b" l="l" r="r" t="t"/>
+            <a:avLst/>
+            <a:gdLst/>
+            <a:ahLst/>
+            <a:cxnLst/>
+            <a:rect l="l" t="t" r="r" b="b"/>
             <a:pathLst>
-              <a:path extrusionOk="0" h="120000" w="120000">
+              <a:path w="120000" h="120000" extrusionOk="0">
                 <a:moveTo>
                   <a:pt x="0" y="0"/>
                 </a:moveTo>
@@ -1557,9 +1625,11 @@
       <p:sp>
         <p:nvSpPr>
           <p:cNvPr id="137" name="Google Shape;137;g82b35ea174_0_308:notes"/>
-          <p:cNvSpPr txBox="1"/>
+          <p:cNvSpPr txBox="1">
+            <a:spLocks noGrp="1"/>
+          </p:cNvSpPr>
           <p:nvPr>
-            <p:ph idx="1" type="body"/>
+            <p:ph type="body" idx="1"/>
           </p:nvPr>
         </p:nvSpPr>
         <p:spPr>
@@ -1572,12 +1642,12 @@
           </a:prstGeom>
         </p:spPr>
         <p:txBody>
-          <a:bodyPr anchorCtr="0" anchor="t" bIns="91425" lIns="91425" spcFirstLastPara="1" rIns="91425" wrap="square" tIns="91425">
+          <a:bodyPr spcFirstLastPara="1" wrap="square" lIns="91425" tIns="91425" rIns="91425" bIns="91425" anchor="t" anchorCtr="0">
             <a:noAutofit/>
           </a:bodyPr>
           <a:lstStyle/>
           <a:p>
-            <a:pPr indent="0" lvl="0" marL="0" rtl="0" algn="l">
+            <a:pPr marL="0" lvl="0" indent="0" algn="l" rtl="0">
               <a:spcBef>
                 <a:spcPts val="0"/>
               </a:spcBef>
@@ -1586,9 +1656,6 @@
               </a:spcAft>
               <a:buNone/>
             </a:pPr>
-            <a:r>
-              <a:t/>
-            </a:r>
             <a:endParaRPr/>
           </a:p>
         </p:txBody>
@@ -1602,11 +1669,11 @@
 </file>
 
 <file path=ppt/notesSlides/notesSlide7.xml><?xml version="1.0" encoding="utf-8"?>
-<p:notes xmlns:a="http://schemas.openxmlformats.org/drawingml/2006/main" xmlns:r="http://schemas.openxmlformats.org/officeDocument/2006/relationships" xmlns:mc="http://schemas.openxmlformats.org/markup-compatibility/2006" xmlns:mv="urn:schemas-microsoft-com:mac:vml" xmlns:p="http://schemas.openxmlformats.org/presentationml/2006/main" xmlns:c="http://schemas.openxmlformats.org/drawingml/2006/chart" xmlns:dgm="http://schemas.openxmlformats.org/drawingml/2006/diagram" xmlns:o="urn:schemas-microsoft-com:office:office" xmlns:v="urn:schemas-microsoft-com:vml" xmlns:pvml="urn:schemas-microsoft-com:office:powerpoint" xmlns:com="http://schemas.openxmlformats.org/drawingml/2006/compatibility" xmlns:p14="http://schemas.microsoft.com/office/powerpoint/2010/main" xmlns:p15="http://schemas.microsoft.com/office/powerpoint/2012/main" showMasterPhAnim="0" showMasterSp="0">
+<p:notes xmlns:a="http://schemas.openxmlformats.org/drawingml/2006/main" xmlns:r="http://schemas.openxmlformats.org/officeDocument/2006/relationships" xmlns:p="http://schemas.openxmlformats.org/presentationml/2006/main" showMasterSp="0" showMasterPhAnim="0">
   <p:cSld>
     <p:spTree>
       <p:nvGrpSpPr>
-        <p:cNvPr id="143" name="Shape 143"/>
+        <p:cNvPr id="1" name="Shape 143"/>
         <p:cNvGrpSpPr/>
         <p:nvPr/>
       </p:nvGrpSpPr>
@@ -1621,20 +1688,26 @@
       <p:sp>
         <p:nvSpPr>
           <p:cNvPr id="144" name="Google Shape;144;g82b35ea174_0_314:notes"/>
-          <p:cNvSpPr/>
+          <p:cNvSpPr>
+            <a:spLocks noGrp="1" noRot="1" noChangeAspect="1"/>
+          </p:cNvSpPr>
           <p:nvPr>
-            <p:ph idx="2" type="sldImg"/>
+            <p:ph type="sldImg" idx="2"/>
           </p:nvPr>
         </p:nvSpPr>
         <p:spPr>
           <a:xfrm>
-            <a:off x="381300" y="685800"/>
+            <a:off x="381000" y="685800"/>
             <a:ext cx="6096000" cy="3429000"/>
           </a:xfrm>
           <a:custGeom>
-            <a:rect b="b" l="l" r="r" t="t"/>
+            <a:avLst/>
+            <a:gdLst/>
+            <a:ahLst/>
+            <a:cxnLst/>
+            <a:rect l="l" t="t" r="r" b="b"/>
             <a:pathLst>
-              <a:path extrusionOk="0" h="120000" w="120000">
+              <a:path w="120000" h="120000" extrusionOk="0">
                 <a:moveTo>
                   <a:pt x="0" y="0"/>
                 </a:moveTo>
@@ -1656,9 +1729,11 @@
       <p:sp>
         <p:nvSpPr>
           <p:cNvPr id="145" name="Google Shape;145;g82b35ea174_0_314:notes"/>
-          <p:cNvSpPr txBox="1"/>
+          <p:cNvSpPr txBox="1">
+            <a:spLocks noGrp="1"/>
+          </p:cNvSpPr>
           <p:nvPr>
-            <p:ph idx="1" type="body"/>
+            <p:ph type="body" idx="1"/>
           </p:nvPr>
         </p:nvSpPr>
         <p:spPr>
@@ -1671,12 +1746,12 @@
           </a:prstGeom>
         </p:spPr>
         <p:txBody>
-          <a:bodyPr anchorCtr="0" anchor="t" bIns="91425" lIns="91425" spcFirstLastPara="1" rIns="91425" wrap="square" tIns="91425">
+          <a:bodyPr spcFirstLastPara="1" wrap="square" lIns="91425" tIns="91425" rIns="91425" bIns="91425" anchor="t" anchorCtr="0">
             <a:noAutofit/>
           </a:bodyPr>
           <a:lstStyle/>
           <a:p>
-            <a:pPr indent="0" lvl="0" marL="0" rtl="0" algn="l">
+            <a:pPr marL="0" lvl="0" indent="0" algn="l" rtl="0">
               <a:spcBef>
                 <a:spcPts val="0"/>
               </a:spcBef>
@@ -1685,9 +1760,6 @@
               </a:spcAft>
               <a:buNone/>
             </a:pPr>
-            <a:r>
-              <a:t/>
-            </a:r>
             <a:endParaRPr/>
           </a:p>
         </p:txBody>
@@ -1701,11 +1773,11 @@
 </file>
 
 <file path=ppt/notesSlides/notesSlide8.xml><?xml version="1.0" encoding="utf-8"?>
-<p:notes xmlns:a="http://schemas.openxmlformats.org/drawingml/2006/main" xmlns:r="http://schemas.openxmlformats.org/officeDocument/2006/relationships" xmlns:mc="http://schemas.openxmlformats.org/markup-compatibility/2006" xmlns:mv="urn:schemas-microsoft-com:mac:vml" xmlns:p="http://schemas.openxmlformats.org/presentationml/2006/main" xmlns:c="http://schemas.openxmlformats.org/drawingml/2006/chart" xmlns:dgm="http://schemas.openxmlformats.org/drawingml/2006/diagram" xmlns:o="urn:schemas-microsoft-com:office:office" xmlns:v="urn:schemas-microsoft-com:vml" xmlns:pvml="urn:schemas-microsoft-com:office:powerpoint" xmlns:com="http://schemas.openxmlformats.org/drawingml/2006/compatibility" xmlns:p14="http://schemas.microsoft.com/office/powerpoint/2010/main" xmlns:p15="http://schemas.microsoft.com/office/powerpoint/2012/main" showMasterPhAnim="0" showMasterSp="0">
+<p:notes xmlns:a="http://schemas.openxmlformats.org/drawingml/2006/main" xmlns:r="http://schemas.openxmlformats.org/officeDocument/2006/relationships" xmlns:p="http://schemas.openxmlformats.org/presentationml/2006/main" showMasterSp="0" showMasterPhAnim="0">
   <p:cSld>
     <p:spTree>
       <p:nvGrpSpPr>
-        <p:cNvPr id="151" name="Shape 151"/>
+        <p:cNvPr id="1" name="Shape 151"/>
         <p:cNvGrpSpPr/>
         <p:nvPr/>
       </p:nvGrpSpPr>
@@ -1720,20 +1792,26 @@
       <p:sp>
         <p:nvSpPr>
           <p:cNvPr id="152" name="Google Shape;152;g82b35ea174_0_320:notes"/>
-          <p:cNvSpPr/>
+          <p:cNvSpPr>
+            <a:spLocks noGrp="1" noRot="1" noChangeAspect="1"/>
+          </p:cNvSpPr>
           <p:nvPr>
-            <p:ph idx="2" type="sldImg"/>
+            <p:ph type="sldImg" idx="2"/>
           </p:nvPr>
         </p:nvSpPr>
         <p:spPr>
           <a:xfrm>
-            <a:off x="381300" y="685800"/>
+            <a:off x="381000" y="685800"/>
             <a:ext cx="6096000" cy="3429000"/>
           </a:xfrm>
           <a:custGeom>
-            <a:rect b="b" l="l" r="r" t="t"/>
+            <a:avLst/>
+            <a:gdLst/>
+            <a:ahLst/>
+            <a:cxnLst/>
+            <a:rect l="l" t="t" r="r" b="b"/>
             <a:pathLst>
-              <a:path extrusionOk="0" h="120000" w="120000">
+              <a:path w="120000" h="120000" extrusionOk="0">
                 <a:moveTo>
                   <a:pt x="0" y="0"/>
                 </a:moveTo>
@@ -1755,9 +1833,11 @@
       <p:sp>
         <p:nvSpPr>
           <p:cNvPr id="153" name="Google Shape;153;g82b35ea174_0_320:notes"/>
-          <p:cNvSpPr txBox="1"/>
+          <p:cNvSpPr txBox="1">
+            <a:spLocks noGrp="1"/>
+          </p:cNvSpPr>
           <p:nvPr>
-            <p:ph idx="1" type="body"/>
+            <p:ph type="body" idx="1"/>
           </p:nvPr>
         </p:nvSpPr>
         <p:spPr>
@@ -1770,12 +1850,12 @@
           </a:prstGeom>
         </p:spPr>
         <p:txBody>
-          <a:bodyPr anchorCtr="0" anchor="t" bIns="91425" lIns="91425" spcFirstLastPara="1" rIns="91425" wrap="square" tIns="91425">
+          <a:bodyPr spcFirstLastPara="1" wrap="square" lIns="91425" tIns="91425" rIns="91425" bIns="91425" anchor="t" anchorCtr="0">
             <a:noAutofit/>
           </a:bodyPr>
           <a:lstStyle/>
           <a:p>
-            <a:pPr indent="0" lvl="0" marL="0" rtl="0" algn="l">
+            <a:pPr marL="0" lvl="0" indent="0" algn="l" rtl="0">
               <a:spcBef>
                 <a:spcPts val="0"/>
               </a:spcBef>
@@ -1784,9 +1864,6 @@
               </a:spcAft>
               <a:buNone/>
             </a:pPr>
-            <a:r>
-              <a:t/>
-            </a:r>
             <a:endParaRPr/>
           </a:p>
         </p:txBody>
@@ -1800,11 +1877,11 @@
 </file>
 
 <file path=ppt/notesSlides/notesSlide9.xml><?xml version="1.0" encoding="utf-8"?>
-<p:notes xmlns:a="http://schemas.openxmlformats.org/drawingml/2006/main" xmlns:r="http://schemas.openxmlformats.org/officeDocument/2006/relationships" xmlns:mc="http://schemas.openxmlformats.org/markup-compatibility/2006" xmlns:mv="urn:schemas-microsoft-com:mac:vml" xmlns:p="http://schemas.openxmlformats.org/presentationml/2006/main" xmlns:c="http://schemas.openxmlformats.org/drawingml/2006/chart" xmlns:dgm="http://schemas.openxmlformats.org/drawingml/2006/diagram" xmlns:o="urn:schemas-microsoft-com:office:office" xmlns:v="urn:schemas-microsoft-com:vml" xmlns:pvml="urn:schemas-microsoft-com:office:powerpoint" xmlns:com="http://schemas.openxmlformats.org/drawingml/2006/compatibility" xmlns:p14="http://schemas.microsoft.com/office/powerpoint/2010/main" xmlns:p15="http://schemas.microsoft.com/office/powerpoint/2012/main" showMasterPhAnim="0" showMasterSp="0">
+<p:notes xmlns:a="http://schemas.openxmlformats.org/drawingml/2006/main" xmlns:r="http://schemas.openxmlformats.org/officeDocument/2006/relationships" xmlns:p="http://schemas.openxmlformats.org/presentationml/2006/main" showMasterSp="0" showMasterPhAnim="0">
   <p:cSld>
     <p:spTree>
       <p:nvGrpSpPr>
-        <p:cNvPr id="159" name="Shape 159"/>
+        <p:cNvPr id="1" name="Shape 159"/>
         <p:cNvGrpSpPr/>
         <p:nvPr/>
       </p:nvGrpSpPr>
@@ -1819,20 +1896,26 @@
       <p:sp>
         <p:nvSpPr>
           <p:cNvPr id="160" name="Google Shape;160;g82b35ea174_0_1388:notes"/>
-          <p:cNvSpPr/>
+          <p:cNvSpPr>
+            <a:spLocks noGrp="1" noRot="1" noChangeAspect="1"/>
+          </p:cNvSpPr>
           <p:nvPr>
-            <p:ph idx="2" type="sldImg"/>
+            <p:ph type="sldImg" idx="2"/>
           </p:nvPr>
         </p:nvSpPr>
         <p:spPr>
           <a:xfrm>
-            <a:off x="381300" y="685800"/>
+            <a:off x="381000" y="685800"/>
             <a:ext cx="6096000" cy="3429000"/>
           </a:xfrm>
           <a:custGeom>
-            <a:rect b="b" l="l" r="r" t="t"/>
+            <a:avLst/>
+            <a:gdLst/>
+            <a:ahLst/>
+            <a:cxnLst/>
+            <a:rect l="l" t="t" r="r" b="b"/>
             <a:pathLst>
-              <a:path extrusionOk="0" h="120000" w="120000">
+              <a:path w="120000" h="120000" extrusionOk="0">
                 <a:moveTo>
                   <a:pt x="0" y="0"/>
                 </a:moveTo>
@@ -1854,9 +1937,11 @@
       <p:sp>
         <p:nvSpPr>
           <p:cNvPr id="161" name="Google Shape;161;g82b35ea174_0_1388:notes"/>
-          <p:cNvSpPr txBox="1"/>
+          <p:cNvSpPr txBox="1">
+            <a:spLocks noGrp="1"/>
+          </p:cNvSpPr>
           <p:nvPr>
-            <p:ph idx="1" type="body"/>
+            <p:ph type="body" idx="1"/>
           </p:nvPr>
         </p:nvSpPr>
         <p:spPr>
@@ -1869,12 +1954,12 @@
           </a:prstGeom>
         </p:spPr>
         <p:txBody>
-          <a:bodyPr anchorCtr="0" anchor="t" bIns="91425" lIns="91425" spcFirstLastPara="1" rIns="91425" wrap="square" tIns="91425">
+          <a:bodyPr spcFirstLastPara="1" wrap="square" lIns="91425" tIns="91425" rIns="91425" bIns="91425" anchor="t" anchorCtr="0">
             <a:noAutofit/>
           </a:bodyPr>
           <a:lstStyle/>
           <a:p>
-            <a:pPr indent="0" lvl="0" marL="0" rtl="0" algn="l">
+            <a:pPr marL="0" lvl="0" indent="0" algn="l" rtl="0">
               <a:spcBef>
                 <a:spcPts val="0"/>
               </a:spcBef>
@@ -1883,9 +1968,6 @@
               </a:spcAft>
               <a:buNone/>
             </a:pPr>
-            <a:r>
-              <a:t/>
-            </a:r>
             <a:endParaRPr/>
           </a:p>
         </p:txBody>
@@ -1899,18 +1981,19 @@
 </file>
 
 <file path=ppt/slideLayouts/slideLayout1.xml><?xml version="1.0" encoding="utf-8"?>
-<p:sldLayout xmlns:a="http://schemas.openxmlformats.org/drawingml/2006/main" xmlns:r="http://schemas.openxmlformats.org/officeDocument/2006/relationships" xmlns:mc="http://schemas.openxmlformats.org/markup-compatibility/2006" xmlns:mv="urn:schemas-microsoft-com:mac:vml" xmlns:p="http://schemas.openxmlformats.org/presentationml/2006/main" xmlns:c="http://schemas.openxmlformats.org/drawingml/2006/chart" xmlns:dgm="http://schemas.openxmlformats.org/drawingml/2006/diagram" xmlns:o="urn:schemas-microsoft-com:office:office" xmlns:v="urn:schemas-microsoft-com:vml" xmlns:pvml="urn:schemas-microsoft-com:office:powerpoint" xmlns:com="http://schemas.openxmlformats.org/drawingml/2006/compatibility" xmlns:p14="http://schemas.microsoft.com/office/powerpoint/2010/main" xmlns:p15="http://schemas.microsoft.com/office/powerpoint/2012/main" matchingName="Title slide" type="title">
+<p:sldLayout xmlns:a="http://schemas.openxmlformats.org/drawingml/2006/main" xmlns:r="http://schemas.openxmlformats.org/officeDocument/2006/relationships" xmlns:p="http://schemas.openxmlformats.org/presentationml/2006/main" matchingName="Title slide" type="title">
   <p:cSld name="TITLE">
     <p:bg>
       <p:bgPr>
         <a:solidFill>
           <a:schemeClr val="dk1"/>
         </a:solidFill>
+        <a:effectLst/>
       </p:bgPr>
     </p:bg>
     <p:spTree>
       <p:nvGrpSpPr>
-        <p:cNvPr id="9" name="Shape 9"/>
+        <p:cNvPr id="1" name="Shape 9"/>
         <p:cNvGrpSpPr/>
         <p:nvPr/>
       </p:nvGrpSpPr>
@@ -1958,12 +2041,12 @@
             </a:ln>
           </p:spPr>
           <p:txBody>
-            <a:bodyPr anchorCtr="0" anchor="ctr" bIns="91425" lIns="91425" spcFirstLastPara="1" rIns="91425" wrap="square" tIns="91425">
+            <a:bodyPr spcFirstLastPara="1" wrap="square" lIns="91425" tIns="91425" rIns="91425" bIns="91425" anchor="ctr" anchorCtr="0">
               <a:noAutofit/>
             </a:bodyPr>
             <a:lstStyle/>
             <a:p>
-              <a:pPr indent="0" lvl="0" marL="0" rtl="0" algn="l">
+              <a:pPr marL="0" lvl="0" indent="0" algn="l" rtl="0">
                 <a:spcBef>
                   <a:spcPts val="0"/>
                 </a:spcBef>
@@ -1972,9 +2055,6 @@
                 </a:spcAft>
                 <a:buNone/>
               </a:pPr>
-              <a:r>
-                <a:t/>
-              </a:r>
               <a:endParaRPr/>
             </a:p>
           </p:txBody>
@@ -2001,12 +2081,12 @@
             </a:ln>
           </p:spPr>
           <p:txBody>
-            <a:bodyPr anchorCtr="0" anchor="ctr" bIns="91425" lIns="91425" spcFirstLastPara="1" rIns="91425" wrap="square" tIns="91425">
+            <a:bodyPr spcFirstLastPara="1" wrap="square" lIns="91425" tIns="91425" rIns="91425" bIns="91425" anchor="ctr" anchorCtr="0">
               <a:noAutofit/>
             </a:bodyPr>
             <a:lstStyle/>
             <a:p>
-              <a:pPr indent="0" lvl="0" marL="0" rtl="0" algn="l">
+              <a:pPr marL="0" lvl="0" indent="0" algn="l" rtl="0">
                 <a:spcBef>
                   <a:spcPts val="0"/>
                 </a:spcBef>
@@ -2015,9 +2095,6 @@
                 </a:spcAft>
                 <a:buNone/>
               </a:pPr>
-              <a:r>
-                <a:t/>
-              </a:r>
               <a:endParaRPr/>
             </a:p>
           </p:txBody>
@@ -2029,7 +2106,7 @@
             <p:nvPr/>
           </p:nvSpPr>
           <p:spPr>
-            <a:xfrm flipH="1" rot="10800000">
+            <a:xfrm rot="10800000" flipH="1">
               <a:off x="7113588" y="107"/>
               <a:ext cx="1015200" cy="1015200"/>
             </a:xfrm>
@@ -2044,12 +2121,12 @@
             </a:ln>
           </p:spPr>
           <p:txBody>
-            <a:bodyPr anchorCtr="0" anchor="ctr" bIns="91425" lIns="91425" spcFirstLastPara="1" rIns="91425" wrap="square" tIns="91425">
+            <a:bodyPr spcFirstLastPara="1" wrap="square" lIns="91425" tIns="91425" rIns="91425" bIns="91425" anchor="ctr" anchorCtr="0">
               <a:noAutofit/>
             </a:bodyPr>
             <a:lstStyle/>
             <a:p>
-              <a:pPr indent="0" lvl="0" marL="0" rtl="0" algn="l">
+              <a:pPr marL="0" lvl="0" indent="0" algn="l" rtl="0">
                 <a:spcBef>
                   <a:spcPts val="0"/>
                 </a:spcBef>
@@ -2058,9 +2135,6 @@
                 </a:spcAft>
                 <a:buNone/>
               </a:pPr>
-              <a:r>
-                <a:t/>
-              </a:r>
               <a:endParaRPr/>
             </a:p>
           </p:txBody>
@@ -2087,12 +2161,12 @@
             </a:ln>
           </p:spPr>
           <p:txBody>
-            <a:bodyPr anchorCtr="0" anchor="ctr" bIns="91425" lIns="91425" spcFirstLastPara="1" rIns="91425" wrap="square" tIns="91425">
+            <a:bodyPr spcFirstLastPara="1" wrap="square" lIns="91425" tIns="91425" rIns="91425" bIns="91425" anchor="ctr" anchorCtr="0">
               <a:noAutofit/>
             </a:bodyPr>
             <a:lstStyle/>
             <a:p>
-              <a:pPr indent="0" lvl="0" marL="0" rtl="0" algn="l">
+              <a:pPr marL="0" lvl="0" indent="0" algn="l" rtl="0">
                 <a:spcBef>
                   <a:spcPts val="0"/>
                 </a:spcBef>
@@ -2101,9 +2175,6 @@
                 </a:spcAft>
                 <a:buNone/>
               </a:pPr>
-              <a:r>
-                <a:t/>
-              </a:r>
               <a:endParaRPr/>
             </a:p>
           </p:txBody>
@@ -2130,12 +2201,12 @@
             </a:ln>
           </p:spPr>
           <p:txBody>
-            <a:bodyPr anchorCtr="0" anchor="ctr" bIns="91425" lIns="91425" spcFirstLastPara="1" rIns="91425" wrap="square" tIns="91425">
+            <a:bodyPr spcFirstLastPara="1" wrap="square" lIns="91425" tIns="91425" rIns="91425" bIns="91425" anchor="ctr" anchorCtr="0">
               <a:noAutofit/>
             </a:bodyPr>
             <a:lstStyle/>
             <a:p>
-              <a:pPr indent="0" lvl="0" marL="0" rtl="0" algn="l">
+              <a:pPr marL="0" lvl="0" indent="0" algn="l" rtl="0">
                 <a:spcBef>
                   <a:spcPts val="0"/>
                 </a:spcBef>
@@ -2144,9 +2215,6 @@
                 </a:spcAft>
                 <a:buNone/>
               </a:pPr>
-              <a:r>
-                <a:t/>
-              </a:r>
               <a:endParaRPr/>
             </a:p>
           </p:txBody>
@@ -2155,7 +2223,9 @@
       <p:sp>
         <p:nvSpPr>
           <p:cNvPr id="16" name="Google Shape;16;p2"/>
-          <p:cNvSpPr txBox="1"/>
+          <p:cNvSpPr txBox="1">
+            <a:spLocks noGrp="1"/>
+          </p:cNvSpPr>
           <p:nvPr>
             <p:ph type="ctrTitle"/>
           </p:nvPr>
@@ -2170,7 +2240,7 @@
           </a:prstGeom>
         </p:spPr>
         <p:txBody>
-          <a:bodyPr anchorCtr="0" anchor="b" bIns="91425" lIns="91425" spcFirstLastPara="1" rIns="91425" wrap="square" tIns="91425">
+          <a:bodyPr spcFirstLastPara="1" wrap="square" lIns="91425" tIns="91425" rIns="91425" bIns="91425" anchor="b" anchorCtr="0">
             <a:noAutofit/>
           </a:bodyPr>
           <a:lstStyle>
@@ -2337,15 +2407,19 @@
               </a:defRPr>
             </a:lvl9pPr>
           </a:lstStyle>
-          <a:p/>
+          <a:p>
+            <a:endParaRPr/>
+          </a:p>
         </p:txBody>
       </p:sp>
       <p:sp>
         <p:nvSpPr>
           <p:cNvPr id="17" name="Google Shape;17;p2"/>
-          <p:cNvSpPr txBox="1"/>
+          <p:cNvSpPr txBox="1">
+            <a:spLocks noGrp="1"/>
+          </p:cNvSpPr>
           <p:nvPr>
-            <p:ph idx="1" type="subTitle"/>
+            <p:ph type="subTitle" idx="1"/>
           </p:nvPr>
         </p:nvSpPr>
         <p:spPr>
@@ -2358,7 +2432,7 @@
           </a:prstGeom>
         </p:spPr>
         <p:txBody>
-          <a:bodyPr anchorCtr="0" anchor="t" bIns="91425" lIns="91425" spcFirstLastPara="1" rIns="91425" wrap="square" tIns="91425">
+          <a:bodyPr spcFirstLastPara="1" wrap="square" lIns="91425" tIns="91425" rIns="91425" bIns="91425" anchor="t" anchorCtr="0">
             <a:noAutofit/>
           </a:bodyPr>
           <a:lstStyle>
@@ -2552,15 +2626,19 @@
               </a:defRPr>
             </a:lvl9pPr>
           </a:lstStyle>
-          <a:p/>
+          <a:p>
+            <a:endParaRPr/>
+          </a:p>
         </p:txBody>
       </p:sp>
       <p:sp>
         <p:nvSpPr>
           <p:cNvPr id="18" name="Google Shape;18;p2"/>
-          <p:cNvSpPr txBox="1"/>
+          <p:cNvSpPr txBox="1">
+            <a:spLocks noGrp="1"/>
+          </p:cNvSpPr>
           <p:nvPr>
-            <p:ph idx="12" type="sldNum"/>
+            <p:ph type="sldNum" idx="12"/>
           </p:nvPr>
         </p:nvSpPr>
         <p:spPr>
@@ -2573,7 +2651,7 @@
           </a:prstGeom>
         </p:spPr>
         <p:txBody>
-          <a:bodyPr anchorCtr="0" anchor="ctr" bIns="91425" lIns="91425" spcFirstLastPara="1" rIns="91425" wrap="square" tIns="91425">
+          <a:bodyPr spcFirstLastPara="1" wrap="square" lIns="91425" tIns="91425" rIns="91425" bIns="91425" anchor="ctr" anchorCtr="0">
             <a:noAutofit/>
           </a:bodyPr>
           <a:lstStyle>
@@ -2615,7 +2693,7 @@
             </a:lvl9pPr>
           </a:lstStyle>
           <a:p>
-            <a:pPr indent="0" lvl="0" marL="0" rtl="0" algn="r">
+            <a:pPr marL="0" lvl="0" indent="0" algn="r" rtl="0">
               <a:spcBef>
                 <a:spcPts val="0"/>
               </a:spcBef>
@@ -2641,18 +2719,19 @@
 </file>
 
 <file path=ppt/slideLayouts/slideLayout10.xml><?xml version="1.0" encoding="utf-8"?>
-<p:sldLayout xmlns:a="http://schemas.openxmlformats.org/drawingml/2006/main" xmlns:r="http://schemas.openxmlformats.org/officeDocument/2006/relationships" xmlns:mc="http://schemas.openxmlformats.org/markup-compatibility/2006" xmlns:mv="urn:schemas-microsoft-com:mac:vml" xmlns:p="http://schemas.openxmlformats.org/presentationml/2006/main" xmlns:c="http://schemas.openxmlformats.org/drawingml/2006/chart" xmlns:dgm="http://schemas.openxmlformats.org/drawingml/2006/diagram" xmlns:o="urn:schemas-microsoft-com:office:office" xmlns:v="urn:schemas-microsoft-com:vml" xmlns:pvml="urn:schemas-microsoft-com:office:powerpoint" xmlns:com="http://schemas.openxmlformats.org/drawingml/2006/compatibility" xmlns:p14="http://schemas.microsoft.com/office/powerpoint/2010/main" xmlns:p15="http://schemas.microsoft.com/office/powerpoint/2012/main" matchingName="Big number">
+<p:sldLayout xmlns:a="http://schemas.openxmlformats.org/drawingml/2006/main" xmlns:r="http://schemas.openxmlformats.org/officeDocument/2006/relationships" xmlns:p="http://schemas.openxmlformats.org/presentationml/2006/main" matchingName="Big number">
   <p:cSld name="BIG_NUMBER">
     <p:bg>
       <p:bgPr>
         <a:solidFill>
           <a:schemeClr val="dk1"/>
         </a:solidFill>
+        <a:effectLst/>
       </p:bgPr>
     </p:bg>
     <p:spTree>
       <p:nvGrpSpPr>
-        <p:cNvPr id="69" name="Shape 69"/>
+        <p:cNvPr id="1" name="Shape 69"/>
         <p:cNvGrpSpPr/>
         <p:nvPr/>
       </p:nvGrpSpPr>
@@ -2700,12 +2779,12 @@
             </a:ln>
           </p:spPr>
           <p:txBody>
-            <a:bodyPr anchorCtr="0" anchor="ctr" bIns="91425" lIns="91425" spcFirstLastPara="1" rIns="91425" wrap="square" tIns="91425">
+            <a:bodyPr spcFirstLastPara="1" wrap="square" lIns="91425" tIns="91425" rIns="91425" bIns="91425" anchor="ctr" anchorCtr="0">
               <a:noAutofit/>
             </a:bodyPr>
             <a:lstStyle/>
             <a:p>
-              <a:pPr indent="0" lvl="0" marL="0" rtl="0" algn="l">
+              <a:pPr marL="0" lvl="0" indent="0" algn="l" rtl="0">
                 <a:spcBef>
                   <a:spcPts val="0"/>
                 </a:spcBef>
@@ -2714,9 +2793,6 @@
                 </a:spcAft>
                 <a:buNone/>
               </a:pPr>
-              <a:r>
-                <a:t/>
-              </a:r>
               <a:endParaRPr/>
             </a:p>
           </p:txBody>
@@ -2743,12 +2819,12 @@
             </a:ln>
           </p:spPr>
           <p:txBody>
-            <a:bodyPr anchorCtr="0" anchor="ctr" bIns="91425" lIns="91425" spcFirstLastPara="1" rIns="91425" wrap="square" tIns="91425">
+            <a:bodyPr spcFirstLastPara="1" wrap="square" lIns="91425" tIns="91425" rIns="91425" bIns="91425" anchor="ctr" anchorCtr="0">
               <a:noAutofit/>
             </a:bodyPr>
             <a:lstStyle/>
             <a:p>
-              <a:pPr indent="0" lvl="0" marL="0" rtl="0" algn="l">
+              <a:pPr marL="0" lvl="0" indent="0" algn="l" rtl="0">
                 <a:spcBef>
                   <a:spcPts val="0"/>
                 </a:spcBef>
@@ -2757,9 +2833,6 @@
                 </a:spcAft>
                 <a:buNone/>
               </a:pPr>
-              <a:r>
-                <a:t/>
-              </a:r>
               <a:endParaRPr/>
             </a:p>
           </p:txBody>
@@ -2771,7 +2844,7 @@
             <p:nvPr/>
           </p:nvSpPr>
           <p:spPr>
-            <a:xfrm flipH="1" rot="10800000">
+            <a:xfrm rot="10800000" flipH="1">
               <a:off x="7113588" y="107"/>
               <a:ext cx="1015200" cy="1015200"/>
             </a:xfrm>
@@ -2786,12 +2859,12 @@
             </a:ln>
           </p:spPr>
           <p:txBody>
-            <a:bodyPr anchorCtr="0" anchor="ctr" bIns="91425" lIns="91425" spcFirstLastPara="1" rIns="91425" wrap="square" tIns="91425">
+            <a:bodyPr spcFirstLastPara="1" wrap="square" lIns="91425" tIns="91425" rIns="91425" bIns="91425" anchor="ctr" anchorCtr="0">
               <a:noAutofit/>
             </a:bodyPr>
             <a:lstStyle/>
             <a:p>
-              <a:pPr indent="0" lvl="0" marL="0" rtl="0" algn="l">
+              <a:pPr marL="0" lvl="0" indent="0" algn="l" rtl="0">
                 <a:spcBef>
                   <a:spcPts val="0"/>
                 </a:spcBef>
@@ -2800,9 +2873,6 @@
                 </a:spcAft>
                 <a:buNone/>
               </a:pPr>
-              <a:r>
-                <a:t/>
-              </a:r>
               <a:endParaRPr/>
             </a:p>
           </p:txBody>
@@ -2829,12 +2899,12 @@
             </a:ln>
           </p:spPr>
           <p:txBody>
-            <a:bodyPr anchorCtr="0" anchor="ctr" bIns="91425" lIns="91425" spcFirstLastPara="1" rIns="91425" wrap="square" tIns="91425">
+            <a:bodyPr spcFirstLastPara="1" wrap="square" lIns="91425" tIns="91425" rIns="91425" bIns="91425" anchor="ctr" anchorCtr="0">
               <a:noAutofit/>
             </a:bodyPr>
             <a:lstStyle/>
             <a:p>
-              <a:pPr indent="0" lvl="0" marL="0" rtl="0" algn="l">
+              <a:pPr marL="0" lvl="0" indent="0" algn="l" rtl="0">
                 <a:spcBef>
                   <a:spcPts val="0"/>
                 </a:spcBef>
@@ -2843,9 +2913,6 @@
                 </a:spcAft>
                 <a:buNone/>
               </a:pPr>
-              <a:r>
-                <a:t/>
-              </a:r>
               <a:endParaRPr/>
             </a:p>
           </p:txBody>
@@ -2872,12 +2939,12 @@
             </a:ln>
           </p:spPr>
           <p:txBody>
-            <a:bodyPr anchorCtr="0" anchor="ctr" bIns="91425" lIns="91425" spcFirstLastPara="1" rIns="91425" wrap="square" tIns="91425">
+            <a:bodyPr spcFirstLastPara="1" wrap="square" lIns="91425" tIns="91425" rIns="91425" bIns="91425" anchor="ctr" anchorCtr="0">
               <a:noAutofit/>
             </a:bodyPr>
             <a:lstStyle/>
             <a:p>
-              <a:pPr indent="0" lvl="0" marL="0" rtl="0" algn="l">
+              <a:pPr marL="0" lvl="0" indent="0" algn="l" rtl="0">
                 <a:spcBef>
                   <a:spcPts val="0"/>
                 </a:spcBef>
@@ -2886,9 +2953,6 @@
                 </a:spcAft>
                 <a:buNone/>
               </a:pPr>
-              <a:r>
-                <a:t/>
-              </a:r>
               <a:endParaRPr/>
             </a:p>
           </p:txBody>
@@ -2897,9 +2961,11 @@
       <p:sp>
         <p:nvSpPr>
           <p:cNvPr id="76" name="Google Shape;76;p11"/>
-          <p:cNvSpPr txBox="1"/>
+          <p:cNvSpPr txBox="1">
+            <a:spLocks noGrp="1"/>
+          </p:cNvSpPr>
           <p:nvPr>
-            <p:ph hasCustomPrompt="1" type="title"/>
+            <p:ph type="title" hasCustomPrompt="1"/>
           </p:nvPr>
         </p:nvSpPr>
         <p:spPr>
@@ -2912,7 +2978,7 @@
           </a:prstGeom>
         </p:spPr>
         <p:txBody>
-          <a:bodyPr anchorCtr="0" anchor="b" bIns="91425" lIns="91425" spcFirstLastPara="1" rIns="91425" wrap="square" tIns="91425">
+          <a:bodyPr spcFirstLastPara="1" wrap="square" lIns="91425" tIns="91425" rIns="91425" bIns="91425" anchor="b" anchorCtr="0">
             <a:noAutofit/>
           </a:bodyPr>
           <a:lstStyle>
@@ -3089,9 +3155,11 @@
       <p:sp>
         <p:nvSpPr>
           <p:cNvPr id="77" name="Google Shape;77;p11"/>
-          <p:cNvSpPr txBox="1"/>
+          <p:cNvSpPr txBox="1">
+            <a:spLocks noGrp="1"/>
+          </p:cNvSpPr>
           <p:nvPr>
-            <p:ph idx="1" type="body"/>
+            <p:ph type="body" idx="1"/>
           </p:nvPr>
         </p:nvSpPr>
         <p:spPr>
@@ -3104,11 +3172,11 @@
           </a:prstGeom>
         </p:spPr>
         <p:txBody>
-          <a:bodyPr anchorCtr="0" anchor="t" bIns="91425" lIns="91425" spcFirstLastPara="1" rIns="91425" wrap="square" tIns="91425">
+          <a:bodyPr spcFirstLastPara="1" wrap="square" lIns="91425" tIns="91425" rIns="91425" bIns="91425" anchor="t" anchorCtr="0">
             <a:noAutofit/>
           </a:bodyPr>
           <a:lstStyle>
-            <a:lvl1pPr indent="-342900" lvl="0" marL="457200" algn="ctr">
+            <a:lvl1pPr marL="457200" lvl="0" indent="-342900" algn="ctr">
               <a:spcBef>
                 <a:spcPts val="0"/>
               </a:spcBef>
@@ -3126,7 +3194,7 @@
                 </a:solidFill>
               </a:defRPr>
             </a:lvl1pPr>
-            <a:lvl2pPr indent="-317500" lvl="1" marL="914400" algn="ctr">
+            <a:lvl2pPr marL="914400" lvl="1" indent="-317500" algn="ctr">
               <a:spcBef>
                 <a:spcPts val="1600"/>
               </a:spcBef>
@@ -3144,7 +3212,7 @@
                 </a:solidFill>
               </a:defRPr>
             </a:lvl2pPr>
-            <a:lvl3pPr indent="-317500" lvl="2" marL="1371600" algn="ctr">
+            <a:lvl3pPr marL="1371600" lvl="2" indent="-317500" algn="ctr">
               <a:spcBef>
                 <a:spcPts val="1600"/>
               </a:spcBef>
@@ -3162,7 +3230,7 @@
                 </a:solidFill>
               </a:defRPr>
             </a:lvl3pPr>
-            <a:lvl4pPr indent="-317500" lvl="3" marL="1828800" algn="ctr">
+            <a:lvl4pPr marL="1828800" lvl="3" indent="-317500" algn="ctr">
               <a:spcBef>
                 <a:spcPts val="1600"/>
               </a:spcBef>
@@ -3180,7 +3248,7 @@
                 </a:solidFill>
               </a:defRPr>
             </a:lvl4pPr>
-            <a:lvl5pPr indent="-317500" lvl="4" marL="2286000" algn="ctr">
+            <a:lvl5pPr marL="2286000" lvl="4" indent="-317500" algn="ctr">
               <a:spcBef>
                 <a:spcPts val="1600"/>
               </a:spcBef>
@@ -3198,7 +3266,7 @@
                 </a:solidFill>
               </a:defRPr>
             </a:lvl5pPr>
-            <a:lvl6pPr indent="-317500" lvl="5" marL="2743200" algn="ctr">
+            <a:lvl6pPr marL="2743200" lvl="5" indent="-317500" algn="ctr">
               <a:spcBef>
                 <a:spcPts val="1600"/>
               </a:spcBef>
@@ -3216,7 +3284,7 @@
                 </a:solidFill>
               </a:defRPr>
             </a:lvl6pPr>
-            <a:lvl7pPr indent="-317500" lvl="6" marL="3200400" algn="ctr">
+            <a:lvl7pPr marL="3200400" lvl="6" indent="-317500" algn="ctr">
               <a:spcBef>
                 <a:spcPts val="1600"/>
               </a:spcBef>
@@ -3234,7 +3302,7 @@
                 </a:solidFill>
               </a:defRPr>
             </a:lvl7pPr>
-            <a:lvl8pPr indent="-317500" lvl="7" marL="3657600" algn="ctr">
+            <a:lvl8pPr marL="3657600" lvl="7" indent="-317500" algn="ctr">
               <a:spcBef>
                 <a:spcPts val="1600"/>
               </a:spcBef>
@@ -3252,7 +3320,7 @@
                 </a:solidFill>
               </a:defRPr>
             </a:lvl8pPr>
-            <a:lvl9pPr indent="-317500" lvl="8" marL="4114800" algn="ctr">
+            <a:lvl9pPr marL="4114800" lvl="8" indent="-317500" algn="ctr">
               <a:spcBef>
                 <a:spcPts val="1600"/>
               </a:spcBef>
@@ -3271,15 +3339,19 @@
               </a:defRPr>
             </a:lvl9pPr>
           </a:lstStyle>
-          <a:p/>
+          <a:p>
+            <a:endParaRPr/>
+          </a:p>
         </p:txBody>
       </p:sp>
       <p:sp>
         <p:nvSpPr>
           <p:cNvPr id="78" name="Google Shape;78;p11"/>
-          <p:cNvSpPr txBox="1"/>
+          <p:cNvSpPr txBox="1">
+            <a:spLocks noGrp="1"/>
+          </p:cNvSpPr>
           <p:nvPr>
-            <p:ph idx="12" type="sldNum"/>
+            <p:ph type="sldNum" idx="12"/>
           </p:nvPr>
         </p:nvSpPr>
         <p:spPr>
@@ -3292,7 +3364,7 @@
           </a:prstGeom>
         </p:spPr>
         <p:txBody>
-          <a:bodyPr anchorCtr="0" anchor="ctr" bIns="91425" lIns="91425" spcFirstLastPara="1" rIns="91425" wrap="square" tIns="91425">
+          <a:bodyPr spcFirstLastPara="1" wrap="square" lIns="91425" tIns="91425" rIns="91425" bIns="91425" anchor="ctr" anchorCtr="0">
             <a:noAutofit/>
           </a:bodyPr>
           <a:lstStyle>
@@ -3334,7 +3406,7 @@
             </a:lvl9pPr>
           </a:lstStyle>
           <a:p>
-            <a:pPr indent="0" lvl="0" marL="0" rtl="0" algn="r">
+            <a:pPr marL="0" lvl="0" indent="0" algn="r" rtl="0">
               <a:spcBef>
                 <a:spcPts val="0"/>
               </a:spcBef>
@@ -3360,11 +3432,11 @@
 </file>
 
 <file path=ppt/slideLayouts/slideLayout11.xml><?xml version="1.0" encoding="utf-8"?>
-<p:sldLayout xmlns:a="http://schemas.openxmlformats.org/drawingml/2006/main" xmlns:r="http://schemas.openxmlformats.org/officeDocument/2006/relationships" xmlns:mc="http://schemas.openxmlformats.org/markup-compatibility/2006" xmlns:mv="urn:schemas-microsoft-com:mac:vml" xmlns:p="http://schemas.openxmlformats.org/presentationml/2006/main" xmlns:c="http://schemas.openxmlformats.org/drawingml/2006/chart" xmlns:dgm="http://schemas.openxmlformats.org/drawingml/2006/diagram" xmlns:o="urn:schemas-microsoft-com:office:office" xmlns:v="urn:schemas-microsoft-com:vml" xmlns:pvml="urn:schemas-microsoft-com:office:powerpoint" xmlns:com="http://schemas.openxmlformats.org/drawingml/2006/compatibility" xmlns:p14="http://schemas.microsoft.com/office/powerpoint/2010/main" xmlns:p15="http://schemas.microsoft.com/office/powerpoint/2012/main" matchingName="Blank" type="blank">
+<p:sldLayout xmlns:a="http://schemas.openxmlformats.org/drawingml/2006/main" xmlns:r="http://schemas.openxmlformats.org/officeDocument/2006/relationships" xmlns:p="http://schemas.openxmlformats.org/presentationml/2006/main" matchingName="Blank" type="blank">
   <p:cSld name="BLANK">
     <p:spTree>
       <p:nvGrpSpPr>
-        <p:cNvPr id="79" name="Shape 79"/>
+        <p:cNvPr id="1" name="Shape 79"/>
         <p:cNvGrpSpPr/>
         <p:nvPr/>
       </p:nvGrpSpPr>
@@ -3379,9 +3451,11 @@
       <p:sp>
         <p:nvSpPr>
           <p:cNvPr id="80" name="Google Shape;80;p12"/>
-          <p:cNvSpPr txBox="1"/>
+          <p:cNvSpPr txBox="1">
+            <a:spLocks noGrp="1"/>
+          </p:cNvSpPr>
           <p:nvPr>
-            <p:ph idx="12" type="sldNum"/>
+            <p:ph type="sldNum" idx="12"/>
           </p:nvPr>
         </p:nvSpPr>
         <p:spPr>
@@ -3394,7 +3468,7 @@
           </a:prstGeom>
         </p:spPr>
         <p:txBody>
-          <a:bodyPr anchorCtr="0" anchor="ctr" bIns="91425" lIns="91425" spcFirstLastPara="1" rIns="91425" wrap="square" tIns="91425">
+          <a:bodyPr spcFirstLastPara="1" wrap="square" lIns="91425" tIns="91425" rIns="91425" bIns="91425" anchor="ctr" anchorCtr="0">
             <a:noAutofit/>
           </a:bodyPr>
           <a:lstStyle>
@@ -3472,7 +3546,7 @@
             </a:lvl9pPr>
           </a:lstStyle>
           <a:p>
-            <a:pPr indent="0" lvl="0" marL="0" rtl="0" algn="r">
+            <a:pPr marL="0" lvl="0" indent="0" algn="r" rtl="0">
               <a:spcBef>
                 <a:spcPts val="0"/>
               </a:spcBef>
@@ -3498,18 +3572,19 @@
 </file>
 
 <file path=ppt/slideLayouts/slideLayout2.xml><?xml version="1.0" encoding="utf-8"?>
-<p:sldLayout xmlns:a="http://schemas.openxmlformats.org/drawingml/2006/main" xmlns:r="http://schemas.openxmlformats.org/officeDocument/2006/relationships" xmlns:mc="http://schemas.openxmlformats.org/markup-compatibility/2006" xmlns:mv="urn:schemas-microsoft-com:mac:vml" xmlns:p="http://schemas.openxmlformats.org/presentationml/2006/main" xmlns:c="http://schemas.openxmlformats.org/drawingml/2006/chart" xmlns:dgm="http://schemas.openxmlformats.org/drawingml/2006/diagram" xmlns:o="urn:schemas-microsoft-com:office:office" xmlns:v="urn:schemas-microsoft-com:vml" xmlns:pvml="urn:schemas-microsoft-com:office:powerpoint" xmlns:com="http://schemas.openxmlformats.org/drawingml/2006/compatibility" xmlns:p14="http://schemas.microsoft.com/office/powerpoint/2010/main" xmlns:p15="http://schemas.microsoft.com/office/powerpoint/2012/main" matchingName="Section header" type="secHead">
+<p:sldLayout xmlns:a="http://schemas.openxmlformats.org/drawingml/2006/main" xmlns:r="http://schemas.openxmlformats.org/officeDocument/2006/relationships" xmlns:p="http://schemas.openxmlformats.org/presentationml/2006/main" matchingName="Section header" type="secHead">
   <p:cSld name="SECTION_HEADER">
     <p:bg>
       <p:bgPr>
         <a:solidFill>
           <a:schemeClr val="dk1"/>
         </a:solidFill>
+        <a:effectLst/>
       </p:bgPr>
     </p:bg>
     <p:spTree>
       <p:nvGrpSpPr>
-        <p:cNvPr id="19" name="Shape 19"/>
+        <p:cNvPr id="1" name="Shape 19"/>
         <p:cNvGrpSpPr/>
         <p:nvPr/>
       </p:nvGrpSpPr>
@@ -3557,12 +3632,12 @@
             </a:ln>
           </p:spPr>
           <p:txBody>
-            <a:bodyPr anchorCtr="0" anchor="ctr" bIns="91425" lIns="91425" spcFirstLastPara="1" rIns="91425" wrap="square" tIns="91425">
+            <a:bodyPr spcFirstLastPara="1" wrap="square" lIns="91425" tIns="91425" rIns="91425" bIns="91425" anchor="ctr" anchorCtr="0">
               <a:noAutofit/>
             </a:bodyPr>
             <a:lstStyle/>
             <a:p>
-              <a:pPr indent="0" lvl="0" marL="0" rtl="0" algn="l">
+              <a:pPr marL="0" lvl="0" indent="0" algn="l" rtl="0">
                 <a:spcBef>
                   <a:spcPts val="0"/>
                 </a:spcBef>
@@ -3571,9 +3646,6 @@
                 </a:spcAft>
                 <a:buNone/>
               </a:pPr>
-              <a:r>
-                <a:t/>
-              </a:r>
               <a:endParaRPr/>
             </a:p>
           </p:txBody>
@@ -3600,12 +3672,12 @@
             </a:ln>
           </p:spPr>
           <p:txBody>
-            <a:bodyPr anchorCtr="0" anchor="ctr" bIns="91425" lIns="91425" spcFirstLastPara="1" rIns="91425" wrap="square" tIns="91425">
+            <a:bodyPr spcFirstLastPara="1" wrap="square" lIns="91425" tIns="91425" rIns="91425" bIns="91425" anchor="ctr" anchorCtr="0">
               <a:noAutofit/>
             </a:bodyPr>
             <a:lstStyle/>
             <a:p>
-              <a:pPr indent="0" lvl="0" marL="0" rtl="0" algn="l">
+              <a:pPr marL="0" lvl="0" indent="0" algn="l" rtl="0">
                 <a:spcBef>
                   <a:spcPts val="0"/>
                 </a:spcBef>
@@ -3614,9 +3686,6 @@
                 </a:spcAft>
                 <a:buNone/>
               </a:pPr>
-              <a:r>
-                <a:t/>
-              </a:r>
               <a:endParaRPr/>
             </a:p>
           </p:txBody>
@@ -3628,7 +3697,7 @@
             <p:nvPr/>
           </p:nvSpPr>
           <p:spPr>
-            <a:xfrm flipH="1" rot="10800000">
+            <a:xfrm rot="10800000" flipH="1">
               <a:off x="7113588" y="107"/>
               <a:ext cx="1015200" cy="1015200"/>
             </a:xfrm>
@@ -3643,12 +3712,12 @@
             </a:ln>
           </p:spPr>
           <p:txBody>
-            <a:bodyPr anchorCtr="0" anchor="ctr" bIns="91425" lIns="91425" spcFirstLastPara="1" rIns="91425" wrap="square" tIns="91425">
+            <a:bodyPr spcFirstLastPara="1" wrap="square" lIns="91425" tIns="91425" rIns="91425" bIns="91425" anchor="ctr" anchorCtr="0">
               <a:noAutofit/>
             </a:bodyPr>
             <a:lstStyle/>
             <a:p>
-              <a:pPr indent="0" lvl="0" marL="0" rtl="0" algn="l">
+              <a:pPr marL="0" lvl="0" indent="0" algn="l" rtl="0">
                 <a:spcBef>
                   <a:spcPts val="0"/>
                 </a:spcBef>
@@ -3657,9 +3726,6 @@
                 </a:spcAft>
                 <a:buNone/>
               </a:pPr>
-              <a:r>
-                <a:t/>
-              </a:r>
               <a:endParaRPr/>
             </a:p>
           </p:txBody>
@@ -3686,12 +3752,12 @@
             </a:ln>
           </p:spPr>
           <p:txBody>
-            <a:bodyPr anchorCtr="0" anchor="ctr" bIns="91425" lIns="91425" spcFirstLastPara="1" rIns="91425" wrap="square" tIns="91425">
+            <a:bodyPr spcFirstLastPara="1" wrap="square" lIns="91425" tIns="91425" rIns="91425" bIns="91425" anchor="ctr" anchorCtr="0">
               <a:noAutofit/>
             </a:bodyPr>
             <a:lstStyle/>
             <a:p>
-              <a:pPr indent="0" lvl="0" marL="0" rtl="0" algn="l">
+              <a:pPr marL="0" lvl="0" indent="0" algn="l" rtl="0">
                 <a:spcBef>
                   <a:spcPts val="0"/>
                 </a:spcBef>
@@ -3700,9 +3766,6 @@
                 </a:spcAft>
                 <a:buNone/>
               </a:pPr>
-              <a:r>
-                <a:t/>
-              </a:r>
               <a:endParaRPr/>
             </a:p>
           </p:txBody>
@@ -3729,12 +3792,12 @@
             </a:ln>
           </p:spPr>
           <p:txBody>
-            <a:bodyPr anchorCtr="0" anchor="ctr" bIns="91425" lIns="91425" spcFirstLastPara="1" rIns="91425" wrap="square" tIns="91425">
+            <a:bodyPr spcFirstLastPara="1" wrap="square" lIns="91425" tIns="91425" rIns="91425" bIns="91425" anchor="ctr" anchorCtr="0">
               <a:noAutofit/>
             </a:bodyPr>
             <a:lstStyle/>
             <a:p>
-              <a:pPr indent="0" lvl="0" marL="0" rtl="0" algn="l">
+              <a:pPr marL="0" lvl="0" indent="0" algn="l" rtl="0">
                 <a:spcBef>
                   <a:spcPts val="0"/>
                 </a:spcBef>
@@ -3743,9 +3806,6 @@
                 </a:spcAft>
                 <a:buNone/>
               </a:pPr>
-              <a:r>
-                <a:t/>
-              </a:r>
               <a:endParaRPr/>
             </a:p>
           </p:txBody>
@@ -3754,7 +3814,9 @@
       <p:sp>
         <p:nvSpPr>
           <p:cNvPr id="26" name="Google Shape;26;p3"/>
-          <p:cNvSpPr txBox="1"/>
+          <p:cNvSpPr txBox="1">
+            <a:spLocks noGrp="1"/>
+          </p:cNvSpPr>
           <p:nvPr>
             <p:ph type="title"/>
           </p:nvPr>
@@ -3769,7 +3831,7 @@
           </a:prstGeom>
         </p:spPr>
         <p:txBody>
-          <a:bodyPr anchorCtr="0" anchor="ctr" bIns="91425" lIns="91425" spcFirstLastPara="1" rIns="91425" wrap="square" tIns="91425">
+          <a:bodyPr spcFirstLastPara="1" wrap="square" lIns="91425" tIns="91425" rIns="91425" bIns="91425" anchor="ctr" anchorCtr="0">
             <a:noAutofit/>
           </a:bodyPr>
           <a:lstStyle>
@@ -3936,15 +3998,19 @@
               </a:defRPr>
             </a:lvl9pPr>
           </a:lstStyle>
-          <a:p/>
+          <a:p>
+            <a:endParaRPr/>
+          </a:p>
         </p:txBody>
       </p:sp>
       <p:sp>
         <p:nvSpPr>
           <p:cNvPr id="27" name="Google Shape;27;p3"/>
-          <p:cNvSpPr txBox="1"/>
+          <p:cNvSpPr txBox="1">
+            <a:spLocks noGrp="1"/>
+          </p:cNvSpPr>
           <p:nvPr>
-            <p:ph idx="12" type="sldNum"/>
+            <p:ph type="sldNum" idx="12"/>
           </p:nvPr>
         </p:nvSpPr>
         <p:spPr>
@@ -3957,7 +4023,7 @@
           </a:prstGeom>
         </p:spPr>
         <p:txBody>
-          <a:bodyPr anchorCtr="0" anchor="ctr" bIns="91425" lIns="91425" spcFirstLastPara="1" rIns="91425" wrap="square" tIns="91425">
+          <a:bodyPr spcFirstLastPara="1" wrap="square" lIns="91425" tIns="91425" rIns="91425" bIns="91425" anchor="ctr" anchorCtr="0">
             <a:noAutofit/>
           </a:bodyPr>
           <a:lstStyle>
@@ -3999,7 +4065,7 @@
             </a:lvl9pPr>
           </a:lstStyle>
           <a:p>
-            <a:pPr indent="0" lvl="0" marL="0" rtl="0" algn="r">
+            <a:pPr marL="0" lvl="0" indent="0" algn="r" rtl="0">
               <a:spcBef>
                 <a:spcPts val="0"/>
               </a:spcBef>
@@ -4025,11 +4091,11 @@
 </file>
 
 <file path=ppt/slideLayouts/slideLayout3.xml><?xml version="1.0" encoding="utf-8"?>
-<p:sldLayout xmlns:a="http://schemas.openxmlformats.org/drawingml/2006/main" xmlns:r="http://schemas.openxmlformats.org/officeDocument/2006/relationships" xmlns:mc="http://schemas.openxmlformats.org/markup-compatibility/2006" xmlns:mv="urn:schemas-microsoft-com:mac:vml" xmlns:p="http://schemas.openxmlformats.org/presentationml/2006/main" xmlns:c="http://schemas.openxmlformats.org/drawingml/2006/chart" xmlns:dgm="http://schemas.openxmlformats.org/drawingml/2006/diagram" xmlns:o="urn:schemas-microsoft-com:office:office" xmlns:v="urn:schemas-microsoft-com:vml" xmlns:pvml="urn:schemas-microsoft-com:office:powerpoint" xmlns:com="http://schemas.openxmlformats.org/drawingml/2006/compatibility" xmlns:p14="http://schemas.microsoft.com/office/powerpoint/2010/main" xmlns:p15="http://schemas.microsoft.com/office/powerpoint/2012/main" matchingName="Title and body" type="tx">
+<p:sldLayout xmlns:a="http://schemas.openxmlformats.org/drawingml/2006/main" xmlns:r="http://schemas.openxmlformats.org/officeDocument/2006/relationships" xmlns:p="http://schemas.openxmlformats.org/presentationml/2006/main" matchingName="Title and body" type="tx">
   <p:cSld name="TITLE_AND_BODY">
     <p:spTree>
       <p:nvGrpSpPr>
-        <p:cNvPr id="28" name="Shape 28"/>
+        <p:cNvPr id="1" name="Shape 28"/>
         <p:cNvGrpSpPr/>
         <p:nvPr/>
       </p:nvGrpSpPr>
@@ -4077,12 +4143,12 @@
             </a:ln>
           </p:spPr>
           <p:txBody>
-            <a:bodyPr anchorCtr="0" anchor="ctr" bIns="91425" lIns="91425" spcFirstLastPara="1" rIns="91425" wrap="square" tIns="91425">
+            <a:bodyPr spcFirstLastPara="1" wrap="square" lIns="91425" tIns="91425" rIns="91425" bIns="91425" anchor="ctr" anchorCtr="0">
               <a:noAutofit/>
             </a:bodyPr>
             <a:lstStyle/>
             <a:p>
-              <a:pPr indent="0" lvl="0" marL="0" rtl="0" algn="l">
+              <a:pPr marL="0" lvl="0" indent="0" algn="l" rtl="0">
                 <a:spcBef>
                   <a:spcPts val="0"/>
                 </a:spcBef>
@@ -4091,9 +4157,6 @@
                 </a:spcAft>
                 <a:buNone/>
               </a:pPr>
-              <a:r>
-                <a:t/>
-              </a:r>
               <a:endParaRPr/>
             </a:p>
           </p:txBody>
@@ -4120,12 +4183,12 @@
             </a:ln>
           </p:spPr>
           <p:txBody>
-            <a:bodyPr anchorCtr="0" anchor="ctr" bIns="91425" lIns="91425" spcFirstLastPara="1" rIns="91425" wrap="square" tIns="91425">
+            <a:bodyPr spcFirstLastPara="1" wrap="square" lIns="91425" tIns="91425" rIns="91425" bIns="91425" anchor="ctr" anchorCtr="0">
               <a:noAutofit/>
             </a:bodyPr>
             <a:lstStyle/>
             <a:p>
-              <a:pPr indent="0" lvl="0" marL="0" rtl="0" algn="l">
+              <a:pPr marL="0" lvl="0" indent="0" algn="l" rtl="0">
                 <a:spcBef>
                   <a:spcPts val="0"/>
                 </a:spcBef>
@@ -4134,9 +4197,6 @@
                 </a:spcAft>
                 <a:buNone/>
               </a:pPr>
-              <a:r>
-                <a:t/>
-              </a:r>
               <a:endParaRPr/>
             </a:p>
           </p:txBody>
@@ -4163,12 +4223,12 @@
             </a:ln>
           </p:spPr>
           <p:txBody>
-            <a:bodyPr anchorCtr="0" anchor="ctr" bIns="91425" lIns="91425" spcFirstLastPara="1" rIns="91425" wrap="square" tIns="91425">
+            <a:bodyPr spcFirstLastPara="1" wrap="square" lIns="91425" tIns="91425" rIns="91425" bIns="91425" anchor="ctr" anchorCtr="0">
               <a:noAutofit/>
             </a:bodyPr>
             <a:lstStyle/>
             <a:p>
-              <a:pPr indent="0" lvl="0" marL="0" rtl="0" algn="l">
+              <a:pPr marL="0" lvl="0" indent="0" algn="l" rtl="0">
                 <a:spcBef>
                   <a:spcPts val="0"/>
                 </a:spcBef>
@@ -4177,9 +4237,6 @@
                 </a:spcAft>
                 <a:buNone/>
               </a:pPr>
-              <a:r>
-                <a:t/>
-              </a:r>
               <a:endParaRPr/>
             </a:p>
           </p:txBody>
@@ -4206,12 +4263,12 @@
             </a:ln>
           </p:spPr>
           <p:txBody>
-            <a:bodyPr anchorCtr="0" anchor="ctr" bIns="91425" lIns="91425" spcFirstLastPara="1" rIns="91425" wrap="square" tIns="91425">
+            <a:bodyPr spcFirstLastPara="1" wrap="square" lIns="91425" tIns="91425" rIns="91425" bIns="91425" anchor="ctr" anchorCtr="0">
               <a:noAutofit/>
             </a:bodyPr>
             <a:lstStyle/>
             <a:p>
-              <a:pPr indent="0" lvl="0" marL="0" rtl="0" algn="l">
+              <a:pPr marL="0" lvl="0" indent="0" algn="l" rtl="0">
                 <a:spcBef>
                   <a:spcPts val="0"/>
                 </a:spcBef>
@@ -4220,9 +4277,6 @@
                 </a:spcAft>
                 <a:buNone/>
               </a:pPr>
-              <a:r>
-                <a:t/>
-              </a:r>
               <a:endParaRPr/>
             </a:p>
           </p:txBody>
@@ -4249,12 +4303,12 @@
             </a:ln>
           </p:spPr>
           <p:txBody>
-            <a:bodyPr anchorCtr="0" anchor="ctr" bIns="91425" lIns="91425" spcFirstLastPara="1" rIns="91425" wrap="square" tIns="91425">
+            <a:bodyPr spcFirstLastPara="1" wrap="square" lIns="91425" tIns="91425" rIns="91425" bIns="91425" anchor="ctr" anchorCtr="0">
               <a:noAutofit/>
             </a:bodyPr>
             <a:lstStyle/>
             <a:p>
-              <a:pPr indent="0" lvl="0" marL="0" rtl="0" algn="l">
+              <a:pPr marL="0" lvl="0" indent="0" algn="l" rtl="0">
                 <a:spcBef>
                   <a:spcPts val="0"/>
                 </a:spcBef>
@@ -4263,9 +4317,6 @@
                 </a:spcAft>
                 <a:buNone/>
               </a:pPr>
-              <a:r>
-                <a:t/>
-              </a:r>
               <a:endParaRPr/>
             </a:p>
           </p:txBody>
@@ -4274,7 +4325,9 @@
       <p:sp>
         <p:nvSpPr>
           <p:cNvPr id="35" name="Google Shape;35;p4"/>
-          <p:cNvSpPr txBox="1"/>
+          <p:cNvSpPr txBox="1">
+            <a:spLocks noGrp="1"/>
+          </p:cNvSpPr>
           <p:nvPr>
             <p:ph type="title"/>
           </p:nvPr>
@@ -4289,7 +4342,7 @@
           </a:prstGeom>
         </p:spPr>
         <p:txBody>
-          <a:bodyPr anchorCtr="0" anchor="t" bIns="91425" lIns="91425" spcFirstLastPara="1" rIns="91425" wrap="square" tIns="91425">
+          <a:bodyPr spcFirstLastPara="1" wrap="square" lIns="91425" tIns="91425" rIns="91425" bIns="91425" anchor="t" anchorCtr="0">
             <a:noAutofit/>
           </a:bodyPr>
           <a:lstStyle>
@@ -4393,15 +4446,19 @@
               <a:defRPr/>
             </a:lvl9pPr>
           </a:lstStyle>
-          <a:p/>
+          <a:p>
+            <a:endParaRPr/>
+          </a:p>
         </p:txBody>
       </p:sp>
       <p:sp>
         <p:nvSpPr>
           <p:cNvPr id="36" name="Google Shape;36;p4"/>
-          <p:cNvSpPr txBox="1"/>
+          <p:cNvSpPr txBox="1">
+            <a:spLocks noGrp="1"/>
+          </p:cNvSpPr>
           <p:nvPr>
-            <p:ph idx="1" type="body"/>
+            <p:ph type="body" idx="1"/>
           </p:nvPr>
         </p:nvSpPr>
         <p:spPr>
@@ -4414,11 +4471,11 @@
           </a:prstGeom>
         </p:spPr>
         <p:txBody>
-          <a:bodyPr anchorCtr="0" anchor="t" bIns="91425" lIns="91425" spcFirstLastPara="1" rIns="91425" wrap="square" tIns="91425">
+          <a:bodyPr spcFirstLastPara="1" wrap="square" lIns="91425" tIns="91425" rIns="91425" bIns="91425" anchor="t" anchorCtr="0">
             <a:noAutofit/>
           </a:bodyPr>
           <a:lstStyle>
-            <a:lvl1pPr indent="-342900" lvl="0" marL="457200">
+            <a:lvl1pPr marL="457200" lvl="0" indent="-342900">
               <a:spcBef>
                 <a:spcPts val="0"/>
               </a:spcBef>
@@ -4429,7 +4486,7 @@
               <a:buChar char="●"/>
               <a:defRPr/>
             </a:lvl1pPr>
-            <a:lvl2pPr indent="-317500" lvl="1" marL="914400">
+            <a:lvl2pPr marL="914400" lvl="1" indent="-317500">
               <a:spcBef>
                 <a:spcPts val="1600"/>
               </a:spcBef>
@@ -4440,7 +4497,7 @@
               <a:buChar char="○"/>
               <a:defRPr/>
             </a:lvl2pPr>
-            <a:lvl3pPr indent="-317500" lvl="2" marL="1371600">
+            <a:lvl3pPr marL="1371600" lvl="2" indent="-317500">
               <a:spcBef>
                 <a:spcPts val="1600"/>
               </a:spcBef>
@@ -4451,7 +4508,7 @@
               <a:buChar char="■"/>
               <a:defRPr/>
             </a:lvl3pPr>
-            <a:lvl4pPr indent="-317500" lvl="3" marL="1828800">
+            <a:lvl4pPr marL="1828800" lvl="3" indent="-317500">
               <a:spcBef>
                 <a:spcPts val="1600"/>
               </a:spcBef>
@@ -4462,7 +4519,7 @@
               <a:buChar char="●"/>
               <a:defRPr/>
             </a:lvl4pPr>
-            <a:lvl5pPr indent="-317500" lvl="4" marL="2286000">
+            <a:lvl5pPr marL="2286000" lvl="4" indent="-317500">
               <a:spcBef>
                 <a:spcPts val="1600"/>
               </a:spcBef>
@@ -4473,7 +4530,7 @@
               <a:buChar char="○"/>
               <a:defRPr/>
             </a:lvl5pPr>
-            <a:lvl6pPr indent="-317500" lvl="5" marL="2743200">
+            <a:lvl6pPr marL="2743200" lvl="5" indent="-317500">
               <a:spcBef>
                 <a:spcPts val="1600"/>
               </a:spcBef>
@@ -4484,7 +4541,7 @@
               <a:buChar char="■"/>
               <a:defRPr/>
             </a:lvl6pPr>
-            <a:lvl7pPr indent="-317500" lvl="6" marL="3200400">
+            <a:lvl7pPr marL="3200400" lvl="6" indent="-317500">
               <a:spcBef>
                 <a:spcPts val="1600"/>
               </a:spcBef>
@@ -4495,7 +4552,7 @@
               <a:buChar char="●"/>
               <a:defRPr/>
             </a:lvl7pPr>
-            <a:lvl8pPr indent="-317500" lvl="7" marL="3657600">
+            <a:lvl8pPr marL="3657600" lvl="7" indent="-317500">
               <a:spcBef>
                 <a:spcPts val="1600"/>
               </a:spcBef>
@@ -4506,7 +4563,7 @@
               <a:buChar char="○"/>
               <a:defRPr/>
             </a:lvl8pPr>
-            <a:lvl9pPr indent="-317500" lvl="8" marL="4114800">
+            <a:lvl9pPr marL="4114800" lvl="8" indent="-317500">
               <a:spcBef>
                 <a:spcPts val="1600"/>
               </a:spcBef>
@@ -4518,15 +4575,19 @@
               <a:defRPr/>
             </a:lvl9pPr>
           </a:lstStyle>
-          <a:p/>
+          <a:p>
+            <a:endParaRPr/>
+          </a:p>
         </p:txBody>
       </p:sp>
       <p:sp>
         <p:nvSpPr>
           <p:cNvPr id="37" name="Google Shape;37;p4"/>
-          <p:cNvSpPr txBox="1"/>
+          <p:cNvSpPr txBox="1">
+            <a:spLocks noGrp="1"/>
+          </p:cNvSpPr>
           <p:nvPr>
-            <p:ph idx="12" type="sldNum"/>
+            <p:ph type="sldNum" idx="12"/>
           </p:nvPr>
         </p:nvSpPr>
         <p:spPr>
@@ -4539,7 +4600,7 @@
           </a:prstGeom>
         </p:spPr>
         <p:txBody>
-          <a:bodyPr anchorCtr="0" anchor="ctr" bIns="91425" lIns="91425" spcFirstLastPara="1" rIns="91425" wrap="square" tIns="91425">
+          <a:bodyPr spcFirstLastPara="1" wrap="square" lIns="91425" tIns="91425" rIns="91425" bIns="91425" anchor="ctr" anchorCtr="0">
             <a:noAutofit/>
           </a:bodyPr>
           <a:lstStyle>
@@ -4581,7 +4642,7 @@
             </a:lvl9pPr>
           </a:lstStyle>
           <a:p>
-            <a:pPr indent="0" lvl="0" marL="0" rtl="0" algn="r">
+            <a:pPr marL="0" lvl="0" indent="0" algn="r" rtl="0">
               <a:spcBef>
                 <a:spcPts val="0"/>
               </a:spcBef>
@@ -4607,11 +4668,11 @@
 </file>
 
 <file path=ppt/slideLayouts/slideLayout4.xml><?xml version="1.0" encoding="utf-8"?>
-<p:sldLayout xmlns:a="http://schemas.openxmlformats.org/drawingml/2006/main" xmlns:r="http://schemas.openxmlformats.org/officeDocument/2006/relationships" xmlns:mc="http://schemas.openxmlformats.org/markup-compatibility/2006" xmlns:mv="urn:schemas-microsoft-com:mac:vml" xmlns:p="http://schemas.openxmlformats.org/presentationml/2006/main" xmlns:c="http://schemas.openxmlformats.org/drawingml/2006/chart" xmlns:dgm="http://schemas.openxmlformats.org/drawingml/2006/diagram" xmlns:o="urn:schemas-microsoft-com:office:office" xmlns:v="urn:schemas-microsoft-com:vml" xmlns:pvml="urn:schemas-microsoft-com:office:powerpoint" xmlns:com="http://schemas.openxmlformats.org/drawingml/2006/compatibility" xmlns:p14="http://schemas.microsoft.com/office/powerpoint/2010/main" xmlns:p15="http://schemas.microsoft.com/office/powerpoint/2012/main" matchingName="Title and two columns" type="twoColTx">
+<p:sldLayout xmlns:a="http://schemas.openxmlformats.org/drawingml/2006/main" xmlns:r="http://schemas.openxmlformats.org/officeDocument/2006/relationships" xmlns:p="http://schemas.openxmlformats.org/presentationml/2006/main" matchingName="Title and two columns" type="twoColTx">
   <p:cSld name="TITLE_AND_TWO_COLUMNS">
     <p:spTree>
       <p:nvGrpSpPr>
-        <p:cNvPr id="38" name="Shape 38"/>
+        <p:cNvPr id="1" name="Shape 38"/>
         <p:cNvGrpSpPr/>
         <p:nvPr/>
       </p:nvGrpSpPr>
@@ -4626,7 +4687,9 @@
       <p:sp>
         <p:nvSpPr>
           <p:cNvPr id="39" name="Google Shape;39;p5"/>
-          <p:cNvSpPr txBox="1"/>
+          <p:cNvSpPr txBox="1">
+            <a:spLocks noGrp="1"/>
+          </p:cNvSpPr>
           <p:nvPr>
             <p:ph type="title"/>
           </p:nvPr>
@@ -4641,7 +4704,7 @@
           </a:prstGeom>
         </p:spPr>
         <p:txBody>
-          <a:bodyPr anchorCtr="0" anchor="t" bIns="91425" lIns="91425" spcFirstLastPara="1" rIns="91425" wrap="square" tIns="91425">
+          <a:bodyPr spcFirstLastPara="1" wrap="square" lIns="91425" tIns="91425" rIns="91425" bIns="91425" anchor="t" anchorCtr="0">
             <a:noAutofit/>
           </a:bodyPr>
           <a:lstStyle>
@@ -4745,15 +4808,19 @@
               <a:defRPr/>
             </a:lvl9pPr>
           </a:lstStyle>
-          <a:p/>
+          <a:p>
+            <a:endParaRPr/>
+          </a:p>
         </p:txBody>
       </p:sp>
       <p:sp>
         <p:nvSpPr>
           <p:cNvPr id="40" name="Google Shape;40;p5"/>
-          <p:cNvSpPr txBox="1"/>
+          <p:cNvSpPr txBox="1">
+            <a:spLocks noGrp="1"/>
+          </p:cNvSpPr>
           <p:nvPr>
-            <p:ph idx="1" type="body"/>
+            <p:ph type="body" idx="1"/>
           </p:nvPr>
         </p:nvSpPr>
         <p:spPr>
@@ -4766,11 +4833,11 @@
           </a:prstGeom>
         </p:spPr>
         <p:txBody>
-          <a:bodyPr anchorCtr="0" anchor="t" bIns="91425" lIns="91425" spcFirstLastPara="1" rIns="91425" wrap="square" tIns="91425">
+          <a:bodyPr spcFirstLastPara="1" wrap="square" lIns="91425" tIns="91425" rIns="91425" bIns="91425" anchor="t" anchorCtr="0">
             <a:noAutofit/>
           </a:bodyPr>
           <a:lstStyle>
-            <a:lvl1pPr indent="-317500" lvl="0" marL="457200">
+            <a:lvl1pPr marL="457200" lvl="0" indent="-317500">
               <a:spcBef>
                 <a:spcPts val="0"/>
               </a:spcBef>
@@ -4781,7 +4848,7 @@
               <a:buChar char="●"/>
               <a:defRPr sz="1400"/>
             </a:lvl1pPr>
-            <a:lvl2pPr indent="-304800" lvl="1" marL="914400">
+            <a:lvl2pPr marL="914400" lvl="1" indent="-304800">
               <a:spcBef>
                 <a:spcPts val="1600"/>
               </a:spcBef>
@@ -4792,7 +4859,7 @@
               <a:buChar char="○"/>
               <a:defRPr sz="1200"/>
             </a:lvl2pPr>
-            <a:lvl3pPr indent="-304800" lvl="2" marL="1371600">
+            <a:lvl3pPr marL="1371600" lvl="2" indent="-304800">
               <a:spcBef>
                 <a:spcPts val="1600"/>
               </a:spcBef>
@@ -4803,7 +4870,7 @@
               <a:buChar char="■"/>
               <a:defRPr sz="1200"/>
             </a:lvl3pPr>
-            <a:lvl4pPr indent="-304800" lvl="3" marL="1828800">
+            <a:lvl4pPr marL="1828800" lvl="3" indent="-304800">
               <a:spcBef>
                 <a:spcPts val="1600"/>
               </a:spcBef>
@@ -4814,7 +4881,7 @@
               <a:buChar char="●"/>
               <a:defRPr sz="1200"/>
             </a:lvl4pPr>
-            <a:lvl5pPr indent="-304800" lvl="4" marL="2286000">
+            <a:lvl5pPr marL="2286000" lvl="4" indent="-304800">
               <a:spcBef>
                 <a:spcPts val="1600"/>
               </a:spcBef>
@@ -4825,7 +4892,7 @@
               <a:buChar char="○"/>
               <a:defRPr sz="1200"/>
             </a:lvl5pPr>
-            <a:lvl6pPr indent="-304800" lvl="5" marL="2743200">
+            <a:lvl6pPr marL="2743200" lvl="5" indent="-304800">
               <a:spcBef>
                 <a:spcPts val="1600"/>
               </a:spcBef>
@@ -4836,7 +4903,7 @@
               <a:buChar char="■"/>
               <a:defRPr sz="1200"/>
             </a:lvl6pPr>
-            <a:lvl7pPr indent="-304800" lvl="6" marL="3200400">
+            <a:lvl7pPr marL="3200400" lvl="6" indent="-304800">
               <a:spcBef>
                 <a:spcPts val="1600"/>
               </a:spcBef>
@@ -4847,7 +4914,7 @@
               <a:buChar char="●"/>
               <a:defRPr sz="1200"/>
             </a:lvl7pPr>
-            <a:lvl8pPr indent="-304800" lvl="7" marL="3657600">
+            <a:lvl8pPr marL="3657600" lvl="7" indent="-304800">
               <a:spcBef>
                 <a:spcPts val="1600"/>
               </a:spcBef>
@@ -4858,7 +4925,7 @@
               <a:buChar char="○"/>
               <a:defRPr sz="1200"/>
             </a:lvl8pPr>
-            <a:lvl9pPr indent="-304800" lvl="8" marL="4114800">
+            <a:lvl9pPr marL="4114800" lvl="8" indent="-304800">
               <a:spcBef>
                 <a:spcPts val="1600"/>
               </a:spcBef>
@@ -4870,15 +4937,19 @@
               <a:defRPr sz="1200"/>
             </a:lvl9pPr>
           </a:lstStyle>
-          <a:p/>
+          <a:p>
+            <a:endParaRPr/>
+          </a:p>
         </p:txBody>
       </p:sp>
       <p:sp>
         <p:nvSpPr>
           <p:cNvPr id="41" name="Google Shape;41;p5"/>
-          <p:cNvSpPr txBox="1"/>
+          <p:cNvSpPr txBox="1">
+            <a:spLocks noGrp="1"/>
+          </p:cNvSpPr>
           <p:nvPr>
-            <p:ph idx="2" type="body"/>
+            <p:ph type="body" idx="2"/>
           </p:nvPr>
         </p:nvSpPr>
         <p:spPr>
@@ -4891,11 +4962,11 @@
           </a:prstGeom>
         </p:spPr>
         <p:txBody>
-          <a:bodyPr anchorCtr="0" anchor="t" bIns="91425" lIns="91425" spcFirstLastPara="1" rIns="91425" wrap="square" tIns="91425">
+          <a:bodyPr spcFirstLastPara="1" wrap="square" lIns="91425" tIns="91425" rIns="91425" bIns="91425" anchor="t" anchorCtr="0">
             <a:noAutofit/>
           </a:bodyPr>
           <a:lstStyle>
-            <a:lvl1pPr indent="-317500" lvl="0" marL="457200">
+            <a:lvl1pPr marL="457200" lvl="0" indent="-317500">
               <a:spcBef>
                 <a:spcPts val="0"/>
               </a:spcBef>
@@ -4906,7 +4977,7 @@
               <a:buChar char="●"/>
               <a:defRPr sz="1400"/>
             </a:lvl1pPr>
-            <a:lvl2pPr indent="-304800" lvl="1" marL="914400">
+            <a:lvl2pPr marL="914400" lvl="1" indent="-304800">
               <a:spcBef>
                 <a:spcPts val="1600"/>
               </a:spcBef>
@@ -4917,7 +4988,7 @@
               <a:buChar char="○"/>
               <a:defRPr sz="1200"/>
             </a:lvl2pPr>
-            <a:lvl3pPr indent="-304800" lvl="2" marL="1371600">
+            <a:lvl3pPr marL="1371600" lvl="2" indent="-304800">
               <a:spcBef>
                 <a:spcPts val="1600"/>
               </a:spcBef>
@@ -4928,7 +4999,7 @@
               <a:buChar char="■"/>
               <a:defRPr sz="1200"/>
             </a:lvl3pPr>
-            <a:lvl4pPr indent="-304800" lvl="3" marL="1828800">
+            <a:lvl4pPr marL="1828800" lvl="3" indent="-304800">
               <a:spcBef>
                 <a:spcPts val="1600"/>
               </a:spcBef>
@@ -4939,7 +5010,7 @@
               <a:buChar char="●"/>
               <a:defRPr sz="1200"/>
             </a:lvl4pPr>
-            <a:lvl5pPr indent="-304800" lvl="4" marL="2286000">
+            <a:lvl5pPr marL="2286000" lvl="4" indent="-304800">
               <a:spcBef>
                 <a:spcPts val="1600"/>
               </a:spcBef>
@@ -4950,7 +5021,7 @@
               <a:buChar char="○"/>
               <a:defRPr sz="1200"/>
             </a:lvl5pPr>
-            <a:lvl6pPr indent="-304800" lvl="5" marL="2743200">
+            <a:lvl6pPr marL="2743200" lvl="5" indent="-304800">
               <a:spcBef>
                 <a:spcPts val="1600"/>
               </a:spcBef>
@@ -4961,7 +5032,7 @@
               <a:buChar char="■"/>
               <a:defRPr sz="1200"/>
             </a:lvl6pPr>
-            <a:lvl7pPr indent="-304800" lvl="6" marL="3200400">
+            <a:lvl7pPr marL="3200400" lvl="6" indent="-304800">
               <a:spcBef>
                 <a:spcPts val="1600"/>
               </a:spcBef>
@@ -4972,7 +5043,7 @@
               <a:buChar char="●"/>
               <a:defRPr sz="1200"/>
             </a:lvl7pPr>
-            <a:lvl8pPr indent="-304800" lvl="7" marL="3657600">
+            <a:lvl8pPr marL="3657600" lvl="7" indent="-304800">
               <a:spcBef>
                 <a:spcPts val="1600"/>
               </a:spcBef>
@@ -4983,7 +5054,7 @@
               <a:buChar char="○"/>
               <a:defRPr sz="1200"/>
             </a:lvl8pPr>
-            <a:lvl9pPr indent="-304800" lvl="8" marL="4114800">
+            <a:lvl9pPr marL="4114800" lvl="8" indent="-304800">
               <a:spcBef>
                 <a:spcPts val="1600"/>
               </a:spcBef>
@@ -4995,15 +5066,19 @@
               <a:defRPr sz="1200"/>
             </a:lvl9pPr>
           </a:lstStyle>
-          <a:p/>
+          <a:p>
+            <a:endParaRPr/>
+          </a:p>
         </p:txBody>
       </p:sp>
       <p:sp>
         <p:nvSpPr>
           <p:cNvPr id="42" name="Google Shape;42;p5"/>
-          <p:cNvSpPr txBox="1"/>
+          <p:cNvSpPr txBox="1">
+            <a:spLocks noGrp="1"/>
+          </p:cNvSpPr>
           <p:nvPr>
-            <p:ph idx="12" type="sldNum"/>
+            <p:ph type="sldNum" idx="12"/>
           </p:nvPr>
         </p:nvSpPr>
         <p:spPr>
@@ -5016,7 +5091,7 @@
           </a:prstGeom>
         </p:spPr>
         <p:txBody>
-          <a:bodyPr anchorCtr="0" anchor="ctr" bIns="91425" lIns="91425" spcFirstLastPara="1" rIns="91425" wrap="square" tIns="91425">
+          <a:bodyPr spcFirstLastPara="1" wrap="square" lIns="91425" tIns="91425" rIns="91425" bIns="91425" anchor="ctr" anchorCtr="0">
             <a:noAutofit/>
           </a:bodyPr>
           <a:lstStyle>
@@ -5094,7 +5169,7 @@
             </a:lvl9pPr>
           </a:lstStyle>
           <a:p>
-            <a:pPr indent="0" lvl="0" marL="0" rtl="0" algn="r">
+            <a:pPr marL="0" lvl="0" indent="0" algn="r" rtl="0">
               <a:spcBef>
                 <a:spcPts val="0"/>
               </a:spcBef>
@@ -5120,11 +5195,11 @@
 </file>
 
 <file path=ppt/slideLayouts/slideLayout5.xml><?xml version="1.0" encoding="utf-8"?>
-<p:sldLayout xmlns:a="http://schemas.openxmlformats.org/drawingml/2006/main" xmlns:r="http://schemas.openxmlformats.org/officeDocument/2006/relationships" xmlns:mc="http://schemas.openxmlformats.org/markup-compatibility/2006" xmlns:mv="urn:schemas-microsoft-com:mac:vml" xmlns:p="http://schemas.openxmlformats.org/presentationml/2006/main" xmlns:c="http://schemas.openxmlformats.org/drawingml/2006/chart" xmlns:dgm="http://schemas.openxmlformats.org/drawingml/2006/diagram" xmlns:o="urn:schemas-microsoft-com:office:office" xmlns:v="urn:schemas-microsoft-com:vml" xmlns:pvml="urn:schemas-microsoft-com:office:powerpoint" xmlns:com="http://schemas.openxmlformats.org/drawingml/2006/compatibility" xmlns:p14="http://schemas.microsoft.com/office/powerpoint/2010/main" xmlns:p15="http://schemas.microsoft.com/office/powerpoint/2012/main" matchingName="Title only" type="titleOnly">
+<p:sldLayout xmlns:a="http://schemas.openxmlformats.org/drawingml/2006/main" xmlns:r="http://schemas.openxmlformats.org/officeDocument/2006/relationships" xmlns:p="http://schemas.openxmlformats.org/presentationml/2006/main" matchingName="Title only" type="titleOnly">
   <p:cSld name="TITLE_ONLY">
     <p:spTree>
       <p:nvGrpSpPr>
-        <p:cNvPr id="43" name="Shape 43"/>
+        <p:cNvPr id="1" name="Shape 43"/>
         <p:cNvGrpSpPr/>
         <p:nvPr/>
       </p:nvGrpSpPr>
@@ -5139,7 +5214,9 @@
       <p:sp>
         <p:nvSpPr>
           <p:cNvPr id="44" name="Google Shape;44;p6"/>
-          <p:cNvSpPr txBox="1"/>
+          <p:cNvSpPr txBox="1">
+            <a:spLocks noGrp="1"/>
+          </p:cNvSpPr>
           <p:nvPr>
             <p:ph type="title"/>
           </p:nvPr>
@@ -5154,7 +5231,7 @@
           </a:prstGeom>
         </p:spPr>
         <p:txBody>
-          <a:bodyPr anchorCtr="0" anchor="t" bIns="91425" lIns="91425" spcFirstLastPara="1" rIns="91425" wrap="square" tIns="91425">
+          <a:bodyPr spcFirstLastPara="1" wrap="square" lIns="91425" tIns="91425" rIns="91425" bIns="91425" anchor="t" anchorCtr="0">
             <a:noAutofit/>
           </a:bodyPr>
           <a:lstStyle>
@@ -5258,15 +5335,19 @@
               <a:defRPr/>
             </a:lvl9pPr>
           </a:lstStyle>
-          <a:p/>
+          <a:p>
+            <a:endParaRPr/>
+          </a:p>
         </p:txBody>
       </p:sp>
       <p:sp>
         <p:nvSpPr>
           <p:cNvPr id="45" name="Google Shape;45;p6"/>
-          <p:cNvSpPr txBox="1"/>
+          <p:cNvSpPr txBox="1">
+            <a:spLocks noGrp="1"/>
+          </p:cNvSpPr>
           <p:nvPr>
-            <p:ph idx="12" type="sldNum"/>
+            <p:ph type="sldNum" idx="12"/>
           </p:nvPr>
         </p:nvSpPr>
         <p:spPr>
@@ -5279,7 +5360,7 @@
           </a:prstGeom>
         </p:spPr>
         <p:txBody>
-          <a:bodyPr anchorCtr="0" anchor="ctr" bIns="91425" lIns="91425" spcFirstLastPara="1" rIns="91425" wrap="square" tIns="91425">
+          <a:bodyPr spcFirstLastPara="1" wrap="square" lIns="91425" tIns="91425" rIns="91425" bIns="91425" anchor="ctr" anchorCtr="0">
             <a:noAutofit/>
           </a:bodyPr>
           <a:lstStyle>
@@ -5357,7 +5438,7 @@
             </a:lvl9pPr>
           </a:lstStyle>
           <a:p>
-            <a:pPr indent="0" lvl="0" marL="0" rtl="0" algn="r">
+            <a:pPr marL="0" lvl="0" indent="0" algn="r" rtl="0">
               <a:spcBef>
                 <a:spcPts val="0"/>
               </a:spcBef>
@@ -5383,11 +5464,11 @@
 </file>
 
 <file path=ppt/slideLayouts/slideLayout6.xml><?xml version="1.0" encoding="utf-8"?>
-<p:sldLayout xmlns:a="http://schemas.openxmlformats.org/drawingml/2006/main" xmlns:r="http://schemas.openxmlformats.org/officeDocument/2006/relationships" xmlns:mc="http://schemas.openxmlformats.org/markup-compatibility/2006" xmlns:mv="urn:schemas-microsoft-com:mac:vml" xmlns:p="http://schemas.openxmlformats.org/presentationml/2006/main" xmlns:c="http://schemas.openxmlformats.org/drawingml/2006/chart" xmlns:dgm="http://schemas.openxmlformats.org/drawingml/2006/diagram" xmlns:o="urn:schemas-microsoft-com:office:office" xmlns:v="urn:schemas-microsoft-com:vml" xmlns:pvml="urn:schemas-microsoft-com:office:powerpoint" xmlns:com="http://schemas.openxmlformats.org/drawingml/2006/compatibility" xmlns:p14="http://schemas.microsoft.com/office/powerpoint/2010/main" xmlns:p15="http://schemas.microsoft.com/office/powerpoint/2012/main" matchingName="One column text">
+<p:sldLayout xmlns:a="http://schemas.openxmlformats.org/drawingml/2006/main" xmlns:r="http://schemas.openxmlformats.org/officeDocument/2006/relationships" xmlns:p="http://schemas.openxmlformats.org/presentationml/2006/main" matchingName="One column text">
   <p:cSld name="ONE_COLUMN_TEXT">
     <p:spTree>
       <p:nvGrpSpPr>
-        <p:cNvPr id="46" name="Shape 46"/>
+        <p:cNvPr id="1" name="Shape 46"/>
         <p:cNvGrpSpPr/>
         <p:nvPr/>
       </p:nvGrpSpPr>
@@ -5402,7 +5483,9 @@
       <p:sp>
         <p:nvSpPr>
           <p:cNvPr id="47" name="Google Shape;47;p7"/>
-          <p:cNvSpPr txBox="1"/>
+          <p:cNvSpPr txBox="1">
+            <a:spLocks noGrp="1"/>
+          </p:cNvSpPr>
           <p:nvPr>
             <p:ph type="title"/>
           </p:nvPr>
@@ -5417,7 +5500,7 @@
           </a:prstGeom>
         </p:spPr>
         <p:txBody>
-          <a:bodyPr anchorCtr="0" anchor="b" bIns="91425" lIns="91425" spcFirstLastPara="1" rIns="91425" wrap="square" tIns="91425">
+          <a:bodyPr spcFirstLastPara="1" wrap="square" lIns="91425" tIns="91425" rIns="91425" bIns="91425" anchor="b" anchorCtr="0">
             <a:noAutofit/>
           </a:bodyPr>
           <a:lstStyle>
@@ -5521,15 +5604,19 @@
               <a:defRPr sz="2400"/>
             </a:lvl9pPr>
           </a:lstStyle>
-          <a:p/>
+          <a:p>
+            <a:endParaRPr/>
+          </a:p>
         </p:txBody>
       </p:sp>
       <p:sp>
         <p:nvSpPr>
           <p:cNvPr id="48" name="Google Shape;48;p7"/>
-          <p:cNvSpPr txBox="1"/>
+          <p:cNvSpPr txBox="1">
+            <a:spLocks noGrp="1"/>
+          </p:cNvSpPr>
           <p:nvPr>
-            <p:ph idx="1" type="body"/>
+            <p:ph type="body" idx="1"/>
           </p:nvPr>
         </p:nvSpPr>
         <p:spPr>
@@ -5542,11 +5629,11 @@
           </a:prstGeom>
         </p:spPr>
         <p:txBody>
-          <a:bodyPr anchorCtr="0" anchor="t" bIns="91425" lIns="91425" spcFirstLastPara="1" rIns="91425" wrap="square" tIns="91425">
+          <a:bodyPr spcFirstLastPara="1" wrap="square" lIns="91425" tIns="91425" rIns="91425" bIns="91425" anchor="t" anchorCtr="0">
             <a:noAutofit/>
           </a:bodyPr>
           <a:lstStyle>
-            <a:lvl1pPr indent="-304800" lvl="0" marL="457200">
+            <a:lvl1pPr marL="457200" lvl="0" indent="-304800">
               <a:spcBef>
                 <a:spcPts val="0"/>
               </a:spcBef>
@@ -5557,7 +5644,7 @@
               <a:buChar char="●"/>
               <a:defRPr sz="1200"/>
             </a:lvl1pPr>
-            <a:lvl2pPr indent="-304800" lvl="1" marL="914400">
+            <a:lvl2pPr marL="914400" lvl="1" indent="-304800">
               <a:spcBef>
                 <a:spcPts val="1600"/>
               </a:spcBef>
@@ -5568,7 +5655,7 @@
               <a:buChar char="○"/>
               <a:defRPr sz="1200"/>
             </a:lvl2pPr>
-            <a:lvl3pPr indent="-304800" lvl="2" marL="1371600">
+            <a:lvl3pPr marL="1371600" lvl="2" indent="-304800">
               <a:spcBef>
                 <a:spcPts val="1600"/>
               </a:spcBef>
@@ -5579,7 +5666,7 @@
               <a:buChar char="■"/>
               <a:defRPr sz="1200"/>
             </a:lvl3pPr>
-            <a:lvl4pPr indent="-304800" lvl="3" marL="1828800">
+            <a:lvl4pPr marL="1828800" lvl="3" indent="-304800">
               <a:spcBef>
                 <a:spcPts val="1600"/>
               </a:spcBef>
@@ -5590,7 +5677,7 @@
               <a:buChar char="●"/>
               <a:defRPr sz="1200"/>
             </a:lvl4pPr>
-            <a:lvl5pPr indent="-304800" lvl="4" marL="2286000">
+            <a:lvl5pPr marL="2286000" lvl="4" indent="-304800">
               <a:spcBef>
                 <a:spcPts val="1600"/>
               </a:spcBef>
@@ -5601,7 +5688,7 @@
               <a:buChar char="○"/>
               <a:defRPr sz="1200"/>
             </a:lvl5pPr>
-            <a:lvl6pPr indent="-304800" lvl="5" marL="2743200">
+            <a:lvl6pPr marL="2743200" lvl="5" indent="-304800">
               <a:spcBef>
                 <a:spcPts val="1600"/>
               </a:spcBef>
@@ -5612,7 +5699,7 @@
               <a:buChar char="■"/>
               <a:defRPr sz="1200"/>
             </a:lvl6pPr>
-            <a:lvl7pPr indent="-304800" lvl="6" marL="3200400">
+            <a:lvl7pPr marL="3200400" lvl="6" indent="-304800">
               <a:spcBef>
                 <a:spcPts val="1600"/>
               </a:spcBef>
@@ -5623,7 +5710,7 @@
               <a:buChar char="●"/>
               <a:defRPr sz="1200"/>
             </a:lvl7pPr>
-            <a:lvl8pPr indent="-304800" lvl="7" marL="3657600">
+            <a:lvl8pPr marL="3657600" lvl="7" indent="-304800">
               <a:spcBef>
                 <a:spcPts val="1600"/>
               </a:spcBef>
@@ -5634,7 +5721,7 @@
               <a:buChar char="○"/>
               <a:defRPr sz="1200"/>
             </a:lvl8pPr>
-            <a:lvl9pPr indent="-304800" lvl="8" marL="4114800">
+            <a:lvl9pPr marL="4114800" lvl="8" indent="-304800">
               <a:spcBef>
                 <a:spcPts val="1600"/>
               </a:spcBef>
@@ -5646,15 +5733,19 @@
               <a:defRPr sz="1200"/>
             </a:lvl9pPr>
           </a:lstStyle>
-          <a:p/>
+          <a:p>
+            <a:endParaRPr/>
+          </a:p>
         </p:txBody>
       </p:sp>
       <p:sp>
         <p:nvSpPr>
           <p:cNvPr id="49" name="Google Shape;49;p7"/>
-          <p:cNvSpPr txBox="1"/>
+          <p:cNvSpPr txBox="1">
+            <a:spLocks noGrp="1"/>
+          </p:cNvSpPr>
           <p:nvPr>
-            <p:ph idx="12" type="sldNum"/>
+            <p:ph type="sldNum" idx="12"/>
           </p:nvPr>
         </p:nvSpPr>
         <p:spPr>
@@ -5667,7 +5758,7 @@
           </a:prstGeom>
         </p:spPr>
         <p:txBody>
-          <a:bodyPr anchorCtr="0" anchor="ctr" bIns="91425" lIns="91425" spcFirstLastPara="1" rIns="91425" wrap="square" tIns="91425">
+          <a:bodyPr spcFirstLastPara="1" wrap="square" lIns="91425" tIns="91425" rIns="91425" bIns="91425" anchor="ctr" anchorCtr="0">
             <a:noAutofit/>
           </a:bodyPr>
           <a:lstStyle>
@@ -5745,7 +5836,7 @@
             </a:lvl9pPr>
           </a:lstStyle>
           <a:p>
-            <a:pPr indent="0" lvl="0" marL="0" rtl="0" algn="r">
+            <a:pPr marL="0" lvl="0" indent="0" algn="r" rtl="0">
               <a:spcBef>
                 <a:spcPts val="0"/>
               </a:spcBef>
@@ -5771,18 +5862,19 @@
 </file>
 
 <file path=ppt/slideLayouts/slideLayout7.xml><?xml version="1.0" encoding="utf-8"?>
-<p:sldLayout xmlns:a="http://schemas.openxmlformats.org/drawingml/2006/main" xmlns:r="http://schemas.openxmlformats.org/officeDocument/2006/relationships" xmlns:mc="http://schemas.openxmlformats.org/markup-compatibility/2006" xmlns:mv="urn:schemas-microsoft-com:mac:vml" xmlns:p="http://schemas.openxmlformats.org/presentationml/2006/main" xmlns:c="http://schemas.openxmlformats.org/drawingml/2006/chart" xmlns:dgm="http://schemas.openxmlformats.org/drawingml/2006/diagram" xmlns:o="urn:schemas-microsoft-com:office:office" xmlns:v="urn:schemas-microsoft-com:vml" xmlns:pvml="urn:schemas-microsoft-com:office:powerpoint" xmlns:com="http://schemas.openxmlformats.org/drawingml/2006/compatibility" xmlns:p14="http://schemas.microsoft.com/office/powerpoint/2010/main" xmlns:p15="http://schemas.microsoft.com/office/powerpoint/2012/main" matchingName="Main point">
+<p:sldLayout xmlns:a="http://schemas.openxmlformats.org/drawingml/2006/main" xmlns:r="http://schemas.openxmlformats.org/officeDocument/2006/relationships" xmlns:p="http://schemas.openxmlformats.org/presentationml/2006/main" matchingName="Main point">
   <p:cSld name="MAIN_POINT">
     <p:bg>
       <p:bgPr>
         <a:solidFill>
           <a:schemeClr val="accent4"/>
         </a:solidFill>
+        <a:effectLst/>
       </p:bgPr>
     </p:bg>
     <p:spTree>
       <p:nvGrpSpPr>
-        <p:cNvPr id="50" name="Shape 50"/>
+        <p:cNvPr id="1" name="Shape 50"/>
         <p:cNvGrpSpPr/>
         <p:nvPr/>
       </p:nvGrpSpPr>
@@ -5830,12 +5922,12 @@
             </a:ln>
           </p:spPr>
           <p:txBody>
-            <a:bodyPr anchorCtr="0" anchor="ctr" bIns="91425" lIns="91425" spcFirstLastPara="1" rIns="91425" wrap="square" tIns="91425">
+            <a:bodyPr spcFirstLastPara="1" wrap="square" lIns="91425" tIns="91425" rIns="91425" bIns="91425" anchor="ctr" anchorCtr="0">
               <a:noAutofit/>
             </a:bodyPr>
             <a:lstStyle/>
             <a:p>
-              <a:pPr indent="0" lvl="0" marL="0" rtl="0" algn="l">
+              <a:pPr marL="0" lvl="0" indent="0" algn="l" rtl="0">
                 <a:spcBef>
                   <a:spcPts val="0"/>
                 </a:spcBef>
@@ -5844,9 +5936,6 @@
                 </a:spcAft>
                 <a:buNone/>
               </a:pPr>
-              <a:r>
-                <a:t/>
-              </a:r>
               <a:endParaRPr/>
             </a:p>
           </p:txBody>
@@ -5873,12 +5962,12 @@
             </a:ln>
           </p:spPr>
           <p:txBody>
-            <a:bodyPr anchorCtr="0" anchor="ctr" bIns="91425" lIns="91425" spcFirstLastPara="1" rIns="91425" wrap="square" tIns="91425">
+            <a:bodyPr spcFirstLastPara="1" wrap="square" lIns="91425" tIns="91425" rIns="91425" bIns="91425" anchor="ctr" anchorCtr="0">
               <a:noAutofit/>
             </a:bodyPr>
             <a:lstStyle/>
             <a:p>
-              <a:pPr indent="0" lvl="0" marL="0" rtl="0" algn="l">
+              <a:pPr marL="0" lvl="0" indent="0" algn="l" rtl="0">
                 <a:spcBef>
                   <a:spcPts val="0"/>
                 </a:spcBef>
@@ -5887,9 +5976,6 @@
                 </a:spcAft>
                 <a:buNone/>
               </a:pPr>
-              <a:r>
-                <a:t/>
-              </a:r>
               <a:endParaRPr/>
             </a:p>
           </p:txBody>
@@ -5901,7 +5987,7 @@
             <p:nvPr/>
           </p:nvSpPr>
           <p:spPr>
-            <a:xfrm flipH="1" rot="10800000">
+            <a:xfrm rot="10800000" flipH="1">
               <a:off x="7113588" y="107"/>
               <a:ext cx="1015200" cy="1015200"/>
             </a:xfrm>
@@ -5916,12 +6002,12 @@
             </a:ln>
           </p:spPr>
           <p:txBody>
-            <a:bodyPr anchorCtr="0" anchor="ctr" bIns="91425" lIns="91425" spcFirstLastPara="1" rIns="91425" wrap="square" tIns="91425">
+            <a:bodyPr spcFirstLastPara="1" wrap="square" lIns="91425" tIns="91425" rIns="91425" bIns="91425" anchor="ctr" anchorCtr="0">
               <a:noAutofit/>
             </a:bodyPr>
             <a:lstStyle/>
             <a:p>
-              <a:pPr indent="0" lvl="0" marL="0" rtl="0" algn="l">
+              <a:pPr marL="0" lvl="0" indent="0" algn="l" rtl="0">
                 <a:spcBef>
                   <a:spcPts val="0"/>
                 </a:spcBef>
@@ -5930,9 +6016,6 @@
                 </a:spcAft>
                 <a:buNone/>
               </a:pPr>
-              <a:r>
-                <a:t/>
-              </a:r>
               <a:endParaRPr/>
             </a:p>
           </p:txBody>
@@ -5959,12 +6042,12 @@
             </a:ln>
           </p:spPr>
           <p:txBody>
-            <a:bodyPr anchorCtr="0" anchor="ctr" bIns="91425" lIns="91425" spcFirstLastPara="1" rIns="91425" wrap="square" tIns="91425">
+            <a:bodyPr spcFirstLastPara="1" wrap="square" lIns="91425" tIns="91425" rIns="91425" bIns="91425" anchor="ctr" anchorCtr="0">
               <a:noAutofit/>
             </a:bodyPr>
             <a:lstStyle/>
             <a:p>
-              <a:pPr indent="0" lvl="0" marL="0" rtl="0" algn="l">
+              <a:pPr marL="0" lvl="0" indent="0" algn="l" rtl="0">
                 <a:spcBef>
                   <a:spcPts val="0"/>
                 </a:spcBef>
@@ -5973,9 +6056,6 @@
                 </a:spcAft>
                 <a:buNone/>
               </a:pPr>
-              <a:r>
-                <a:t/>
-              </a:r>
               <a:endParaRPr/>
             </a:p>
           </p:txBody>
@@ -6002,12 +6082,12 @@
             </a:ln>
           </p:spPr>
           <p:txBody>
-            <a:bodyPr anchorCtr="0" anchor="ctr" bIns="91425" lIns="91425" spcFirstLastPara="1" rIns="91425" wrap="square" tIns="91425">
+            <a:bodyPr spcFirstLastPara="1" wrap="square" lIns="91425" tIns="91425" rIns="91425" bIns="91425" anchor="ctr" anchorCtr="0">
               <a:noAutofit/>
             </a:bodyPr>
             <a:lstStyle/>
             <a:p>
-              <a:pPr indent="0" lvl="0" marL="0" rtl="0" algn="l">
+              <a:pPr marL="0" lvl="0" indent="0" algn="l" rtl="0">
                 <a:spcBef>
                   <a:spcPts val="0"/>
                 </a:spcBef>
@@ -6016,9 +6096,6 @@
                 </a:spcAft>
                 <a:buNone/>
               </a:pPr>
-              <a:r>
-                <a:t/>
-              </a:r>
               <a:endParaRPr/>
             </a:p>
           </p:txBody>
@@ -6027,7 +6104,9 @@
       <p:sp>
         <p:nvSpPr>
           <p:cNvPr id="57" name="Google Shape;57;p8"/>
-          <p:cNvSpPr txBox="1"/>
+          <p:cNvSpPr txBox="1">
+            <a:spLocks noGrp="1"/>
+          </p:cNvSpPr>
           <p:nvPr>
             <p:ph type="title"/>
           </p:nvPr>
@@ -6042,7 +6121,7 @@
           </a:prstGeom>
         </p:spPr>
         <p:txBody>
-          <a:bodyPr anchorCtr="0" anchor="ctr" bIns="91425" lIns="91425" spcFirstLastPara="1" rIns="91425" wrap="square" tIns="91425">
+          <a:bodyPr spcFirstLastPara="1" wrap="square" lIns="91425" tIns="91425" rIns="91425" bIns="91425" anchor="ctr" anchorCtr="0">
             <a:noAutofit/>
           </a:bodyPr>
           <a:lstStyle>
@@ -6209,15 +6288,19 @@
               </a:defRPr>
             </a:lvl9pPr>
           </a:lstStyle>
-          <a:p/>
+          <a:p>
+            <a:endParaRPr/>
+          </a:p>
         </p:txBody>
       </p:sp>
       <p:sp>
         <p:nvSpPr>
           <p:cNvPr id="58" name="Google Shape;58;p8"/>
-          <p:cNvSpPr txBox="1"/>
+          <p:cNvSpPr txBox="1">
+            <a:spLocks noGrp="1"/>
+          </p:cNvSpPr>
           <p:nvPr>
-            <p:ph idx="12" type="sldNum"/>
+            <p:ph type="sldNum" idx="12"/>
           </p:nvPr>
         </p:nvSpPr>
         <p:spPr>
@@ -6230,7 +6313,7 @@
           </a:prstGeom>
         </p:spPr>
         <p:txBody>
-          <a:bodyPr anchorCtr="0" anchor="ctr" bIns="91425" lIns="91425" spcFirstLastPara="1" rIns="91425" wrap="square" tIns="91425">
+          <a:bodyPr spcFirstLastPara="1" wrap="square" lIns="91425" tIns="91425" rIns="91425" bIns="91425" anchor="ctr" anchorCtr="0">
             <a:noAutofit/>
           </a:bodyPr>
           <a:lstStyle>
@@ -6272,7 +6355,7 @@
             </a:lvl9pPr>
           </a:lstStyle>
           <a:p>
-            <a:pPr indent="0" lvl="0" marL="0" rtl="0" algn="r">
+            <a:pPr marL="0" lvl="0" indent="0" algn="r" rtl="0">
               <a:spcBef>
                 <a:spcPts val="0"/>
               </a:spcBef>
@@ -6298,11 +6381,11 @@
 </file>
 
 <file path=ppt/slideLayouts/slideLayout8.xml><?xml version="1.0" encoding="utf-8"?>
-<p:sldLayout xmlns:a="http://schemas.openxmlformats.org/drawingml/2006/main" xmlns:r="http://schemas.openxmlformats.org/officeDocument/2006/relationships" xmlns:mc="http://schemas.openxmlformats.org/markup-compatibility/2006" xmlns:mv="urn:schemas-microsoft-com:mac:vml" xmlns:p="http://schemas.openxmlformats.org/presentationml/2006/main" xmlns:c="http://schemas.openxmlformats.org/drawingml/2006/chart" xmlns:dgm="http://schemas.openxmlformats.org/drawingml/2006/diagram" xmlns:o="urn:schemas-microsoft-com:office:office" xmlns:v="urn:schemas-microsoft-com:vml" xmlns:pvml="urn:schemas-microsoft-com:office:powerpoint" xmlns:com="http://schemas.openxmlformats.org/drawingml/2006/compatibility" xmlns:p14="http://schemas.microsoft.com/office/powerpoint/2010/main" xmlns:p15="http://schemas.microsoft.com/office/powerpoint/2012/main" matchingName="Section title and description">
+<p:sldLayout xmlns:a="http://schemas.openxmlformats.org/drawingml/2006/main" xmlns:r="http://schemas.openxmlformats.org/officeDocument/2006/relationships" xmlns:p="http://schemas.openxmlformats.org/presentationml/2006/main" matchingName="Section title and description">
   <p:cSld name="SECTION_TITLE_AND_DESCRIPTION">
     <p:spTree>
       <p:nvGrpSpPr>
-        <p:cNvPr id="59" name="Shape 59"/>
+        <p:cNvPr id="1" name="Shape 59"/>
         <p:cNvGrpSpPr/>
         <p:nvPr/>
       </p:nvGrpSpPr>
@@ -6336,12 +6419,12 @@
           </a:ln>
         </p:spPr>
         <p:txBody>
-          <a:bodyPr anchorCtr="0" anchor="ctr" bIns="91425" lIns="91425" spcFirstLastPara="1" rIns="91425" wrap="square" tIns="91425">
+          <a:bodyPr spcFirstLastPara="1" wrap="square" lIns="91425" tIns="91425" rIns="91425" bIns="91425" anchor="ctr" anchorCtr="0">
             <a:noAutofit/>
           </a:bodyPr>
           <a:lstStyle/>
           <a:p>
-            <a:pPr indent="0" lvl="0" marL="0" rtl="0" algn="l">
+            <a:pPr marL="0" lvl="0" indent="0" algn="l" rtl="0">
               <a:spcBef>
                 <a:spcPts val="0"/>
               </a:spcBef>
@@ -6350,9 +6433,6 @@
               </a:spcAft>
               <a:buNone/>
             </a:pPr>
-            <a:r>
-              <a:t/>
-            </a:r>
             <a:endParaRPr/>
           </a:p>
         </p:txBody>
@@ -6372,21 +6452,23 @@
             <a:avLst/>
           </a:prstGeom>
           <a:noFill/>
-          <a:ln cap="flat" cmpd="sng" w="19050">
+          <a:ln w="19050" cap="flat" cmpd="sng">
             <a:solidFill>
               <a:schemeClr val="lt1"/>
             </a:solidFill>
             <a:prstDash val="solid"/>
             <a:round/>
-            <a:headEnd len="sm" w="sm" type="none"/>
-            <a:tailEnd len="sm" w="sm" type="none"/>
+            <a:headEnd type="none" w="sm" len="sm"/>
+            <a:tailEnd type="none" w="sm" len="sm"/>
           </a:ln>
         </p:spPr>
       </p:cxnSp>
       <p:sp>
         <p:nvSpPr>
           <p:cNvPr id="62" name="Google Shape;62;p9"/>
-          <p:cNvSpPr txBox="1"/>
+          <p:cNvSpPr txBox="1">
+            <a:spLocks noGrp="1"/>
+          </p:cNvSpPr>
           <p:nvPr>
             <p:ph type="title"/>
           </p:nvPr>
@@ -6401,7 +6483,7 @@
           </a:prstGeom>
         </p:spPr>
         <p:txBody>
-          <a:bodyPr anchorCtr="0" anchor="b" bIns="91425" lIns="91425" spcFirstLastPara="1" rIns="91425" wrap="square" tIns="91425">
+          <a:bodyPr spcFirstLastPara="1" wrap="square" lIns="91425" tIns="91425" rIns="91425" bIns="91425" anchor="b" anchorCtr="0">
             <a:noAutofit/>
           </a:bodyPr>
           <a:lstStyle>
@@ -6505,15 +6587,19 @@
               <a:defRPr sz="4200"/>
             </a:lvl9pPr>
           </a:lstStyle>
-          <a:p/>
+          <a:p>
+            <a:endParaRPr/>
+          </a:p>
         </p:txBody>
       </p:sp>
       <p:sp>
         <p:nvSpPr>
           <p:cNvPr id="63" name="Google Shape;63;p9"/>
-          <p:cNvSpPr txBox="1"/>
+          <p:cNvSpPr txBox="1">
+            <a:spLocks noGrp="1"/>
+          </p:cNvSpPr>
           <p:nvPr>
-            <p:ph idx="1" type="subTitle"/>
+            <p:ph type="subTitle" idx="1"/>
           </p:nvPr>
         </p:nvSpPr>
         <p:spPr>
@@ -6526,7 +6612,7 @@
           </a:prstGeom>
         </p:spPr>
         <p:txBody>
-          <a:bodyPr anchorCtr="0" anchor="t" bIns="91425" lIns="91425" spcFirstLastPara="1" rIns="91425" wrap="square" tIns="91425">
+          <a:bodyPr spcFirstLastPara="1" wrap="square" lIns="91425" tIns="91425" rIns="91425" bIns="91425" anchor="t" anchorCtr="0">
             <a:noAutofit/>
           </a:bodyPr>
           <a:lstStyle>
@@ -6657,15 +6743,19 @@
               <a:defRPr sz="2100"/>
             </a:lvl9pPr>
           </a:lstStyle>
-          <a:p/>
+          <a:p>
+            <a:endParaRPr/>
+          </a:p>
         </p:txBody>
       </p:sp>
       <p:sp>
         <p:nvSpPr>
           <p:cNvPr id="64" name="Google Shape;64;p9"/>
-          <p:cNvSpPr txBox="1"/>
+          <p:cNvSpPr txBox="1">
+            <a:spLocks noGrp="1"/>
+          </p:cNvSpPr>
           <p:nvPr>
-            <p:ph idx="2" type="body"/>
+            <p:ph type="body" idx="2"/>
           </p:nvPr>
         </p:nvSpPr>
         <p:spPr>
@@ -6678,11 +6768,11 @@
           </a:prstGeom>
         </p:spPr>
         <p:txBody>
-          <a:bodyPr anchorCtr="0" anchor="ctr" bIns="91425" lIns="91425" spcFirstLastPara="1" rIns="91425" wrap="square" tIns="91425">
+          <a:bodyPr spcFirstLastPara="1" wrap="square" lIns="91425" tIns="91425" rIns="91425" bIns="91425" anchor="ctr" anchorCtr="0">
             <a:noAutofit/>
           </a:bodyPr>
           <a:lstStyle>
-            <a:lvl1pPr indent="-342900" lvl="0" marL="457200">
+            <a:lvl1pPr marL="457200" lvl="0" indent="-342900">
               <a:spcBef>
                 <a:spcPts val="0"/>
               </a:spcBef>
@@ -6700,7 +6790,7 @@
                 </a:solidFill>
               </a:defRPr>
             </a:lvl1pPr>
-            <a:lvl2pPr indent="-317500" lvl="1" marL="914400">
+            <a:lvl2pPr marL="914400" lvl="1" indent="-317500">
               <a:spcBef>
                 <a:spcPts val="1600"/>
               </a:spcBef>
@@ -6718,7 +6808,7 @@
                 </a:solidFill>
               </a:defRPr>
             </a:lvl2pPr>
-            <a:lvl3pPr indent="-317500" lvl="2" marL="1371600">
+            <a:lvl3pPr marL="1371600" lvl="2" indent="-317500">
               <a:spcBef>
                 <a:spcPts val="1600"/>
               </a:spcBef>
@@ -6736,7 +6826,7 @@
                 </a:solidFill>
               </a:defRPr>
             </a:lvl3pPr>
-            <a:lvl4pPr indent="-317500" lvl="3" marL="1828800">
+            <a:lvl4pPr marL="1828800" lvl="3" indent="-317500">
               <a:spcBef>
                 <a:spcPts val="1600"/>
               </a:spcBef>
@@ -6754,7 +6844,7 @@
                 </a:solidFill>
               </a:defRPr>
             </a:lvl4pPr>
-            <a:lvl5pPr indent="-317500" lvl="4" marL="2286000">
+            <a:lvl5pPr marL="2286000" lvl="4" indent="-317500">
               <a:spcBef>
                 <a:spcPts val="1600"/>
               </a:spcBef>
@@ -6772,7 +6862,7 @@
                 </a:solidFill>
               </a:defRPr>
             </a:lvl5pPr>
-            <a:lvl6pPr indent="-317500" lvl="5" marL="2743200">
+            <a:lvl6pPr marL="2743200" lvl="5" indent="-317500">
               <a:spcBef>
                 <a:spcPts val="1600"/>
               </a:spcBef>
@@ -6790,7 +6880,7 @@
                 </a:solidFill>
               </a:defRPr>
             </a:lvl6pPr>
-            <a:lvl7pPr indent="-317500" lvl="6" marL="3200400">
+            <a:lvl7pPr marL="3200400" lvl="6" indent="-317500">
               <a:spcBef>
                 <a:spcPts val="1600"/>
               </a:spcBef>
@@ -6808,7 +6898,7 @@
                 </a:solidFill>
               </a:defRPr>
             </a:lvl7pPr>
-            <a:lvl8pPr indent="-317500" lvl="7" marL="3657600">
+            <a:lvl8pPr marL="3657600" lvl="7" indent="-317500">
               <a:spcBef>
                 <a:spcPts val="1600"/>
               </a:spcBef>
@@ -6826,7 +6916,7 @@
                 </a:solidFill>
               </a:defRPr>
             </a:lvl8pPr>
-            <a:lvl9pPr indent="-317500" lvl="8" marL="4114800">
+            <a:lvl9pPr marL="4114800" lvl="8" indent="-317500">
               <a:spcBef>
                 <a:spcPts val="1600"/>
               </a:spcBef>
@@ -6845,15 +6935,19 @@
               </a:defRPr>
             </a:lvl9pPr>
           </a:lstStyle>
-          <a:p/>
+          <a:p>
+            <a:endParaRPr/>
+          </a:p>
         </p:txBody>
       </p:sp>
       <p:sp>
         <p:nvSpPr>
           <p:cNvPr id="65" name="Google Shape;65;p9"/>
-          <p:cNvSpPr txBox="1"/>
+          <p:cNvSpPr txBox="1">
+            <a:spLocks noGrp="1"/>
+          </p:cNvSpPr>
           <p:nvPr>
-            <p:ph idx="12" type="sldNum"/>
+            <p:ph type="sldNum" idx="12"/>
           </p:nvPr>
         </p:nvSpPr>
         <p:spPr>
@@ -6866,7 +6960,7 @@
           </a:prstGeom>
         </p:spPr>
         <p:txBody>
-          <a:bodyPr anchorCtr="0" anchor="ctr" bIns="91425" lIns="91425" spcFirstLastPara="1" rIns="91425" wrap="square" tIns="91425">
+          <a:bodyPr spcFirstLastPara="1" wrap="square" lIns="91425" tIns="91425" rIns="91425" bIns="91425" anchor="ctr" anchorCtr="0">
             <a:noAutofit/>
           </a:bodyPr>
           <a:lstStyle>
@@ -6908,7 +7002,7 @@
             </a:lvl9pPr>
           </a:lstStyle>
           <a:p>
-            <a:pPr indent="0" lvl="0" marL="0" rtl="0" algn="r">
+            <a:pPr marL="0" lvl="0" indent="0" algn="r" rtl="0">
               <a:spcBef>
                 <a:spcPts val="0"/>
               </a:spcBef>
@@ -6934,11 +7028,11 @@
 </file>
 
 <file path=ppt/slideLayouts/slideLayout9.xml><?xml version="1.0" encoding="utf-8"?>
-<p:sldLayout xmlns:a="http://schemas.openxmlformats.org/drawingml/2006/main" xmlns:r="http://schemas.openxmlformats.org/officeDocument/2006/relationships" xmlns:mc="http://schemas.openxmlformats.org/markup-compatibility/2006" xmlns:mv="urn:schemas-microsoft-com:mac:vml" xmlns:p="http://schemas.openxmlformats.org/presentationml/2006/main" xmlns:c="http://schemas.openxmlformats.org/drawingml/2006/chart" xmlns:dgm="http://schemas.openxmlformats.org/drawingml/2006/diagram" xmlns:o="urn:schemas-microsoft-com:office:office" xmlns:v="urn:schemas-microsoft-com:vml" xmlns:pvml="urn:schemas-microsoft-com:office:powerpoint" xmlns:com="http://schemas.openxmlformats.org/drawingml/2006/compatibility" xmlns:p14="http://schemas.microsoft.com/office/powerpoint/2010/main" xmlns:p15="http://schemas.microsoft.com/office/powerpoint/2012/main" matchingName="Caption">
+<p:sldLayout xmlns:a="http://schemas.openxmlformats.org/drawingml/2006/main" xmlns:r="http://schemas.openxmlformats.org/officeDocument/2006/relationships" xmlns:p="http://schemas.openxmlformats.org/presentationml/2006/main" matchingName="Caption">
   <p:cSld name="CAPTION_ONLY">
     <p:spTree>
       <p:nvGrpSpPr>
-        <p:cNvPr id="66" name="Shape 66"/>
+        <p:cNvPr id="1" name="Shape 66"/>
         <p:cNvGrpSpPr/>
         <p:nvPr/>
       </p:nvGrpSpPr>
@@ -6953,9 +7047,11 @@
       <p:sp>
         <p:nvSpPr>
           <p:cNvPr id="67" name="Google Shape;67;p10"/>
-          <p:cNvSpPr txBox="1"/>
+          <p:cNvSpPr txBox="1">
+            <a:spLocks noGrp="1"/>
+          </p:cNvSpPr>
           <p:nvPr>
-            <p:ph idx="1" type="body"/>
+            <p:ph type="body" idx="1"/>
           </p:nvPr>
         </p:nvSpPr>
         <p:spPr>
@@ -6968,11 +7064,11 @@
           </a:prstGeom>
         </p:spPr>
         <p:txBody>
-          <a:bodyPr anchorCtr="0" anchor="ctr" bIns="91425" lIns="91425" spcFirstLastPara="1" rIns="91425" wrap="square" tIns="91425">
+          <a:bodyPr spcFirstLastPara="1" wrap="square" lIns="91425" tIns="91425" rIns="91425" bIns="91425" anchor="ctr" anchorCtr="0">
             <a:noAutofit/>
           </a:bodyPr>
           <a:lstStyle>
-            <a:lvl1pPr indent="-228600" lvl="0" marL="457200">
+            <a:lvl1pPr marL="457200" lvl="0" indent="-228600">
               <a:lnSpc>
                 <a:spcPct val="100000"/>
               </a:lnSpc>
@@ -6987,15 +7083,19 @@
               <a:defRPr/>
             </a:lvl1pPr>
           </a:lstStyle>
-          <a:p/>
+          <a:p>
+            <a:endParaRPr/>
+          </a:p>
         </p:txBody>
       </p:sp>
       <p:sp>
         <p:nvSpPr>
           <p:cNvPr id="68" name="Google Shape;68;p10"/>
-          <p:cNvSpPr txBox="1"/>
+          <p:cNvSpPr txBox="1">
+            <a:spLocks noGrp="1"/>
+          </p:cNvSpPr>
           <p:nvPr>
-            <p:ph idx="12" type="sldNum"/>
+            <p:ph type="sldNum" idx="12"/>
           </p:nvPr>
         </p:nvSpPr>
         <p:spPr>
@@ -7008,7 +7108,7 @@
           </a:prstGeom>
         </p:spPr>
         <p:txBody>
-          <a:bodyPr anchorCtr="0" anchor="ctr" bIns="91425" lIns="91425" spcFirstLastPara="1" rIns="91425" wrap="square" tIns="91425">
+          <a:bodyPr spcFirstLastPara="1" wrap="square" lIns="91425" tIns="91425" rIns="91425" bIns="91425" anchor="ctr" anchorCtr="0">
             <a:noAutofit/>
           </a:bodyPr>
           <a:lstStyle>
@@ -7086,7 +7186,7 @@
             </a:lvl9pPr>
           </a:lstStyle>
           <a:p>
-            <a:pPr indent="0" lvl="0" marL="0" rtl="0" algn="r">
+            <a:pPr marL="0" lvl="0" indent="0" algn="r" rtl="0">
               <a:spcBef>
                 <a:spcPts val="0"/>
               </a:spcBef>
@@ -7112,18 +7212,19 @@
 </file>
 
 <file path=ppt/slideMasters/slideMaster1.xml><?xml version="1.0" encoding="utf-8"?>
-<p:sldMaster xmlns:a="http://schemas.openxmlformats.org/drawingml/2006/main" xmlns:r="http://schemas.openxmlformats.org/officeDocument/2006/relationships" xmlns:mc="http://schemas.openxmlformats.org/markup-compatibility/2006" xmlns:mv="urn:schemas-microsoft-com:mac:vml" xmlns:p="http://schemas.openxmlformats.org/presentationml/2006/main" xmlns:c="http://schemas.openxmlformats.org/drawingml/2006/chart" xmlns:dgm="http://schemas.openxmlformats.org/drawingml/2006/diagram" xmlns:o="urn:schemas-microsoft-com:office:office" xmlns:v="urn:schemas-microsoft-com:vml" xmlns:pvml="urn:schemas-microsoft-com:office:powerpoint" xmlns:com="http://schemas.openxmlformats.org/drawingml/2006/compatibility" xmlns:p14="http://schemas.microsoft.com/office/powerpoint/2010/main" xmlns:p15="http://schemas.microsoft.com/office/powerpoint/2012/main">
+<p:sldMaster xmlns:a="http://schemas.openxmlformats.org/drawingml/2006/main" xmlns:r="http://schemas.openxmlformats.org/officeDocument/2006/relationships" xmlns:p="http://schemas.openxmlformats.org/presentationml/2006/main">
   <p:cSld name="geometric">
     <p:bg>
       <p:bgPr>
         <a:solidFill>
           <a:schemeClr val="lt1"/>
         </a:solidFill>
+        <a:effectLst/>
       </p:bgPr>
     </p:bg>
     <p:spTree>
       <p:nvGrpSpPr>
-        <p:cNvPr id="5" name="Shape 5"/>
+        <p:cNvPr id="1" name="Shape 5"/>
         <p:cNvGrpSpPr/>
         <p:nvPr/>
       </p:nvGrpSpPr>
@@ -7138,7 +7239,9 @@
       <p:sp>
         <p:nvSpPr>
           <p:cNvPr id="6" name="Google Shape;6;p1"/>
-          <p:cNvSpPr txBox="1"/>
+          <p:cNvSpPr txBox="1">
+            <a:spLocks noGrp="1"/>
+          </p:cNvSpPr>
           <p:nvPr>
             <p:ph type="title"/>
           </p:nvPr>
@@ -7157,7 +7260,7 @@
           </a:ln>
         </p:spPr>
         <p:txBody>
-          <a:bodyPr anchorCtr="0" anchor="t" bIns="91425" lIns="91425" spcFirstLastPara="1" rIns="91425" wrap="square" tIns="91425">
+          <a:bodyPr spcFirstLastPara="1" wrap="square" lIns="91425" tIns="91425" rIns="91425" bIns="91425" anchor="t" anchorCtr="0">
             <a:noAutofit/>
           </a:bodyPr>
           <a:lstStyle>
@@ -7369,15 +7472,19 @@
               </a:defRPr>
             </a:lvl9pPr>
           </a:lstStyle>
-          <a:p/>
+          <a:p>
+            <a:endParaRPr/>
+          </a:p>
         </p:txBody>
       </p:sp>
       <p:sp>
         <p:nvSpPr>
           <p:cNvPr id="7" name="Google Shape;7;p1"/>
-          <p:cNvSpPr txBox="1"/>
+          <p:cNvSpPr txBox="1">
+            <a:spLocks noGrp="1"/>
+          </p:cNvSpPr>
           <p:nvPr>
-            <p:ph idx="1" type="body"/>
+            <p:ph type="body" idx="1"/>
           </p:nvPr>
         </p:nvSpPr>
         <p:spPr>
@@ -7394,11 +7501,11 @@
           </a:ln>
         </p:spPr>
         <p:txBody>
-          <a:bodyPr anchorCtr="0" anchor="t" bIns="91425" lIns="91425" spcFirstLastPara="1" rIns="91425" wrap="square" tIns="91425">
+          <a:bodyPr spcFirstLastPara="1" wrap="square" lIns="91425" tIns="91425" rIns="91425" bIns="91425" anchor="t" anchorCtr="0">
             <a:noAutofit/>
           </a:bodyPr>
           <a:lstStyle>
-            <a:lvl1pPr indent="-342900" lvl="0" marL="457200">
+            <a:lvl1pPr marL="457200" lvl="0" indent="-342900">
               <a:lnSpc>
                 <a:spcPct val="115000"/>
               </a:lnSpc>
@@ -7424,7 +7531,7 @@
                 <a:sym typeface="Roboto"/>
               </a:defRPr>
             </a:lvl1pPr>
-            <a:lvl2pPr indent="-317500" lvl="1" marL="914400">
+            <a:lvl2pPr marL="914400" lvl="1" indent="-317500">
               <a:lnSpc>
                 <a:spcPct val="115000"/>
               </a:lnSpc>
@@ -7450,7 +7557,7 @@
                 <a:sym typeface="Roboto"/>
               </a:defRPr>
             </a:lvl2pPr>
-            <a:lvl3pPr indent="-317500" lvl="2" marL="1371600">
+            <a:lvl3pPr marL="1371600" lvl="2" indent="-317500">
               <a:lnSpc>
                 <a:spcPct val="115000"/>
               </a:lnSpc>
@@ -7476,7 +7583,7 @@
                 <a:sym typeface="Roboto"/>
               </a:defRPr>
             </a:lvl3pPr>
-            <a:lvl4pPr indent="-317500" lvl="3" marL="1828800">
+            <a:lvl4pPr marL="1828800" lvl="3" indent="-317500">
               <a:lnSpc>
                 <a:spcPct val="115000"/>
               </a:lnSpc>
@@ -7502,7 +7609,7 @@
                 <a:sym typeface="Roboto"/>
               </a:defRPr>
             </a:lvl4pPr>
-            <a:lvl5pPr indent="-317500" lvl="4" marL="2286000">
+            <a:lvl5pPr marL="2286000" lvl="4" indent="-317500">
               <a:lnSpc>
                 <a:spcPct val="115000"/>
               </a:lnSpc>
@@ -7528,7 +7635,7 @@
                 <a:sym typeface="Roboto"/>
               </a:defRPr>
             </a:lvl5pPr>
-            <a:lvl6pPr indent="-317500" lvl="5" marL="2743200">
+            <a:lvl6pPr marL="2743200" lvl="5" indent="-317500">
               <a:lnSpc>
                 <a:spcPct val="115000"/>
               </a:lnSpc>
@@ -7554,7 +7661,7 @@
                 <a:sym typeface="Roboto"/>
               </a:defRPr>
             </a:lvl6pPr>
-            <a:lvl7pPr indent="-317500" lvl="6" marL="3200400">
+            <a:lvl7pPr marL="3200400" lvl="6" indent="-317500">
               <a:lnSpc>
                 <a:spcPct val="115000"/>
               </a:lnSpc>
@@ -7580,7 +7687,7 @@
                 <a:sym typeface="Roboto"/>
               </a:defRPr>
             </a:lvl7pPr>
-            <a:lvl8pPr indent="-317500" lvl="7" marL="3657600">
+            <a:lvl8pPr marL="3657600" lvl="7" indent="-317500">
               <a:lnSpc>
                 <a:spcPct val="115000"/>
               </a:lnSpc>
@@ -7606,7 +7713,7 @@
                 <a:sym typeface="Roboto"/>
               </a:defRPr>
             </a:lvl8pPr>
-            <a:lvl9pPr indent="-317500" lvl="8" marL="4114800">
+            <a:lvl9pPr marL="4114800" lvl="8" indent="-317500">
               <a:lnSpc>
                 <a:spcPct val="115000"/>
               </a:lnSpc>
@@ -7633,15 +7740,19 @@
               </a:defRPr>
             </a:lvl9pPr>
           </a:lstStyle>
-          <a:p/>
+          <a:p>
+            <a:endParaRPr/>
+          </a:p>
         </p:txBody>
       </p:sp>
       <p:sp>
         <p:nvSpPr>
           <p:cNvPr id="8" name="Google Shape;8;p1"/>
-          <p:cNvSpPr txBox="1"/>
+          <p:cNvSpPr txBox="1">
+            <a:spLocks noGrp="1"/>
+          </p:cNvSpPr>
           <p:nvPr>
-            <p:ph idx="12" type="sldNum"/>
+            <p:ph type="sldNum" idx="12"/>
           </p:nvPr>
         </p:nvSpPr>
         <p:spPr>
@@ -7658,7 +7769,7 @@
           </a:ln>
         </p:spPr>
         <p:txBody>
-          <a:bodyPr anchorCtr="0" anchor="ctr" bIns="91425" lIns="91425" spcFirstLastPara="1" rIns="91425" wrap="square" tIns="91425">
+          <a:bodyPr spcFirstLastPara="1" wrap="square" lIns="91425" tIns="91425" rIns="91425" bIns="91425" anchor="ctr" anchorCtr="0">
             <a:noAutofit/>
           </a:bodyPr>
           <a:lstStyle>
@@ -7772,7 +7883,7 @@
             </a:lvl9pPr>
           </a:lstStyle>
           <a:p>
-            <a:pPr indent="0" lvl="0" marL="0" rtl="0" algn="r">
+            <a:pPr marL="0" lvl="0" indent="0" algn="r" rtl="0">
               <a:spcBef>
                 <a:spcPts val="0"/>
               </a:spcBef>
@@ -7791,7 +7902,7 @@
       </p:sp>
     </p:spTree>
   </p:cSld>
-  <p:clrMap accent1="accent1" accent2="accent2" accent3="accent3" accent4="accent4" accent5="accent5" accent6="accent6" bg1="lt1" bg2="dk2" tx1="dk1" tx2="lt2" folHlink="folHlink" hlink="hlink"/>
+  <p:clrMap bg1="lt1" tx1="dk1" bg2="dk2" tx2="lt2" accent1="accent1" accent2="accent2" accent3="accent3" accent4="accent4" accent5="accent5" accent6="accent6" hlink="hlink" folHlink="folHlink"/>
   <p:sldLayoutIdLst>
     <p:sldLayoutId id="2147483648" r:id="rId1"/>
     <p:sldLayoutId id="2147483649" r:id="rId2"/>
@@ -7805,10 +7916,10 @@
     <p:sldLayoutId id="2147483657" r:id="rId10"/>
     <p:sldLayoutId id="2147483658" r:id="rId11"/>
   </p:sldLayoutIdLst>
-  <p:hf dt="0" ftr="0" hdr="0" sldNum="0"/>
+  <p:hf sldNum="0" hdr="0" ftr="0" dt="0"/>
   <p:txStyles>
     <p:titleStyle>
-      <a:defPPr lvl="0" marR="0" rtl="0" algn="l">
+      <a:defPPr marR="0" lvl="0" algn="l" rtl="0">
         <a:lnSpc>
           <a:spcPct val="100000"/>
         </a:lnSpc>
@@ -7819,7 +7930,7 @@
           <a:spcPts val="0"/>
         </a:spcAft>
       </a:defPPr>
-      <a:lvl1pPr lvl="0" marR="0" rtl="0" algn="l">
+      <a:lvl1pPr marR="0" lvl="0" algn="l" rtl="0">
         <a:lnSpc>
           <a:spcPct val="100000"/>
         </a:lnSpc>
@@ -7833,7 +7944,7 @@
           <a:srgbClr val="000000"/>
         </a:buClr>
         <a:buFont typeface="Arial"/>
-        <a:defRPr b="0" i="0" sz="1400" u="none" cap="none" strike="noStrike">
+        <a:defRPr sz="1400" b="0" i="0" u="none" strike="noStrike" cap="none">
           <a:solidFill>
             <a:srgbClr val="000000"/>
           </a:solidFill>
@@ -7843,7 +7954,7 @@
           <a:sym typeface="Arial"/>
         </a:defRPr>
       </a:lvl1pPr>
-      <a:lvl2pPr lvl="1" marR="0" rtl="0" algn="l">
+      <a:lvl2pPr marR="0" lvl="1" algn="l" rtl="0">
         <a:lnSpc>
           <a:spcPct val="100000"/>
         </a:lnSpc>
@@ -7857,7 +7968,7 @@
           <a:srgbClr val="000000"/>
         </a:buClr>
         <a:buFont typeface="Arial"/>
-        <a:defRPr b="0" i="0" sz="1400" u="none" cap="none" strike="noStrike">
+        <a:defRPr sz="1400" b="0" i="0" u="none" strike="noStrike" cap="none">
           <a:solidFill>
             <a:srgbClr val="000000"/>
           </a:solidFill>
@@ -7867,7 +7978,7 @@
           <a:sym typeface="Arial"/>
         </a:defRPr>
       </a:lvl2pPr>
-      <a:lvl3pPr lvl="2" marR="0" rtl="0" algn="l">
+      <a:lvl3pPr marR="0" lvl="2" algn="l" rtl="0">
         <a:lnSpc>
           <a:spcPct val="100000"/>
         </a:lnSpc>
@@ -7881,7 +7992,7 @@
           <a:srgbClr val="000000"/>
         </a:buClr>
         <a:buFont typeface="Arial"/>
-        <a:defRPr b="0" i="0" sz="1400" u="none" cap="none" strike="noStrike">
+        <a:defRPr sz="1400" b="0" i="0" u="none" strike="noStrike" cap="none">
           <a:solidFill>
             <a:srgbClr val="000000"/>
           </a:solidFill>
@@ -7891,7 +8002,7 @@
           <a:sym typeface="Arial"/>
         </a:defRPr>
       </a:lvl3pPr>
-      <a:lvl4pPr lvl="3" marR="0" rtl="0" algn="l">
+      <a:lvl4pPr marR="0" lvl="3" algn="l" rtl="0">
         <a:lnSpc>
           <a:spcPct val="100000"/>
         </a:lnSpc>
@@ -7905,7 +8016,7 @@
           <a:srgbClr val="000000"/>
         </a:buClr>
         <a:buFont typeface="Arial"/>
-        <a:defRPr b="0" i="0" sz="1400" u="none" cap="none" strike="noStrike">
+        <a:defRPr sz="1400" b="0" i="0" u="none" strike="noStrike" cap="none">
           <a:solidFill>
             <a:srgbClr val="000000"/>
           </a:solidFill>
@@ -7915,7 +8026,7 @@
           <a:sym typeface="Arial"/>
         </a:defRPr>
       </a:lvl4pPr>
-      <a:lvl5pPr lvl="4" marR="0" rtl="0" algn="l">
+      <a:lvl5pPr marR="0" lvl="4" algn="l" rtl="0">
         <a:lnSpc>
           <a:spcPct val="100000"/>
         </a:lnSpc>
@@ -7929,7 +8040,7 @@
           <a:srgbClr val="000000"/>
         </a:buClr>
         <a:buFont typeface="Arial"/>
-        <a:defRPr b="0" i="0" sz="1400" u="none" cap="none" strike="noStrike">
+        <a:defRPr sz="1400" b="0" i="0" u="none" strike="noStrike" cap="none">
           <a:solidFill>
             <a:srgbClr val="000000"/>
           </a:solidFill>
@@ -7939,7 +8050,7 @@
           <a:sym typeface="Arial"/>
         </a:defRPr>
       </a:lvl5pPr>
-      <a:lvl6pPr lvl="5" marR="0" rtl="0" algn="l">
+      <a:lvl6pPr marR="0" lvl="5" algn="l" rtl="0">
         <a:lnSpc>
           <a:spcPct val="100000"/>
         </a:lnSpc>
@@ -7953,7 +8064,7 @@
           <a:srgbClr val="000000"/>
         </a:buClr>
         <a:buFont typeface="Arial"/>
-        <a:defRPr b="0" i="0" sz="1400" u="none" cap="none" strike="noStrike">
+        <a:defRPr sz="1400" b="0" i="0" u="none" strike="noStrike" cap="none">
           <a:solidFill>
             <a:srgbClr val="000000"/>
           </a:solidFill>
@@ -7963,7 +8074,7 @@
           <a:sym typeface="Arial"/>
         </a:defRPr>
       </a:lvl6pPr>
-      <a:lvl7pPr lvl="6" marR="0" rtl="0" algn="l">
+      <a:lvl7pPr marR="0" lvl="6" algn="l" rtl="0">
         <a:lnSpc>
           <a:spcPct val="100000"/>
         </a:lnSpc>
@@ -7977,7 +8088,7 @@
           <a:srgbClr val="000000"/>
         </a:buClr>
         <a:buFont typeface="Arial"/>
-        <a:defRPr b="0" i="0" sz="1400" u="none" cap="none" strike="noStrike">
+        <a:defRPr sz="1400" b="0" i="0" u="none" strike="noStrike" cap="none">
           <a:solidFill>
             <a:srgbClr val="000000"/>
           </a:solidFill>
@@ -7987,7 +8098,7 @@
           <a:sym typeface="Arial"/>
         </a:defRPr>
       </a:lvl7pPr>
-      <a:lvl8pPr lvl="7" marR="0" rtl="0" algn="l">
+      <a:lvl8pPr marR="0" lvl="7" algn="l" rtl="0">
         <a:lnSpc>
           <a:spcPct val="100000"/>
         </a:lnSpc>
@@ -8001,7 +8112,7 @@
           <a:srgbClr val="000000"/>
         </a:buClr>
         <a:buFont typeface="Arial"/>
-        <a:defRPr b="0" i="0" sz="1400" u="none" cap="none" strike="noStrike">
+        <a:defRPr sz="1400" b="0" i="0" u="none" strike="noStrike" cap="none">
           <a:solidFill>
             <a:srgbClr val="000000"/>
           </a:solidFill>
@@ -8011,7 +8122,7 @@
           <a:sym typeface="Arial"/>
         </a:defRPr>
       </a:lvl8pPr>
-      <a:lvl9pPr lvl="8" marR="0" rtl="0" algn="l">
+      <a:lvl9pPr marR="0" lvl="8" algn="l" rtl="0">
         <a:lnSpc>
           <a:spcPct val="100000"/>
         </a:lnSpc>
@@ -8025,7 +8136,7 @@
           <a:srgbClr val="000000"/>
         </a:buClr>
         <a:buFont typeface="Arial"/>
-        <a:defRPr b="0" i="0" sz="1400" u="none" cap="none" strike="noStrike">
+        <a:defRPr sz="1400" b="0" i="0" u="none" strike="noStrike" cap="none">
           <a:solidFill>
             <a:srgbClr val="000000"/>
           </a:solidFill>
@@ -8037,7 +8148,7 @@
       </a:lvl9pPr>
     </p:titleStyle>
     <p:bodyStyle>
-      <a:defPPr lvl="0" marR="0" rtl="0" algn="l">
+      <a:defPPr marR="0" lvl="0" algn="l" rtl="0">
         <a:lnSpc>
           <a:spcPct val="100000"/>
         </a:lnSpc>
@@ -8048,7 +8159,7 @@
           <a:spcPts val="0"/>
         </a:spcAft>
       </a:defPPr>
-      <a:lvl1pPr lvl="0" marR="0" rtl="0" algn="l">
+      <a:lvl1pPr marR="0" lvl="0" algn="l" rtl="0">
         <a:lnSpc>
           <a:spcPct val="100000"/>
         </a:lnSpc>
@@ -8062,7 +8173,7 @@
           <a:srgbClr val="000000"/>
         </a:buClr>
         <a:buFont typeface="Arial"/>
-        <a:defRPr b="0" i="0" sz="1400" u="none" cap="none" strike="noStrike">
+        <a:defRPr sz="1400" b="0" i="0" u="none" strike="noStrike" cap="none">
           <a:solidFill>
             <a:srgbClr val="000000"/>
           </a:solidFill>
@@ -8072,7 +8183,7 @@
           <a:sym typeface="Arial"/>
         </a:defRPr>
       </a:lvl1pPr>
-      <a:lvl2pPr lvl="1" marR="0" rtl="0" algn="l">
+      <a:lvl2pPr marR="0" lvl="1" algn="l" rtl="0">
         <a:lnSpc>
           <a:spcPct val="100000"/>
         </a:lnSpc>
@@ -8086,7 +8197,7 @@
           <a:srgbClr val="000000"/>
         </a:buClr>
         <a:buFont typeface="Arial"/>
-        <a:defRPr b="0" i="0" sz="1400" u="none" cap="none" strike="noStrike">
+        <a:defRPr sz="1400" b="0" i="0" u="none" strike="noStrike" cap="none">
           <a:solidFill>
             <a:srgbClr val="000000"/>
           </a:solidFill>
@@ -8096,7 +8207,7 @@
           <a:sym typeface="Arial"/>
         </a:defRPr>
       </a:lvl2pPr>
-      <a:lvl3pPr lvl="2" marR="0" rtl="0" algn="l">
+      <a:lvl3pPr marR="0" lvl="2" algn="l" rtl="0">
         <a:lnSpc>
           <a:spcPct val="100000"/>
         </a:lnSpc>
@@ -8110,7 +8221,7 @@
           <a:srgbClr val="000000"/>
         </a:buClr>
         <a:buFont typeface="Arial"/>
-        <a:defRPr b="0" i="0" sz="1400" u="none" cap="none" strike="noStrike">
+        <a:defRPr sz="1400" b="0" i="0" u="none" strike="noStrike" cap="none">
           <a:solidFill>
             <a:srgbClr val="000000"/>
           </a:solidFill>
@@ -8120,7 +8231,7 @@
           <a:sym typeface="Arial"/>
         </a:defRPr>
       </a:lvl3pPr>
-      <a:lvl4pPr lvl="3" marR="0" rtl="0" algn="l">
+      <a:lvl4pPr marR="0" lvl="3" algn="l" rtl="0">
         <a:lnSpc>
           <a:spcPct val="100000"/>
         </a:lnSpc>
@@ -8134,7 +8245,7 @@
           <a:srgbClr val="000000"/>
         </a:buClr>
         <a:buFont typeface="Arial"/>
-        <a:defRPr b="0" i="0" sz="1400" u="none" cap="none" strike="noStrike">
+        <a:defRPr sz="1400" b="0" i="0" u="none" strike="noStrike" cap="none">
           <a:solidFill>
             <a:srgbClr val="000000"/>
           </a:solidFill>
@@ -8144,7 +8255,7 @@
           <a:sym typeface="Arial"/>
         </a:defRPr>
       </a:lvl4pPr>
-      <a:lvl5pPr lvl="4" marR="0" rtl="0" algn="l">
+      <a:lvl5pPr marR="0" lvl="4" algn="l" rtl="0">
         <a:lnSpc>
           <a:spcPct val="100000"/>
         </a:lnSpc>
@@ -8158,7 +8269,7 @@
           <a:srgbClr val="000000"/>
         </a:buClr>
         <a:buFont typeface="Arial"/>
-        <a:defRPr b="0" i="0" sz="1400" u="none" cap="none" strike="noStrike">
+        <a:defRPr sz="1400" b="0" i="0" u="none" strike="noStrike" cap="none">
           <a:solidFill>
             <a:srgbClr val="000000"/>
           </a:solidFill>
@@ -8168,7 +8279,7 @@
           <a:sym typeface="Arial"/>
         </a:defRPr>
       </a:lvl5pPr>
-      <a:lvl6pPr lvl="5" marR="0" rtl="0" algn="l">
+      <a:lvl6pPr marR="0" lvl="5" algn="l" rtl="0">
         <a:lnSpc>
           <a:spcPct val="100000"/>
         </a:lnSpc>
@@ -8182,7 +8293,7 @@
           <a:srgbClr val="000000"/>
         </a:buClr>
         <a:buFont typeface="Arial"/>
-        <a:defRPr b="0" i="0" sz="1400" u="none" cap="none" strike="noStrike">
+        <a:defRPr sz="1400" b="0" i="0" u="none" strike="noStrike" cap="none">
           <a:solidFill>
             <a:srgbClr val="000000"/>
           </a:solidFill>
@@ -8192,7 +8303,7 @@
           <a:sym typeface="Arial"/>
         </a:defRPr>
       </a:lvl6pPr>
-      <a:lvl7pPr lvl="6" marR="0" rtl="0" algn="l">
+      <a:lvl7pPr marR="0" lvl="6" algn="l" rtl="0">
         <a:lnSpc>
           <a:spcPct val="100000"/>
         </a:lnSpc>
@@ -8206,7 +8317,7 @@
           <a:srgbClr val="000000"/>
         </a:buClr>
         <a:buFont typeface="Arial"/>
-        <a:defRPr b="0" i="0" sz="1400" u="none" cap="none" strike="noStrike">
+        <a:defRPr sz="1400" b="0" i="0" u="none" strike="noStrike" cap="none">
           <a:solidFill>
             <a:srgbClr val="000000"/>
           </a:solidFill>
@@ -8216,7 +8327,7 @@
           <a:sym typeface="Arial"/>
         </a:defRPr>
       </a:lvl7pPr>
-      <a:lvl8pPr lvl="7" marR="0" rtl="0" algn="l">
+      <a:lvl8pPr marR="0" lvl="7" algn="l" rtl="0">
         <a:lnSpc>
           <a:spcPct val="100000"/>
         </a:lnSpc>
@@ -8230,7 +8341,7 @@
           <a:srgbClr val="000000"/>
         </a:buClr>
         <a:buFont typeface="Arial"/>
-        <a:defRPr b="0" i="0" sz="1400" u="none" cap="none" strike="noStrike">
+        <a:defRPr sz="1400" b="0" i="0" u="none" strike="noStrike" cap="none">
           <a:solidFill>
             <a:srgbClr val="000000"/>
           </a:solidFill>
@@ -8240,7 +8351,7 @@
           <a:sym typeface="Arial"/>
         </a:defRPr>
       </a:lvl8pPr>
-      <a:lvl9pPr lvl="8" marR="0" rtl="0" algn="l">
+      <a:lvl9pPr marR="0" lvl="8" algn="l" rtl="0">
         <a:lnSpc>
           <a:spcPct val="100000"/>
         </a:lnSpc>
@@ -8254,7 +8365,7 @@
           <a:srgbClr val="000000"/>
         </a:buClr>
         <a:buFont typeface="Arial"/>
-        <a:defRPr b="0" i="0" sz="1400" u="none" cap="none" strike="noStrike">
+        <a:defRPr sz="1400" b="0" i="0" u="none" strike="noStrike" cap="none">
           <a:solidFill>
             <a:srgbClr val="000000"/>
           </a:solidFill>
@@ -8266,7 +8377,7 @@
       </a:lvl9pPr>
     </p:bodyStyle>
     <p:otherStyle>
-      <a:defPPr lvl="0" marR="0" rtl="0" algn="l">
+      <a:defPPr marR="0" lvl="0" algn="l" rtl="0">
         <a:lnSpc>
           <a:spcPct val="100000"/>
         </a:lnSpc>
@@ -8277,7 +8388,7 @@
           <a:spcPts val="0"/>
         </a:spcAft>
       </a:defPPr>
-      <a:lvl1pPr lvl="0" marR="0" rtl="0" algn="l">
+      <a:lvl1pPr marR="0" lvl="0" algn="l" rtl="0">
         <a:lnSpc>
           <a:spcPct val="100000"/>
         </a:lnSpc>
@@ -8291,7 +8402,7 @@
           <a:srgbClr val="000000"/>
         </a:buClr>
         <a:buFont typeface="Arial"/>
-        <a:defRPr b="0" i="0" sz="1400" u="none" cap="none" strike="noStrike">
+        <a:defRPr sz="1400" b="0" i="0" u="none" strike="noStrike" cap="none">
           <a:solidFill>
             <a:srgbClr val="000000"/>
           </a:solidFill>
@@ -8301,7 +8412,7 @@
           <a:sym typeface="Arial"/>
         </a:defRPr>
       </a:lvl1pPr>
-      <a:lvl2pPr lvl="1" marR="0" rtl="0" algn="l">
+      <a:lvl2pPr marR="0" lvl="1" algn="l" rtl="0">
         <a:lnSpc>
           <a:spcPct val="100000"/>
         </a:lnSpc>
@@ -8315,7 +8426,7 @@
           <a:srgbClr val="000000"/>
         </a:buClr>
         <a:buFont typeface="Arial"/>
-        <a:defRPr b="0" i="0" sz="1400" u="none" cap="none" strike="noStrike">
+        <a:defRPr sz="1400" b="0" i="0" u="none" strike="noStrike" cap="none">
           <a:solidFill>
             <a:srgbClr val="000000"/>
           </a:solidFill>
@@ -8325,7 +8436,7 @@
           <a:sym typeface="Arial"/>
         </a:defRPr>
       </a:lvl2pPr>
-      <a:lvl3pPr lvl="2" marR="0" rtl="0" algn="l">
+      <a:lvl3pPr marR="0" lvl="2" algn="l" rtl="0">
         <a:lnSpc>
           <a:spcPct val="100000"/>
         </a:lnSpc>
@@ -8339,7 +8450,7 @@
           <a:srgbClr val="000000"/>
         </a:buClr>
         <a:buFont typeface="Arial"/>
-        <a:defRPr b="0" i="0" sz="1400" u="none" cap="none" strike="noStrike">
+        <a:defRPr sz="1400" b="0" i="0" u="none" strike="noStrike" cap="none">
           <a:solidFill>
             <a:srgbClr val="000000"/>
           </a:solidFill>
@@ -8349,7 +8460,7 @@
           <a:sym typeface="Arial"/>
         </a:defRPr>
       </a:lvl3pPr>
-      <a:lvl4pPr lvl="3" marR="0" rtl="0" algn="l">
+      <a:lvl4pPr marR="0" lvl="3" algn="l" rtl="0">
         <a:lnSpc>
           <a:spcPct val="100000"/>
         </a:lnSpc>
@@ -8363,7 +8474,7 @@
           <a:srgbClr val="000000"/>
         </a:buClr>
         <a:buFont typeface="Arial"/>
-        <a:defRPr b="0" i="0" sz="1400" u="none" cap="none" strike="noStrike">
+        <a:defRPr sz="1400" b="0" i="0" u="none" strike="noStrike" cap="none">
           <a:solidFill>
             <a:srgbClr val="000000"/>
           </a:solidFill>
@@ -8373,7 +8484,7 @@
           <a:sym typeface="Arial"/>
         </a:defRPr>
       </a:lvl4pPr>
-      <a:lvl5pPr lvl="4" marR="0" rtl="0" algn="l">
+      <a:lvl5pPr marR="0" lvl="4" algn="l" rtl="0">
         <a:lnSpc>
           <a:spcPct val="100000"/>
         </a:lnSpc>
@@ -8387,7 +8498,7 @@
           <a:srgbClr val="000000"/>
         </a:buClr>
         <a:buFont typeface="Arial"/>
-        <a:defRPr b="0" i="0" sz="1400" u="none" cap="none" strike="noStrike">
+        <a:defRPr sz="1400" b="0" i="0" u="none" strike="noStrike" cap="none">
           <a:solidFill>
             <a:srgbClr val="000000"/>
           </a:solidFill>
@@ -8397,7 +8508,7 @@
           <a:sym typeface="Arial"/>
         </a:defRPr>
       </a:lvl5pPr>
-      <a:lvl6pPr lvl="5" marR="0" rtl="0" algn="l">
+      <a:lvl6pPr marR="0" lvl="5" algn="l" rtl="0">
         <a:lnSpc>
           <a:spcPct val="100000"/>
         </a:lnSpc>
@@ -8411,7 +8522,7 @@
           <a:srgbClr val="000000"/>
         </a:buClr>
         <a:buFont typeface="Arial"/>
-        <a:defRPr b="0" i="0" sz="1400" u="none" cap="none" strike="noStrike">
+        <a:defRPr sz="1400" b="0" i="0" u="none" strike="noStrike" cap="none">
           <a:solidFill>
             <a:srgbClr val="000000"/>
           </a:solidFill>
@@ -8421,7 +8532,7 @@
           <a:sym typeface="Arial"/>
         </a:defRPr>
       </a:lvl6pPr>
-      <a:lvl7pPr lvl="6" marR="0" rtl="0" algn="l">
+      <a:lvl7pPr marR="0" lvl="6" algn="l" rtl="0">
         <a:lnSpc>
           <a:spcPct val="100000"/>
         </a:lnSpc>
@@ -8435,7 +8546,7 @@
           <a:srgbClr val="000000"/>
         </a:buClr>
         <a:buFont typeface="Arial"/>
-        <a:defRPr b="0" i="0" sz="1400" u="none" cap="none" strike="noStrike">
+        <a:defRPr sz="1400" b="0" i="0" u="none" strike="noStrike" cap="none">
           <a:solidFill>
             <a:srgbClr val="000000"/>
           </a:solidFill>
@@ -8445,7 +8556,7 @@
           <a:sym typeface="Arial"/>
         </a:defRPr>
       </a:lvl7pPr>
-      <a:lvl8pPr lvl="7" marR="0" rtl="0" algn="l">
+      <a:lvl8pPr marR="0" lvl="7" algn="l" rtl="0">
         <a:lnSpc>
           <a:spcPct val="100000"/>
         </a:lnSpc>
@@ -8459,7 +8570,7 @@
           <a:srgbClr val="000000"/>
         </a:buClr>
         <a:buFont typeface="Arial"/>
-        <a:defRPr b="0" i="0" sz="1400" u="none" cap="none" strike="noStrike">
+        <a:defRPr sz="1400" b="0" i="0" u="none" strike="noStrike" cap="none">
           <a:solidFill>
             <a:srgbClr val="000000"/>
           </a:solidFill>
@@ -8469,7 +8580,7 @@
           <a:sym typeface="Arial"/>
         </a:defRPr>
       </a:lvl8pPr>
-      <a:lvl9pPr lvl="8" marR="0" rtl="0" algn="l">
+      <a:lvl9pPr marR="0" lvl="8" algn="l" rtl="0">
         <a:lnSpc>
           <a:spcPct val="100000"/>
         </a:lnSpc>
@@ -8483,7 +8594,7 @@
           <a:srgbClr val="000000"/>
         </a:buClr>
         <a:buFont typeface="Arial"/>
-        <a:defRPr b="0" i="0" sz="1400" u="none" cap="none" strike="noStrike">
+        <a:defRPr sz="1400" b="0" i="0" u="none" strike="noStrike" cap="none">
           <a:solidFill>
             <a:srgbClr val="000000"/>
           </a:solidFill>
@@ -8499,11 +8610,11 @@
 </file>
 
 <file path=ppt/slides/slide1.xml><?xml version="1.0" encoding="utf-8"?>
-<p:sld xmlns:a="http://schemas.openxmlformats.org/drawingml/2006/main" xmlns:r="http://schemas.openxmlformats.org/officeDocument/2006/relationships" xmlns:mc="http://schemas.openxmlformats.org/markup-compatibility/2006" xmlns:mv="urn:schemas-microsoft-com:mac:vml" xmlns:p="http://schemas.openxmlformats.org/presentationml/2006/main" xmlns:c="http://schemas.openxmlformats.org/drawingml/2006/chart" xmlns:dgm="http://schemas.openxmlformats.org/drawingml/2006/diagram" xmlns:o="urn:schemas-microsoft-com:office:office" xmlns:v="urn:schemas-microsoft-com:vml" xmlns:pvml="urn:schemas-microsoft-com:office:powerpoint" xmlns:com="http://schemas.openxmlformats.org/drawingml/2006/compatibility" xmlns:p14="http://schemas.microsoft.com/office/powerpoint/2010/main" xmlns:p15="http://schemas.microsoft.com/office/powerpoint/2012/main">
+<p:sld xmlns:a="http://schemas.openxmlformats.org/drawingml/2006/main" xmlns:r="http://schemas.openxmlformats.org/officeDocument/2006/relationships" xmlns:p="http://schemas.openxmlformats.org/presentationml/2006/main">
   <p:cSld>
     <p:spTree>
       <p:nvGrpSpPr>
-        <p:cNvPr id="84" name="Shape 84"/>
+        <p:cNvPr id="1" name="Shape 84"/>
         <p:cNvGrpSpPr/>
         <p:nvPr/>
       </p:nvGrpSpPr>
@@ -8518,7 +8629,9 @@
       <p:sp>
         <p:nvSpPr>
           <p:cNvPr id="85" name="Google Shape;85;p13"/>
-          <p:cNvSpPr txBox="1"/>
+          <p:cNvSpPr txBox="1">
+            <a:spLocks noGrp="1"/>
+          </p:cNvSpPr>
           <p:nvPr>
             <p:ph type="ctrTitle"/>
           </p:nvPr>
@@ -8533,12 +8646,12 @@
           </a:prstGeom>
         </p:spPr>
         <p:txBody>
-          <a:bodyPr anchorCtr="0" anchor="b" bIns="91425" lIns="91425" spcFirstLastPara="1" rIns="91425" wrap="square" tIns="91425">
+          <a:bodyPr spcFirstLastPara="1" wrap="square" lIns="91425" tIns="91425" rIns="91425" bIns="91425" anchor="b" anchorCtr="0">
             <a:noAutofit/>
           </a:bodyPr>
           <a:lstStyle/>
           <a:p>
-            <a:pPr indent="0" lvl="0" marL="0" rtl="0" algn="l">
+            <a:pPr marL="0" lvl="0" indent="0" algn="l" rtl="0">
               <a:spcBef>
                 <a:spcPts val="0"/>
               </a:spcBef>
@@ -8568,9 +8681,11 @@
       <p:sp>
         <p:nvSpPr>
           <p:cNvPr id="86" name="Google Shape;86;p13"/>
-          <p:cNvSpPr txBox="1"/>
+          <p:cNvSpPr txBox="1">
+            <a:spLocks noGrp="1"/>
+          </p:cNvSpPr>
           <p:nvPr>
-            <p:ph idx="1" type="subTitle"/>
+            <p:ph type="subTitle" idx="1"/>
           </p:nvPr>
         </p:nvSpPr>
         <p:spPr>
@@ -8583,12 +8698,12 @@
           </a:prstGeom>
         </p:spPr>
         <p:txBody>
-          <a:bodyPr anchorCtr="0" anchor="t" bIns="91425" lIns="91425" spcFirstLastPara="1" rIns="91425" wrap="square" tIns="91425">
+          <a:bodyPr spcFirstLastPara="1" wrap="square" lIns="91425" tIns="91425" rIns="91425" bIns="91425" anchor="t" anchorCtr="0">
             <a:noAutofit/>
           </a:bodyPr>
           <a:lstStyle/>
           <a:p>
-            <a:pPr indent="0" lvl="0" marL="0" rtl="0" algn="l">
+            <a:pPr marL="0" lvl="0" indent="0" algn="l" rtl="0">
               <a:spcBef>
                 <a:spcPts val="0"/>
               </a:spcBef>
@@ -8598,7 +8713,7 @@
               <a:buNone/>
             </a:pPr>
             <a:r>
-              <a:rPr b="1" lang="en" sz="1700">
+              <a:rPr lang="en" sz="1700" b="1">
                 <a:solidFill>
                   <a:srgbClr val="FFFFFF"/>
                 </a:solidFill>
@@ -8610,7 +8725,7 @@
               <a:t>Water Filler Automation</a:t>
             </a:r>
             <a:r>
-              <a:rPr b="1" lang="en" sz="1700">
+              <a:rPr lang="en" sz="1700" b="1">
                 <a:solidFill>
                   <a:srgbClr val="FFFFFF"/>
                 </a:solidFill>
@@ -8649,12 +8764,12 @@
           </a:ln>
         </p:spPr>
         <p:txBody>
-          <a:bodyPr anchorCtr="0" anchor="t" bIns="91425" lIns="91425" spcFirstLastPara="1" rIns="91425" wrap="square" tIns="91425">
+          <a:bodyPr spcFirstLastPara="1" wrap="square" lIns="91425" tIns="91425" rIns="91425" bIns="91425" anchor="t" anchorCtr="0">
             <a:noAutofit/>
           </a:bodyPr>
           <a:lstStyle/>
           <a:p>
-            <a:pPr indent="0" lvl="0" marL="0" rtl="0" algn="l">
+            <a:pPr marL="0" lvl="0" indent="0" algn="l" rtl="0">
               <a:spcBef>
                 <a:spcPts val="0"/>
               </a:spcBef>
@@ -8664,7 +8779,7 @@
               <a:buNone/>
             </a:pPr>
             <a:r>
-              <a:rPr lang="en">
+              <a:rPr lang="en" dirty="0">
                 <a:solidFill>
                   <a:srgbClr val="FFFFFF"/>
                 </a:solidFill>
@@ -8675,7 +8790,7 @@
               </a:rPr>
               <a:t>จัดทำโดย</a:t>
             </a:r>
-            <a:endParaRPr>
+            <a:endParaRPr dirty="0">
               <a:solidFill>
                 <a:srgbClr val="FFFFFF"/>
               </a:solidFill>
@@ -8686,7 +8801,7 @@
             </a:endParaRPr>
           </a:p>
           <a:p>
-            <a:pPr indent="0" lvl="0" marL="0" rtl="0" algn="l">
+            <a:pPr marL="0" lvl="0" indent="0" algn="l" rtl="0">
               <a:lnSpc>
                 <a:spcPct val="95000"/>
               </a:lnSpc>
@@ -8699,7 +8814,7 @@
               <a:buNone/>
             </a:pPr>
             <a:r>
-              <a:rPr lang="en" sz="1200">
+              <a:rPr lang="en" sz="1200" dirty="0">
                 <a:solidFill>
                   <a:srgbClr val="FFFFFF"/>
                 </a:solidFill>
@@ -8708,9 +8823,33 @@
                 <a:cs typeface="Sriracha"/>
                 <a:sym typeface="Sriracha"/>
               </a:rPr>
-              <a:t>นายศุภเดช ปิ่นสุวรรณบุตร   1610900845</a:t>
-            </a:r>
-            <a:endParaRPr sz="1200">
+              <a:t>นายศุภเดช ปิ่นสุวรรณบุตร   </a:t>
+            </a:r>
+            <a:r>
+              <a:rPr lang="th-TH" sz="1200" dirty="0">
+                <a:solidFill>
+                  <a:srgbClr val="FFFFFF"/>
+                </a:solidFill>
+                <a:latin typeface="Sriracha"/>
+                <a:ea typeface="Sriracha"/>
+                <a:cs typeface="Sriracha"/>
+                <a:sym typeface="Sriracha"/>
+              </a:rPr>
+              <a:t>   </a:t>
+            </a:r>
+            <a:r>
+              <a:rPr lang="en" sz="1200" dirty="0">
+                <a:solidFill>
+                  <a:srgbClr val="FFFFFF"/>
+                </a:solidFill>
+                <a:latin typeface="Sriracha"/>
+                <a:ea typeface="Sriracha"/>
+                <a:cs typeface="Sriracha"/>
+                <a:sym typeface="Sriracha"/>
+              </a:rPr>
+              <a:t>1610900845</a:t>
+            </a:r>
+            <a:endParaRPr sz="1200" dirty="0">
               <a:solidFill>
                 <a:srgbClr val="FFFFFF"/>
               </a:solidFill>
@@ -8721,7 +8860,7 @@
             </a:endParaRPr>
           </a:p>
           <a:p>
-            <a:pPr indent="0" lvl="0" marL="0" rtl="0" algn="l">
+            <a:pPr marL="0" lvl="0" indent="0" algn="l" rtl="0">
               <a:lnSpc>
                 <a:spcPct val="95000"/>
               </a:lnSpc>
@@ -8734,7 +8873,7 @@
               <a:buNone/>
             </a:pPr>
             <a:r>
-              <a:rPr lang="en" sz="1200">
+              <a:rPr lang="en" sz="1200" dirty="0">
                 <a:solidFill>
                   <a:srgbClr val="FFFFFF"/>
                 </a:solidFill>
@@ -8745,7 +8884,7 @@
               </a:rPr>
               <a:t>นายจักรรินทร์ พรมจันทร์ 	1610901231</a:t>
             </a:r>
-            <a:endParaRPr sz="1200">
+            <a:endParaRPr sz="1200" dirty="0">
               <a:solidFill>
                 <a:srgbClr val="FFFFFF"/>
               </a:solidFill>
@@ -8756,7 +8895,7 @@
             </a:endParaRPr>
           </a:p>
           <a:p>
-            <a:pPr indent="0" lvl="0" marL="0" rtl="0" algn="l">
+            <a:pPr marL="0" lvl="0" indent="0" algn="l" rtl="0">
               <a:lnSpc>
                 <a:spcPct val="95000"/>
               </a:lnSpc>
@@ -8769,7 +8908,7 @@
               <a:buNone/>
             </a:pPr>
             <a:r>
-              <a:rPr lang="en" sz="1200">
+              <a:rPr lang="en" sz="1200" dirty="0">
                 <a:solidFill>
                   <a:srgbClr val="FFFFFF"/>
                 </a:solidFill>
@@ -8778,9 +8917,33 @@
                 <a:cs typeface="Sriracha"/>
                 <a:sym typeface="Sriracha"/>
               </a:rPr>
-              <a:t>นายกฤตวิทย์ วงศ์สุวรรณกิต  1610901256</a:t>
-            </a:r>
-            <a:endParaRPr sz="1200">
+              <a:t>นายกฤตวิทย์ วงศ์สุวรรณกิต  </a:t>
+            </a:r>
+            <a:r>
+              <a:rPr lang="th-TH" sz="1200" dirty="0">
+                <a:solidFill>
+                  <a:srgbClr val="FFFFFF"/>
+                </a:solidFill>
+                <a:latin typeface="Sriracha"/>
+                <a:ea typeface="Sriracha"/>
+                <a:cs typeface="Sriracha"/>
+                <a:sym typeface="Sriracha"/>
+              </a:rPr>
+              <a:t> </a:t>
+            </a:r>
+            <a:r>
+              <a:rPr lang="en" sz="1200" dirty="0">
+                <a:solidFill>
+                  <a:srgbClr val="FFFFFF"/>
+                </a:solidFill>
+                <a:latin typeface="Sriracha"/>
+                <a:ea typeface="Sriracha"/>
+                <a:cs typeface="Sriracha"/>
+                <a:sym typeface="Sriracha"/>
+              </a:rPr>
+              <a:t>1610901256</a:t>
+            </a:r>
+            <a:endParaRPr sz="1200" dirty="0">
               <a:solidFill>
                 <a:srgbClr val="FFFFFF"/>
               </a:solidFill>
@@ -8791,7 +8954,7 @@
             </a:endParaRPr>
           </a:p>
           <a:p>
-            <a:pPr indent="0" lvl="0" marL="0" rtl="0" algn="l">
+            <a:pPr marL="0" lvl="0" indent="0" algn="l" rtl="0">
               <a:spcBef>
                 <a:spcPts val="200"/>
               </a:spcBef>
@@ -8800,10 +8963,7 @@
               </a:spcAft>
               <a:buNone/>
             </a:pPr>
-            <a:r>
-              <a:t/>
-            </a:r>
-            <a:endParaRPr sz="1200">
+            <a:endParaRPr sz="1200" dirty="0">
               <a:solidFill>
                 <a:srgbClr val="FFFFFF"/>
               </a:solidFill>
@@ -8814,7 +8974,7 @@
             </a:endParaRPr>
           </a:p>
           <a:p>
-            <a:pPr indent="0" lvl="0" marL="0" rtl="0" algn="l">
+            <a:pPr marL="0" lvl="0" indent="0" algn="l" rtl="0">
               <a:spcBef>
                 <a:spcPts val="0"/>
               </a:spcBef>
@@ -8823,10 +8983,7 @@
               </a:spcAft>
               <a:buNone/>
             </a:pPr>
-            <a:r>
-              <a:t/>
-            </a:r>
-            <a:endParaRPr sz="1200">
+            <a:endParaRPr sz="1200" dirty="0">
               <a:latin typeface="Angsana New"/>
               <a:ea typeface="Angsana New"/>
               <a:cs typeface="Angsana New"/>
@@ -8855,12 +9012,12 @@
           </a:ln>
         </p:spPr>
         <p:txBody>
-          <a:bodyPr anchorCtr="0" anchor="t" bIns="91425" lIns="91425" spcFirstLastPara="1" rIns="91425" wrap="square" tIns="91425">
+          <a:bodyPr spcFirstLastPara="1" wrap="square" lIns="91425" tIns="91425" rIns="91425" bIns="91425" anchor="t" anchorCtr="0">
             <a:noAutofit/>
           </a:bodyPr>
           <a:lstStyle/>
           <a:p>
-            <a:pPr indent="0" lvl="0" marL="0" rtl="0" algn="l">
+            <a:pPr marL="0" lvl="0" indent="0" algn="l" rtl="0">
               <a:spcBef>
                 <a:spcPts val="0"/>
               </a:spcBef>
@@ -8892,7 +9049,7 @@
             </a:endParaRPr>
           </a:p>
           <a:p>
-            <a:pPr indent="0" lvl="0" marL="0" rtl="0" algn="l">
+            <a:pPr marL="0" lvl="0" indent="0" algn="l" rtl="0">
               <a:spcBef>
                 <a:spcPts val="0"/>
               </a:spcBef>
@@ -8924,7 +9081,7 @@
             </a:endParaRPr>
           </a:p>
           <a:p>
-            <a:pPr indent="0" lvl="0" marL="0" rtl="0" algn="l">
+            <a:pPr marL="0" lvl="0" indent="0" algn="l" rtl="0">
               <a:spcBef>
                 <a:spcPts val="0"/>
               </a:spcBef>
@@ -8956,7 +9113,7 @@
             </a:endParaRPr>
           </a:p>
           <a:p>
-            <a:pPr indent="0" lvl="0" marL="0" rtl="0" algn="l">
+            <a:pPr marL="0" lvl="0" indent="0" algn="l" rtl="0">
               <a:spcBef>
                 <a:spcPts val="0"/>
               </a:spcBef>
@@ -8965,9 +9122,6 @@
               </a:spcAft>
               <a:buNone/>
             </a:pPr>
-            <a:r>
-              <a:t/>
-            </a:r>
             <a:endParaRPr sz="1200">
               <a:latin typeface="Sriracha"/>
               <a:ea typeface="Sriracha"/>
@@ -9014,11 +9168,11 @@
 </file>
 
 <file path=ppt/slides/slide10.xml><?xml version="1.0" encoding="utf-8"?>
-<p:sld xmlns:a="http://schemas.openxmlformats.org/drawingml/2006/main" xmlns:r="http://schemas.openxmlformats.org/officeDocument/2006/relationships" xmlns:mc="http://schemas.openxmlformats.org/markup-compatibility/2006" xmlns:mv="urn:schemas-microsoft-com:mac:vml" xmlns:p="http://schemas.openxmlformats.org/presentationml/2006/main" xmlns:c="http://schemas.openxmlformats.org/drawingml/2006/chart" xmlns:dgm="http://schemas.openxmlformats.org/drawingml/2006/diagram" xmlns:o="urn:schemas-microsoft-com:office:office" xmlns:v="urn:schemas-microsoft-com:vml" xmlns:pvml="urn:schemas-microsoft-com:office:powerpoint" xmlns:com="http://schemas.openxmlformats.org/drawingml/2006/compatibility" xmlns:p14="http://schemas.microsoft.com/office/powerpoint/2010/main" xmlns:p15="http://schemas.microsoft.com/office/powerpoint/2012/main">
+<p:sld xmlns:a="http://schemas.openxmlformats.org/drawingml/2006/main" xmlns:r="http://schemas.openxmlformats.org/officeDocument/2006/relationships" xmlns:p="http://schemas.openxmlformats.org/presentationml/2006/main">
   <p:cSld>
     <p:spTree>
       <p:nvGrpSpPr>
-        <p:cNvPr id="169" name="Shape 169"/>
+        <p:cNvPr id="1" name="Shape 169"/>
         <p:cNvGrpSpPr/>
         <p:nvPr/>
       </p:nvGrpSpPr>
@@ -9033,7 +9187,9 @@
       <p:sp>
         <p:nvSpPr>
           <p:cNvPr id="170" name="Google Shape;170;p22"/>
-          <p:cNvSpPr txBox="1"/>
+          <p:cNvSpPr txBox="1">
+            <a:spLocks noGrp="1"/>
+          </p:cNvSpPr>
           <p:nvPr>
             <p:ph type="title"/>
           </p:nvPr>
@@ -9048,12 +9204,12 @@
           </a:prstGeom>
         </p:spPr>
         <p:txBody>
-          <a:bodyPr anchorCtr="0" anchor="t" bIns="91425" lIns="91425" spcFirstLastPara="1" rIns="91425" wrap="square" tIns="91425">
+          <a:bodyPr spcFirstLastPara="1" wrap="square" lIns="91425" tIns="91425" rIns="91425" bIns="91425" anchor="t" anchorCtr="0">
             <a:noAutofit/>
           </a:bodyPr>
           <a:lstStyle/>
           <a:p>
-            <a:pPr indent="0" lvl="0" marL="0" rtl="0" algn="l">
+            <a:pPr marL="0" lvl="0" indent="0" algn="l" rtl="0">
               <a:spcBef>
                 <a:spcPts val="0"/>
               </a:spcBef>
@@ -9079,7 +9235,7 @@
             </a:endParaRPr>
           </a:p>
           <a:p>
-            <a:pPr indent="0" lvl="0" marL="0" rtl="0" algn="l">
+            <a:pPr marL="0" lvl="0" indent="0" algn="l" rtl="0">
               <a:spcBef>
                 <a:spcPts val="0"/>
               </a:spcBef>
@@ -9088,9 +9244,6 @@
               </a:spcAft>
               <a:buNone/>
             </a:pPr>
-            <a:r>
-              <a:t/>
-            </a:r>
             <a:endParaRPr/>
           </a:p>
         </p:txBody>
@@ -9098,9 +9251,11 @@
       <p:sp>
         <p:nvSpPr>
           <p:cNvPr id="171" name="Google Shape;171;p22"/>
-          <p:cNvSpPr txBox="1"/>
+          <p:cNvSpPr txBox="1">
+            <a:spLocks noGrp="1"/>
+          </p:cNvSpPr>
           <p:nvPr>
-            <p:ph idx="1" type="body"/>
+            <p:ph type="body" idx="1"/>
           </p:nvPr>
         </p:nvSpPr>
         <p:spPr>
@@ -9113,12 +9268,12 @@
           </a:prstGeom>
         </p:spPr>
         <p:txBody>
-          <a:bodyPr anchorCtr="0" anchor="t" bIns="91425" lIns="91425" spcFirstLastPara="1" rIns="91425" wrap="square" tIns="91425">
+          <a:bodyPr spcFirstLastPara="1" wrap="square" lIns="91425" tIns="91425" rIns="91425" bIns="91425" anchor="t" anchorCtr="0">
             <a:noAutofit/>
           </a:bodyPr>
           <a:lstStyle/>
           <a:p>
-            <a:pPr indent="0" lvl="0" marL="0" rtl="0" algn="l">
+            <a:pPr marL="0" lvl="0" indent="0" algn="l" rtl="0">
               <a:lnSpc>
                 <a:spcPct val="142857"/>
               </a:lnSpc>
@@ -9201,7 +9356,7 @@
             </a:endParaRPr>
           </a:p>
           <a:p>
-            <a:pPr indent="0" lvl="0" marL="0" rtl="0" algn="l">
+            <a:pPr marL="0" lvl="0" indent="0" algn="l" rtl="0">
               <a:lnSpc>
                 <a:spcPct val="142857"/>
               </a:lnSpc>
@@ -9248,7 +9403,7 @@
             </a:endParaRPr>
           </a:p>
           <a:p>
-            <a:pPr indent="0" lvl="0" marL="0" rtl="0" algn="l">
+            <a:pPr marL="0" lvl="0" indent="0" algn="l" rtl="0">
               <a:lnSpc>
                 <a:spcPct val="142857"/>
               </a:lnSpc>
@@ -9331,7 +9486,7 @@
             </a:endParaRPr>
           </a:p>
           <a:p>
-            <a:pPr indent="0" lvl="0" marL="0" rtl="0" algn="l">
+            <a:pPr marL="0" lvl="0" indent="0" algn="l" rtl="0">
               <a:lnSpc>
                 <a:spcPct val="142857"/>
               </a:lnSpc>
@@ -9378,7 +9533,7 @@
             </a:endParaRPr>
           </a:p>
           <a:p>
-            <a:pPr indent="0" lvl="0" marL="0" rtl="0" algn="l">
+            <a:pPr marL="0" lvl="0" indent="0" algn="l" rtl="0">
               <a:lnSpc>
                 <a:spcPct val="142857"/>
               </a:lnSpc>
@@ -9485,7 +9640,7 @@
             </a:endParaRPr>
           </a:p>
           <a:p>
-            <a:pPr indent="0" lvl="0" marL="0" rtl="0" algn="l">
+            <a:pPr marL="0" lvl="0" indent="0" algn="l" rtl="0">
               <a:lnSpc>
                 <a:spcPct val="142857"/>
               </a:lnSpc>
@@ -9520,7 +9675,7 @@
             </a:endParaRPr>
           </a:p>
           <a:p>
-            <a:pPr indent="0" lvl="0" marL="0" rtl="0" algn="l">
+            <a:pPr marL="0" lvl="0" indent="0" algn="l" rtl="0">
               <a:lnSpc>
                 <a:spcPct val="142857"/>
               </a:lnSpc>
@@ -9603,7 +9758,7 @@
             </a:endParaRPr>
           </a:p>
           <a:p>
-            <a:pPr indent="0" lvl="0" marL="0" rtl="0" algn="l">
+            <a:pPr marL="0" lvl="0" indent="0" algn="l" rtl="0">
               <a:lnSpc>
                 <a:spcPct val="142857"/>
               </a:lnSpc>
@@ -9662,7 +9817,7 @@
             </a:endParaRPr>
           </a:p>
           <a:p>
-            <a:pPr indent="0" lvl="0" marL="0" rtl="0" algn="l">
+            <a:pPr marL="0" lvl="0" indent="0" algn="l" rtl="0">
               <a:lnSpc>
                 <a:spcPct val="142857"/>
               </a:lnSpc>
@@ -9697,7 +9852,7 @@
             </a:endParaRPr>
           </a:p>
           <a:p>
-            <a:pPr indent="0" lvl="0" marL="0" rtl="0" algn="l">
+            <a:pPr marL="0" lvl="0" indent="0" algn="l" rtl="0">
               <a:lnSpc>
                 <a:spcPct val="142857"/>
               </a:lnSpc>
@@ -9780,7 +9935,7 @@
             </a:endParaRPr>
           </a:p>
           <a:p>
-            <a:pPr indent="0" lvl="0" marL="0" rtl="0" algn="l">
+            <a:pPr marL="0" lvl="0" indent="0" algn="l" rtl="0">
               <a:lnSpc>
                 <a:spcPct val="142857"/>
               </a:lnSpc>
@@ -9815,7 +9970,7 @@
             </a:endParaRPr>
           </a:p>
           <a:p>
-            <a:pPr indent="0" lvl="0" marL="0" rtl="0" algn="l">
+            <a:pPr marL="0" lvl="0" indent="0" algn="l" rtl="0">
               <a:spcBef>
                 <a:spcPts val="0"/>
               </a:spcBef>
@@ -9824,9 +9979,6 @@
               </a:spcAft>
               <a:buNone/>
             </a:pPr>
-            <a:r>
-              <a:t/>
-            </a:r>
             <a:endParaRPr/>
           </a:p>
         </p:txBody>
@@ -9851,12 +10003,12 @@
           </a:ln>
         </p:spPr>
         <p:txBody>
-          <a:bodyPr anchorCtr="0" anchor="t" bIns="91425" lIns="91425" spcFirstLastPara="1" rIns="91425" wrap="square" tIns="91425">
+          <a:bodyPr spcFirstLastPara="1" wrap="square" lIns="91425" tIns="91425" rIns="91425" bIns="91425" anchor="t" anchorCtr="0">
             <a:noAutofit/>
           </a:bodyPr>
           <a:lstStyle/>
           <a:p>
-            <a:pPr indent="0" lvl="0" marL="0" rtl="0" algn="l">
+            <a:pPr marL="0" lvl="0" indent="0" algn="l" rtl="0">
               <a:spcBef>
                 <a:spcPts val="0"/>
               </a:spcBef>
@@ -9866,15 +10018,24 @@
               <a:buNone/>
             </a:pPr>
             <a:r>
-              <a:rPr lang="en">
+              <a:rPr lang="en" dirty="0">
                 <a:latin typeface="Sriracha"/>
                 <a:ea typeface="Sriracha"/>
                 <a:cs typeface="Sriracha"/>
                 <a:sym typeface="Sriracha"/>
               </a:rPr>
-              <a:t>11</a:t>
-            </a:r>
-            <a:endParaRPr>
+              <a:t>1</a:t>
+            </a:r>
+            <a:r>
+              <a:rPr lang="th-TH" dirty="0">
+                <a:latin typeface="Sriracha"/>
+                <a:ea typeface="Sriracha"/>
+                <a:cs typeface="Sriracha"/>
+                <a:sym typeface="Sriracha"/>
+              </a:rPr>
+              <a:t>0</a:t>
+            </a:r>
+            <a:endParaRPr dirty="0">
               <a:latin typeface="Sriracha"/>
               <a:ea typeface="Sriracha"/>
               <a:cs typeface="Sriracha"/>
@@ -9892,11 +10053,11 @@
 </file>
 
 <file path=ppt/slides/slide11.xml><?xml version="1.0" encoding="utf-8"?>
-<p:sld xmlns:a="http://schemas.openxmlformats.org/drawingml/2006/main" xmlns:r="http://schemas.openxmlformats.org/officeDocument/2006/relationships" xmlns:mc="http://schemas.openxmlformats.org/markup-compatibility/2006" xmlns:mv="urn:schemas-microsoft-com:mac:vml" xmlns:p="http://schemas.openxmlformats.org/presentationml/2006/main" xmlns:c="http://schemas.openxmlformats.org/drawingml/2006/chart" xmlns:dgm="http://schemas.openxmlformats.org/drawingml/2006/diagram" xmlns:o="urn:schemas-microsoft-com:office:office" xmlns:v="urn:schemas-microsoft-com:vml" xmlns:pvml="urn:schemas-microsoft-com:office:powerpoint" xmlns:com="http://schemas.openxmlformats.org/drawingml/2006/compatibility" xmlns:p14="http://schemas.microsoft.com/office/powerpoint/2010/main" xmlns:p15="http://schemas.microsoft.com/office/powerpoint/2012/main">
+<p:sld xmlns:a="http://schemas.openxmlformats.org/drawingml/2006/main" xmlns:r="http://schemas.openxmlformats.org/officeDocument/2006/relationships" xmlns:p="http://schemas.openxmlformats.org/presentationml/2006/main">
   <p:cSld>
     <p:spTree>
       <p:nvGrpSpPr>
-        <p:cNvPr id="176" name="Shape 176"/>
+        <p:cNvPr id="1" name="Shape 176"/>
         <p:cNvGrpSpPr/>
         <p:nvPr/>
       </p:nvGrpSpPr>
@@ -9911,7 +10072,9 @@
       <p:sp>
         <p:nvSpPr>
           <p:cNvPr id="177" name="Google Shape;177;p23"/>
-          <p:cNvSpPr txBox="1"/>
+          <p:cNvSpPr txBox="1">
+            <a:spLocks noGrp="1"/>
+          </p:cNvSpPr>
           <p:nvPr>
             <p:ph type="title"/>
           </p:nvPr>
@@ -9926,12 +10089,12 @@
           </a:prstGeom>
         </p:spPr>
         <p:txBody>
-          <a:bodyPr anchorCtr="0" anchor="t" bIns="91425" lIns="91425" spcFirstLastPara="1" rIns="91425" wrap="square" tIns="91425">
+          <a:bodyPr spcFirstLastPara="1" wrap="square" lIns="91425" tIns="91425" rIns="91425" bIns="91425" anchor="t" anchorCtr="0">
             <a:noAutofit/>
           </a:bodyPr>
           <a:lstStyle/>
           <a:p>
-            <a:pPr indent="0" lvl="0" marL="0" rtl="0" algn="l">
+            <a:pPr marL="0" lvl="0" indent="0" algn="l" rtl="0">
               <a:spcBef>
                 <a:spcPts val="0"/>
               </a:spcBef>
@@ -9961,9 +10124,11 @@
       <p:sp>
         <p:nvSpPr>
           <p:cNvPr id="178" name="Google Shape;178;p23"/>
-          <p:cNvSpPr txBox="1"/>
+          <p:cNvSpPr txBox="1">
+            <a:spLocks noGrp="1"/>
+          </p:cNvSpPr>
           <p:nvPr>
-            <p:ph idx="1" type="body"/>
+            <p:ph type="body" idx="1"/>
           </p:nvPr>
         </p:nvSpPr>
         <p:spPr>
@@ -9976,12 +10141,12 @@
           </a:prstGeom>
         </p:spPr>
         <p:txBody>
-          <a:bodyPr anchorCtr="0" anchor="t" bIns="91425" lIns="91425" spcFirstLastPara="1" rIns="91425" wrap="square" tIns="91425">
+          <a:bodyPr spcFirstLastPara="1" wrap="square" lIns="91425" tIns="91425" rIns="91425" bIns="91425" anchor="t" anchorCtr="0">
             <a:noAutofit/>
           </a:bodyPr>
           <a:lstStyle/>
           <a:p>
-            <a:pPr indent="0" lvl="0" marL="0" rtl="0" algn="l">
+            <a:pPr marL="0" lvl="0" indent="0" algn="l" rtl="0">
               <a:spcBef>
                 <a:spcPts val="0"/>
               </a:spcBef>
@@ -10007,7 +10172,7 @@
             </a:endParaRPr>
           </a:p>
           <a:p>
-            <a:pPr indent="0" lvl="0" marL="0" rtl="0" algn="l">
+            <a:pPr marL="0" lvl="0" indent="0" algn="l" rtl="0">
               <a:spcBef>
                 <a:spcPts val="1600"/>
               </a:spcBef>
@@ -10082,12 +10247,12 @@
           </a:ln>
         </p:spPr>
         <p:txBody>
-          <a:bodyPr anchorCtr="0" anchor="t" bIns="91425" lIns="91425" spcFirstLastPara="1" rIns="91425" wrap="square" tIns="91425">
+          <a:bodyPr spcFirstLastPara="1" wrap="square" lIns="91425" tIns="91425" rIns="91425" bIns="91425" anchor="t" anchorCtr="0">
             <a:noAutofit/>
           </a:bodyPr>
           <a:lstStyle/>
           <a:p>
-            <a:pPr indent="0" lvl="0" marL="0" rtl="0" algn="l">
+            <a:pPr marL="0" lvl="0" indent="0" algn="l" rtl="0">
               <a:spcBef>
                 <a:spcPts val="0"/>
               </a:spcBef>
@@ -10097,15 +10262,24 @@
               <a:buNone/>
             </a:pPr>
             <a:r>
-              <a:rPr lang="en">
+              <a:rPr lang="en" dirty="0">
                 <a:latin typeface="Sriracha"/>
                 <a:ea typeface="Sriracha"/>
                 <a:cs typeface="Sriracha"/>
                 <a:sym typeface="Sriracha"/>
               </a:rPr>
-              <a:t>12</a:t>
-            </a:r>
-            <a:endParaRPr>
+              <a:t>1</a:t>
+            </a:r>
+            <a:r>
+              <a:rPr lang="th-TH" dirty="0">
+                <a:latin typeface="Sriracha"/>
+                <a:ea typeface="Sriracha"/>
+                <a:cs typeface="Sriracha"/>
+                <a:sym typeface="Sriracha"/>
+              </a:rPr>
+              <a:t>1</a:t>
+            </a:r>
+            <a:endParaRPr dirty="0">
               <a:latin typeface="Sriracha"/>
               <a:ea typeface="Sriracha"/>
               <a:cs typeface="Sriracha"/>
@@ -10123,11 +10297,11 @@
 </file>
 
 <file path=ppt/slides/slide12.xml><?xml version="1.0" encoding="utf-8"?>
-<p:sld xmlns:a="http://schemas.openxmlformats.org/drawingml/2006/main" xmlns:r="http://schemas.openxmlformats.org/officeDocument/2006/relationships" xmlns:mc="http://schemas.openxmlformats.org/markup-compatibility/2006" xmlns:mv="urn:schemas-microsoft-com:mac:vml" xmlns:p="http://schemas.openxmlformats.org/presentationml/2006/main" xmlns:c="http://schemas.openxmlformats.org/drawingml/2006/chart" xmlns:dgm="http://schemas.openxmlformats.org/drawingml/2006/diagram" xmlns:o="urn:schemas-microsoft-com:office:office" xmlns:v="urn:schemas-microsoft-com:vml" xmlns:pvml="urn:schemas-microsoft-com:office:powerpoint" xmlns:com="http://schemas.openxmlformats.org/drawingml/2006/compatibility" xmlns:p14="http://schemas.microsoft.com/office/powerpoint/2010/main" xmlns:p15="http://schemas.microsoft.com/office/powerpoint/2012/main">
+<p:sld xmlns:a="http://schemas.openxmlformats.org/drawingml/2006/main" xmlns:r="http://schemas.openxmlformats.org/officeDocument/2006/relationships" xmlns:p="http://schemas.openxmlformats.org/presentationml/2006/main">
   <p:cSld>
     <p:spTree>
       <p:nvGrpSpPr>
-        <p:cNvPr id="184" name="Shape 184"/>
+        <p:cNvPr id="1" name="Shape 184"/>
         <p:cNvGrpSpPr/>
         <p:nvPr/>
       </p:nvGrpSpPr>
@@ -10142,7 +10316,9 @@
       <p:sp>
         <p:nvSpPr>
           <p:cNvPr id="185" name="Google Shape;185;p24"/>
-          <p:cNvSpPr txBox="1"/>
+          <p:cNvSpPr txBox="1">
+            <a:spLocks noGrp="1"/>
+          </p:cNvSpPr>
           <p:nvPr>
             <p:ph type="title"/>
           </p:nvPr>
@@ -10157,12 +10333,12 @@
           </a:prstGeom>
         </p:spPr>
         <p:txBody>
-          <a:bodyPr anchorCtr="0" anchor="t" bIns="91425" lIns="91425" spcFirstLastPara="1" rIns="91425" wrap="square" tIns="91425">
+          <a:bodyPr spcFirstLastPara="1" wrap="square" lIns="91425" tIns="91425" rIns="91425" bIns="91425" anchor="t" anchorCtr="0">
             <a:noAutofit/>
           </a:bodyPr>
           <a:lstStyle/>
           <a:p>
-            <a:pPr indent="0" lvl="0" marL="0" rtl="0" algn="l">
+            <a:pPr marL="0" lvl="0" indent="0" algn="l" rtl="0">
               <a:spcBef>
                 <a:spcPts val="0"/>
               </a:spcBef>
@@ -10172,7 +10348,7 @@
               <a:buNone/>
             </a:pPr>
             <a:r>
-              <a:rPr lang="en" sz="6000" u="sng">
+              <a:rPr lang="en" sz="6000" u="sng" dirty="0">
                 <a:latin typeface="Sriracha"/>
                 <a:ea typeface="Sriracha"/>
                 <a:cs typeface="Sriracha"/>
@@ -10180,7 +10356,7 @@
               </a:rPr>
               <a:t>จบการนําเสนอ</a:t>
             </a:r>
-            <a:endParaRPr sz="6000" u="sng">
+            <a:endParaRPr sz="6000" u="sng" dirty="0">
               <a:latin typeface="Sriracha"/>
               <a:ea typeface="Sriracha"/>
               <a:cs typeface="Sriracha"/>
@@ -10226,11 +10402,11 @@
 </file>
 
 <file path=ppt/slides/slide2.xml><?xml version="1.0" encoding="utf-8"?>
-<p:sld xmlns:a="http://schemas.openxmlformats.org/drawingml/2006/main" xmlns:r="http://schemas.openxmlformats.org/officeDocument/2006/relationships" xmlns:mc="http://schemas.openxmlformats.org/markup-compatibility/2006" xmlns:mv="urn:schemas-microsoft-com:mac:vml" xmlns:p="http://schemas.openxmlformats.org/presentationml/2006/main" xmlns:c="http://schemas.openxmlformats.org/drawingml/2006/chart" xmlns:dgm="http://schemas.openxmlformats.org/drawingml/2006/diagram" xmlns:o="urn:schemas-microsoft-com:office:office" xmlns:v="urn:schemas-microsoft-com:vml" xmlns:pvml="urn:schemas-microsoft-com:office:powerpoint" xmlns:com="http://schemas.openxmlformats.org/drawingml/2006/compatibility" xmlns:p14="http://schemas.microsoft.com/office/powerpoint/2010/main" xmlns:p15="http://schemas.microsoft.com/office/powerpoint/2012/main">
+<p:sld xmlns:a="http://schemas.openxmlformats.org/drawingml/2006/main" xmlns:r="http://schemas.openxmlformats.org/officeDocument/2006/relationships" xmlns:p="http://schemas.openxmlformats.org/presentationml/2006/main">
   <p:cSld>
     <p:spTree>
       <p:nvGrpSpPr>
-        <p:cNvPr id="93" name="Shape 93"/>
+        <p:cNvPr id="1" name="Shape 93"/>
         <p:cNvGrpSpPr/>
         <p:nvPr/>
       </p:nvGrpSpPr>
@@ -10245,7 +10421,9 @@
       <p:sp>
         <p:nvSpPr>
           <p:cNvPr id="94" name="Google Shape;94;p14"/>
-          <p:cNvSpPr txBox="1"/>
+          <p:cNvSpPr txBox="1">
+            <a:spLocks noGrp="1"/>
+          </p:cNvSpPr>
           <p:nvPr>
             <p:ph type="title"/>
           </p:nvPr>
@@ -10260,12 +10438,12 @@
           </a:prstGeom>
         </p:spPr>
         <p:txBody>
-          <a:bodyPr anchorCtr="0" anchor="t" bIns="91425" lIns="91425" spcFirstLastPara="1" rIns="91425" wrap="square" tIns="91425">
+          <a:bodyPr spcFirstLastPara="1" wrap="square" lIns="91425" tIns="91425" rIns="91425" bIns="91425" anchor="t" anchorCtr="0">
             <a:noAutofit/>
           </a:bodyPr>
           <a:lstStyle/>
           <a:p>
-            <a:pPr indent="0" lvl="0" marL="0" rtl="0" algn="l">
+            <a:pPr marL="0" lvl="0" indent="0" algn="l" rtl="0">
               <a:spcBef>
                 <a:spcPts val="0"/>
               </a:spcBef>
@@ -10295,9 +10473,11 @@
       <p:sp>
         <p:nvSpPr>
           <p:cNvPr id="95" name="Google Shape;95;p14"/>
-          <p:cNvSpPr txBox="1"/>
+          <p:cNvSpPr txBox="1">
+            <a:spLocks noGrp="1"/>
+          </p:cNvSpPr>
           <p:nvPr>
-            <p:ph idx="1" type="body"/>
+            <p:ph type="body" idx="1"/>
           </p:nvPr>
         </p:nvSpPr>
         <p:spPr>
@@ -10310,12 +10490,12 @@
           </a:prstGeom>
         </p:spPr>
         <p:txBody>
-          <a:bodyPr anchorCtr="0" anchor="t" bIns="91425" lIns="91425" spcFirstLastPara="1" rIns="91425" wrap="square" tIns="91425">
+          <a:bodyPr spcFirstLastPara="1" wrap="square" lIns="91425" tIns="91425" rIns="91425" bIns="91425" anchor="t" anchorCtr="0">
             <a:noAutofit/>
           </a:bodyPr>
           <a:lstStyle/>
           <a:p>
-            <a:pPr indent="0" lvl="0" marL="0" rtl="0" algn="l">
+            <a:pPr marL="0" lvl="0" indent="0" algn="l" rtl="0">
               <a:spcBef>
                 <a:spcPts val="0"/>
               </a:spcBef>
@@ -10325,7 +10505,7 @@
               <a:buNone/>
             </a:pPr>
             <a:r>
-              <a:rPr lang="en" sz="1400" u="sng">
+              <a:rPr lang="en" sz="1400" u="sng" dirty="0">
                 <a:latin typeface="Sriracha"/>
                 <a:ea typeface="Sriracha"/>
                 <a:cs typeface="Sriracha"/>
@@ -10333,7 +10513,7 @@
               </a:rPr>
               <a:t>เรื่อง</a:t>
             </a:r>
-            <a:endParaRPr sz="1400" u="sng">
+            <a:endParaRPr sz="1400" u="sng" dirty="0">
               <a:latin typeface="Sriracha"/>
               <a:ea typeface="Sriracha"/>
               <a:cs typeface="Sriracha"/>
@@ -10341,7 +10521,7 @@
             </a:endParaRPr>
           </a:p>
           <a:p>
-            <a:pPr indent="-317500" lvl="0" marL="457200" rtl="0" algn="l">
+            <a:pPr marL="457200" lvl="0" indent="-317500" algn="l" rtl="0">
               <a:lnSpc>
                 <a:spcPct val="150000"/>
               </a:lnSpc>
@@ -10359,7 +10539,7 @@
               <a:buAutoNum type="arabicPeriod"/>
             </a:pPr>
             <a:r>
-              <a:rPr lang="en" sz="1400">
+              <a:rPr lang="en" sz="1400" dirty="0">
                 <a:solidFill>
                   <a:srgbClr val="000000"/>
                 </a:solidFill>
@@ -10370,7 +10550,7 @@
               </a:rPr>
               <a:t>Requirements</a:t>
             </a:r>
-            <a:endParaRPr sz="1400">
+            <a:endParaRPr sz="1400" dirty="0">
               <a:solidFill>
                 <a:srgbClr val="000000"/>
               </a:solidFill>
@@ -10381,7 +10561,7 @@
             </a:endParaRPr>
           </a:p>
           <a:p>
-            <a:pPr indent="-317500" lvl="0" marL="457200" rtl="0" algn="l">
+            <a:pPr marL="457200" lvl="0" indent="-317500" algn="l" rtl="0">
               <a:lnSpc>
                 <a:spcPct val="150000"/>
               </a:lnSpc>
@@ -10399,7 +10579,7 @@
               <a:buAutoNum type="arabicPeriod"/>
             </a:pPr>
             <a:r>
-              <a:rPr lang="en" sz="1400">
+              <a:rPr lang="en" sz="1400" dirty="0">
                 <a:solidFill>
                   <a:srgbClr val="000000"/>
                 </a:solidFill>
@@ -10410,7 +10590,7 @@
               </a:rPr>
               <a:t>SYSTEM DESIGN</a:t>
             </a:r>
-            <a:endParaRPr sz="1400">
+            <a:endParaRPr sz="1400" dirty="0">
               <a:solidFill>
                 <a:srgbClr val="000000"/>
               </a:solidFill>
@@ -10421,7 +10601,7 @@
             </a:endParaRPr>
           </a:p>
           <a:p>
-            <a:pPr indent="-317500" lvl="0" marL="457200" rtl="0" algn="l">
+            <a:pPr marL="457200" lvl="0" indent="-317500" algn="l" rtl="0">
               <a:lnSpc>
                 <a:spcPct val="150000"/>
               </a:lnSpc>
@@ -10439,7 +10619,7 @@
               <a:buAutoNum type="arabicPeriod"/>
             </a:pPr>
             <a:r>
-              <a:rPr lang="en" sz="1400">
+              <a:rPr lang="en" sz="1400" dirty="0">
                 <a:solidFill>
                   <a:srgbClr val="000000"/>
                 </a:solidFill>
@@ -10450,7 +10630,7 @@
               </a:rPr>
               <a:t>FLOWCHART</a:t>
             </a:r>
-            <a:endParaRPr sz="1400">
+            <a:endParaRPr sz="1400" dirty="0">
               <a:solidFill>
                 <a:srgbClr val="000000"/>
               </a:solidFill>
@@ -10461,7 +10641,7 @@
             </a:endParaRPr>
           </a:p>
           <a:p>
-            <a:pPr indent="-317500" lvl="0" marL="457200" rtl="0" algn="l">
+            <a:pPr marL="457200" lvl="0" indent="-317500" algn="l" rtl="0">
               <a:lnSpc>
                 <a:spcPct val="150000"/>
               </a:lnSpc>
@@ -10479,7 +10659,7 @@
               <a:buAutoNum type="arabicPeriod"/>
             </a:pPr>
             <a:r>
-              <a:rPr lang="en" sz="1400">
+              <a:rPr lang="en" sz="1400" dirty="0">
                 <a:solidFill>
                   <a:srgbClr val="000000"/>
                 </a:solidFill>
@@ -10490,7 +10670,7 @@
               </a:rPr>
               <a:t>HIGH LEVEL DESIGN</a:t>
             </a:r>
-            <a:endParaRPr sz="1400">
+            <a:endParaRPr sz="1400" dirty="0">
               <a:solidFill>
                 <a:srgbClr val="000000"/>
               </a:solidFill>
@@ -10501,7 +10681,7 @@
             </a:endParaRPr>
           </a:p>
           <a:p>
-            <a:pPr indent="-317500" lvl="0" marL="457200" rtl="0" algn="l">
+            <a:pPr marL="457200" lvl="0" indent="-317500" algn="l" rtl="0">
               <a:lnSpc>
                 <a:spcPct val="150000"/>
               </a:lnSpc>
@@ -10519,7 +10699,7 @@
               <a:buAutoNum type="arabicPeriod"/>
             </a:pPr>
             <a:r>
-              <a:rPr lang="en" sz="1400">
+              <a:rPr lang="en" sz="1400" dirty="0">
                 <a:solidFill>
                   <a:srgbClr val="000000"/>
                 </a:solidFill>
@@ -10528,9 +10708,9 @@
                 <a:cs typeface="Sriracha"/>
                 <a:sym typeface="Sriracha"/>
               </a:rPr>
-              <a:t>DETAIL DESIGN</a:t>
-            </a:r>
-            <a:endParaRPr sz="1400">
+              <a:t>ผลลัพธ์ของการออกแบบผลงาน</a:t>
+            </a:r>
+            <a:endParaRPr sz="1400" dirty="0">
               <a:solidFill>
                 <a:srgbClr val="000000"/>
               </a:solidFill>
@@ -10541,7 +10721,7 @@
             </a:endParaRPr>
           </a:p>
           <a:p>
-            <a:pPr indent="-317500" lvl="0" marL="457200" rtl="0" algn="l">
+            <a:pPr marL="457200" lvl="0" indent="-317500" algn="l" rtl="0">
               <a:lnSpc>
                 <a:spcPct val="150000"/>
               </a:lnSpc>
@@ -10559,7 +10739,7 @@
               <a:buAutoNum type="arabicPeriod"/>
             </a:pPr>
             <a:r>
-              <a:rPr lang="en" sz="1400">
+              <a:rPr lang="en" sz="1400" dirty="0">
                 <a:solidFill>
                   <a:srgbClr val="000000"/>
                 </a:solidFill>
@@ -10568,9 +10748,9 @@
                 <a:cs typeface="Sriracha"/>
                 <a:sym typeface="Sriracha"/>
               </a:rPr>
-              <a:t>ผลลัพธ์ของการออกแบบผลงาน</a:t>
-            </a:r>
-            <a:endParaRPr sz="1400">
+              <a:t>CODING</a:t>
+            </a:r>
+            <a:endParaRPr sz="1400" dirty="0">
               <a:solidFill>
                 <a:srgbClr val="000000"/>
               </a:solidFill>
@@ -10581,7 +10761,7 @@
             </a:endParaRPr>
           </a:p>
           <a:p>
-            <a:pPr indent="-317500" lvl="0" marL="457200" rtl="0" algn="l">
+            <a:pPr marL="457200" lvl="0" indent="-317500" algn="l" rtl="0">
               <a:lnSpc>
                 <a:spcPct val="150000"/>
               </a:lnSpc>
@@ -10599,7 +10779,7 @@
               <a:buAutoNum type="arabicPeriod"/>
             </a:pPr>
             <a:r>
-              <a:rPr lang="en" sz="1400">
+              <a:rPr lang="en" sz="1400" dirty="0">
                 <a:solidFill>
                   <a:srgbClr val="000000"/>
                 </a:solidFill>
@@ -10608,9 +10788,9 @@
                 <a:cs typeface="Sriracha"/>
                 <a:sym typeface="Sriracha"/>
               </a:rPr>
-              <a:t>CODING</a:t>
-            </a:r>
-            <a:endParaRPr sz="1400">
+              <a:t>ปัญหาและอุปสรรค</a:t>
+            </a:r>
+            <a:endParaRPr sz="1400" dirty="0">
               <a:solidFill>
                 <a:srgbClr val="000000"/>
               </a:solidFill>
@@ -10621,9 +10801,9 @@
             </a:endParaRPr>
           </a:p>
           <a:p>
-            <a:pPr indent="-317500" lvl="0" marL="457200" rtl="0" algn="l">
+            <a:pPr marL="0" lvl="0" indent="0" algn="l" rtl="0">
               <a:lnSpc>
-                <a:spcPct val="150000"/>
+                <a:spcPct val="100000"/>
               </a:lnSpc>
               <a:spcBef>
                 <a:spcPts val="0"/>
@@ -10631,26 +10811,9 @@
               <a:spcAft>
                 <a:spcPts val="0"/>
               </a:spcAft>
-              <a:buClr>
-                <a:srgbClr val="000000"/>
-              </a:buClr>
-              <a:buSzPts val="1400"/>
-              <a:buFont typeface="Sriracha"/>
-              <a:buAutoNum type="arabicPeriod"/>
+              <a:buNone/>
             </a:pPr>
-            <a:r>
-              <a:rPr lang="en" sz="1400">
-                <a:solidFill>
-                  <a:srgbClr val="000000"/>
-                </a:solidFill>
-                <a:latin typeface="Sriracha"/>
-                <a:ea typeface="Sriracha"/>
-                <a:cs typeface="Sriracha"/>
-                <a:sym typeface="Sriracha"/>
-              </a:rPr>
-              <a:t>ปัญหาและอุปสรรค</a:t>
-            </a:r>
-            <a:endParaRPr sz="1400">
+            <a:endParaRPr sz="1400" dirty="0">
               <a:solidFill>
                 <a:srgbClr val="000000"/>
               </a:solidFill>
@@ -10661,7 +10824,7 @@
             </a:endParaRPr>
           </a:p>
           <a:p>
-            <a:pPr indent="0" lvl="0" marL="0" rtl="0" algn="l">
+            <a:pPr marL="0" lvl="0" indent="0" algn="l" rtl="0">
               <a:lnSpc>
                 <a:spcPct val="100000"/>
               </a:lnSpc>
@@ -10673,10 +10836,7 @@
               </a:spcAft>
               <a:buNone/>
             </a:pPr>
-            <a:r>
-              <a:t/>
-            </a:r>
-            <a:endParaRPr sz="1400">
+            <a:endParaRPr sz="1400" dirty="0">
               <a:solidFill>
                 <a:srgbClr val="000000"/>
               </a:solidFill>
@@ -10687,7 +10847,7 @@
             </a:endParaRPr>
           </a:p>
           <a:p>
-            <a:pPr indent="0" lvl="0" marL="0" rtl="0" algn="l">
+            <a:pPr marL="0" lvl="0" indent="0" algn="l" rtl="0">
               <a:lnSpc>
                 <a:spcPct val="100000"/>
               </a:lnSpc>
@@ -10699,10 +10859,7 @@
               </a:spcAft>
               <a:buNone/>
             </a:pPr>
-            <a:r>
-              <a:t/>
-            </a:r>
-            <a:endParaRPr sz="1400">
+            <a:endParaRPr sz="1400" dirty="0">
               <a:solidFill>
                 <a:srgbClr val="000000"/>
               </a:solidFill>
@@ -10713,10 +10870,7 @@
             </a:endParaRPr>
           </a:p>
           <a:p>
-            <a:pPr indent="0" lvl="0" marL="0" rtl="0" algn="l">
-              <a:lnSpc>
-                <a:spcPct val="100000"/>
-              </a:lnSpc>
+            <a:pPr marL="0" lvl="0" indent="0" algn="l" rtl="0">
               <a:spcBef>
                 <a:spcPts val="0"/>
               </a:spcBef>
@@ -10725,13 +10879,7 @@
               </a:spcAft>
               <a:buNone/>
             </a:pPr>
-            <a:r>
-              <a:t/>
-            </a:r>
-            <a:endParaRPr sz="1400">
-              <a:solidFill>
-                <a:srgbClr val="000000"/>
-              </a:solidFill>
+            <a:endParaRPr sz="1400" dirty="0">
               <a:latin typeface="Sriracha"/>
               <a:ea typeface="Sriracha"/>
               <a:cs typeface="Sriracha"/>
@@ -10739,39 +10887,16 @@
             </a:endParaRPr>
           </a:p>
           <a:p>
-            <a:pPr indent="0" lvl="0" marL="0" rtl="0" algn="l">
-              <a:spcBef>
-                <a:spcPts val="0"/>
-              </a:spcBef>
-              <a:spcAft>
-                <a:spcPts val="0"/>
+            <a:pPr marL="0" lvl="0" indent="0" algn="l" rtl="0">
+              <a:spcBef>
+                <a:spcPts val="1600"/>
+              </a:spcBef>
+              <a:spcAft>
+                <a:spcPts val="1600"/>
               </a:spcAft>
               <a:buNone/>
             </a:pPr>
-            <a:r>
-              <a:t/>
-            </a:r>
-            <a:endParaRPr sz="1400">
-              <a:latin typeface="Sriracha"/>
-              <a:ea typeface="Sriracha"/>
-              <a:cs typeface="Sriracha"/>
-              <a:sym typeface="Sriracha"/>
-            </a:endParaRPr>
-          </a:p>
-          <a:p>
-            <a:pPr indent="0" lvl="0" marL="0" rtl="0" algn="l">
-              <a:spcBef>
-                <a:spcPts val="1600"/>
-              </a:spcBef>
-              <a:spcAft>
-                <a:spcPts val="1600"/>
-              </a:spcAft>
-              <a:buNone/>
-            </a:pPr>
-            <a:r>
-              <a:t/>
-            </a:r>
-            <a:endParaRPr sz="1400">
+            <a:endParaRPr sz="1400" dirty="0">
               <a:latin typeface="Sriracha"/>
               <a:ea typeface="Sriracha"/>
               <a:cs typeface="Sriracha"/>
@@ -10800,12 +10925,12 @@
           </a:ln>
         </p:spPr>
         <p:txBody>
-          <a:bodyPr anchorCtr="0" anchor="t" bIns="91425" lIns="91425" spcFirstLastPara="1" rIns="91425" wrap="square" tIns="91425">
+          <a:bodyPr spcFirstLastPara="1" wrap="square" lIns="91425" tIns="91425" rIns="91425" bIns="91425" anchor="t" anchorCtr="0">
             <a:noAutofit/>
           </a:bodyPr>
           <a:lstStyle/>
           <a:p>
-            <a:pPr indent="0" lvl="0" marL="0" rtl="0" algn="l">
+            <a:pPr marL="0" lvl="0" indent="0" algn="l" rtl="0">
               <a:spcBef>
                 <a:spcPts val="0"/>
               </a:spcBef>
@@ -10815,7 +10940,7 @@
               <a:buNone/>
             </a:pPr>
             <a:r>
-              <a:rPr lang="en" u="sng">
+              <a:rPr lang="en" u="sng" dirty="0">
                 <a:latin typeface="Sriracha"/>
                 <a:ea typeface="Sriracha"/>
                 <a:cs typeface="Sriracha"/>
@@ -10823,7 +10948,7 @@
               </a:rPr>
               <a:t>หน้า</a:t>
             </a:r>
-            <a:endParaRPr u="sng">
+            <a:endParaRPr u="sng" dirty="0">
               <a:latin typeface="Sriracha"/>
               <a:ea typeface="Sriracha"/>
               <a:cs typeface="Sriracha"/>
@@ -10831,7 +10956,7 @@
             </a:endParaRPr>
           </a:p>
           <a:p>
-            <a:pPr indent="0" lvl="0" marL="0" rtl="0" algn="l">
+            <a:pPr marL="0" lvl="0" indent="0" algn="l" rtl="0">
               <a:spcBef>
                 <a:spcPts val="0"/>
               </a:spcBef>
@@ -10840,10 +10965,7 @@
               </a:spcAft>
               <a:buNone/>
             </a:pPr>
-            <a:r>
-              <a:t/>
-            </a:r>
-            <a:endParaRPr>
+            <a:endParaRPr dirty="0">
               <a:latin typeface="Sriracha"/>
               <a:ea typeface="Sriracha"/>
               <a:cs typeface="Sriracha"/>
@@ -10851,7 +10973,7 @@
             </a:endParaRPr>
           </a:p>
           <a:p>
-            <a:pPr indent="0" lvl="0" marL="0" rtl="0" algn="l">
+            <a:pPr marL="0" lvl="0" indent="0" algn="l" rtl="0">
               <a:lnSpc>
                 <a:spcPct val="150000"/>
               </a:lnSpc>
@@ -10864,7 +10986,7 @@
               <a:buNone/>
             </a:pPr>
             <a:r>
-              <a:rPr lang="en">
+              <a:rPr lang="en" dirty="0">
                 <a:latin typeface="Sriracha"/>
                 <a:ea typeface="Sriracha"/>
                 <a:cs typeface="Sriracha"/>
@@ -10872,7 +10994,7 @@
               </a:rPr>
               <a:t>3</a:t>
             </a:r>
-            <a:endParaRPr>
+            <a:endParaRPr dirty="0">
               <a:latin typeface="Sriracha"/>
               <a:ea typeface="Sriracha"/>
               <a:cs typeface="Sriracha"/>
@@ -10880,7 +11002,7 @@
             </a:endParaRPr>
           </a:p>
           <a:p>
-            <a:pPr indent="0" lvl="0" marL="0" rtl="0" algn="l">
+            <a:pPr marL="0" lvl="0" indent="0" algn="l" rtl="0">
               <a:lnSpc>
                 <a:spcPct val="150000"/>
               </a:lnSpc>
@@ -10893,7 +11015,7 @@
               <a:buNone/>
             </a:pPr>
             <a:r>
-              <a:rPr lang="en">
+              <a:rPr lang="en" dirty="0">
                 <a:latin typeface="Sriracha"/>
                 <a:ea typeface="Sriracha"/>
                 <a:cs typeface="Sriracha"/>
@@ -10901,7 +11023,7 @@
               </a:rPr>
               <a:t>4</a:t>
             </a:r>
-            <a:endParaRPr>
+            <a:endParaRPr dirty="0">
               <a:latin typeface="Sriracha"/>
               <a:ea typeface="Sriracha"/>
               <a:cs typeface="Sriracha"/>
@@ -10909,7 +11031,7 @@
             </a:endParaRPr>
           </a:p>
           <a:p>
-            <a:pPr indent="0" lvl="0" marL="0" rtl="0" algn="l">
+            <a:pPr marL="0" lvl="0" indent="0" algn="l" rtl="0">
               <a:lnSpc>
                 <a:spcPct val="150000"/>
               </a:lnSpc>
@@ -10922,7 +11044,7 @@
               <a:buNone/>
             </a:pPr>
             <a:r>
-              <a:rPr lang="en">
+              <a:rPr lang="en" dirty="0">
                 <a:latin typeface="Sriracha"/>
                 <a:ea typeface="Sriracha"/>
                 <a:cs typeface="Sriracha"/>
@@ -10930,7 +11052,7 @@
               </a:rPr>
               <a:t>5</a:t>
             </a:r>
-            <a:endParaRPr>
+            <a:endParaRPr dirty="0">
               <a:latin typeface="Sriracha"/>
               <a:ea typeface="Sriracha"/>
               <a:cs typeface="Sriracha"/>
@@ -10938,7 +11060,7 @@
             </a:endParaRPr>
           </a:p>
           <a:p>
-            <a:pPr indent="0" lvl="0" marL="0" rtl="0" algn="l">
+            <a:pPr marL="0" lvl="0" indent="0" algn="l" rtl="0">
               <a:lnSpc>
                 <a:spcPct val="150000"/>
               </a:lnSpc>
@@ -10951,15 +11073,15 @@
               <a:buNone/>
             </a:pPr>
             <a:r>
-              <a:rPr lang="en">
+              <a:rPr lang="th-TH" dirty="0">
                 <a:latin typeface="Sriracha"/>
                 <a:ea typeface="Sriracha"/>
                 <a:cs typeface="Sriracha"/>
                 <a:sym typeface="Sriracha"/>
               </a:rPr>
-              <a:t>-</a:t>
-            </a:r>
-            <a:endParaRPr>
+              <a:t>6</a:t>
+            </a:r>
+            <a:endParaRPr dirty="0">
               <a:latin typeface="Sriracha"/>
               <a:ea typeface="Sriracha"/>
               <a:cs typeface="Sriracha"/>
@@ -10967,7 +11089,7 @@
             </a:endParaRPr>
           </a:p>
           <a:p>
-            <a:pPr indent="0" lvl="0" marL="0" rtl="0" algn="l">
+            <a:pPr marL="0" lvl="0" indent="0" algn="l" rtl="0">
               <a:lnSpc>
                 <a:spcPct val="150000"/>
               </a:lnSpc>
@@ -10980,15 +11102,15 @@
               <a:buNone/>
             </a:pPr>
             <a:r>
-              <a:rPr lang="en">
+              <a:rPr lang="th-TH" dirty="0">
                 <a:latin typeface="Sriracha"/>
                 <a:ea typeface="Sriracha"/>
                 <a:cs typeface="Sriracha"/>
                 <a:sym typeface="Sriracha"/>
               </a:rPr>
-              <a:t>-</a:t>
-            </a:r>
-            <a:endParaRPr>
+              <a:t>7</a:t>
+            </a:r>
+            <a:endParaRPr dirty="0">
               <a:latin typeface="Sriracha"/>
               <a:ea typeface="Sriracha"/>
               <a:cs typeface="Sriracha"/>
@@ -10996,7 +11118,7 @@
             </a:endParaRPr>
           </a:p>
           <a:p>
-            <a:pPr indent="0" lvl="0" marL="0" rtl="0" algn="l">
+            <a:pPr marL="0" lvl="0" indent="0" algn="l" rtl="0">
               <a:lnSpc>
                 <a:spcPct val="150000"/>
               </a:lnSpc>
@@ -11009,15 +11131,15 @@
               <a:buNone/>
             </a:pPr>
             <a:r>
-              <a:rPr lang="en">
+              <a:rPr lang="th-TH" dirty="0">
                 <a:latin typeface="Sriracha"/>
                 <a:ea typeface="Sriracha"/>
                 <a:cs typeface="Sriracha"/>
                 <a:sym typeface="Sriracha"/>
               </a:rPr>
-              <a:t>-</a:t>
-            </a:r>
-            <a:endParaRPr>
+              <a:t>8</a:t>
+            </a:r>
+            <a:endParaRPr dirty="0">
               <a:latin typeface="Sriracha"/>
               <a:ea typeface="Sriracha"/>
               <a:cs typeface="Sriracha"/>
@@ -11025,7 +11147,7 @@
             </a:endParaRPr>
           </a:p>
           <a:p>
-            <a:pPr indent="0" lvl="0" marL="0" rtl="0" algn="l">
+            <a:pPr marL="0" lvl="0" indent="0" algn="l" rtl="0">
               <a:lnSpc>
                 <a:spcPct val="150000"/>
               </a:lnSpc>
@@ -11038,15 +11160,15 @@
               <a:buNone/>
             </a:pPr>
             <a:r>
-              <a:rPr lang="en">
+              <a:rPr lang="th-TH" dirty="0">
                 <a:latin typeface="Sriracha"/>
                 <a:ea typeface="Sriracha"/>
                 <a:cs typeface="Sriracha"/>
                 <a:sym typeface="Sriracha"/>
               </a:rPr>
-              <a:t>-</a:t>
-            </a:r>
-            <a:endParaRPr>
+              <a:t>11</a:t>
+            </a:r>
+            <a:endParaRPr dirty="0">
               <a:latin typeface="Sriracha"/>
               <a:ea typeface="Sriracha"/>
               <a:cs typeface="Sriracha"/>
@@ -11054,7 +11176,7 @@
             </a:endParaRPr>
           </a:p>
           <a:p>
-            <a:pPr indent="0" lvl="0" marL="0" rtl="0" algn="l">
+            <a:pPr marL="457200" lvl="0" indent="0" algn="l" rtl="0">
               <a:lnSpc>
                 <a:spcPct val="150000"/>
               </a:lnSpc>
@@ -11066,39 +11188,7 @@
               </a:spcAft>
               <a:buNone/>
             </a:pPr>
-            <a:r>
-              <a:rPr lang="en">
-                <a:latin typeface="Sriracha"/>
-                <a:ea typeface="Sriracha"/>
-                <a:cs typeface="Sriracha"/>
-                <a:sym typeface="Sriracha"/>
-              </a:rPr>
-              <a:t>-</a:t>
-            </a:r>
-            <a:endParaRPr>
-              <a:latin typeface="Sriracha"/>
-              <a:ea typeface="Sriracha"/>
-              <a:cs typeface="Sriracha"/>
-              <a:sym typeface="Sriracha"/>
-            </a:endParaRPr>
-          </a:p>
-          <a:p>
-            <a:pPr indent="0" lvl="0" marL="457200" rtl="0" algn="l">
-              <a:lnSpc>
-                <a:spcPct val="150000"/>
-              </a:lnSpc>
-              <a:spcBef>
-                <a:spcPts val="0"/>
-              </a:spcBef>
-              <a:spcAft>
-                <a:spcPts val="0"/>
-              </a:spcAft>
-              <a:buNone/>
-            </a:pPr>
-            <a:r>
-              <a:t/>
-            </a:r>
-            <a:endParaRPr>
+            <a:endParaRPr dirty="0">
               <a:latin typeface="Roboto"/>
               <a:ea typeface="Roboto"/>
               <a:cs typeface="Roboto"/>
@@ -11155,12 +11245,12 @@
           </a:ln>
         </p:spPr>
         <p:txBody>
-          <a:bodyPr anchorCtr="0" anchor="t" bIns="91425" lIns="91425" spcFirstLastPara="1" rIns="91425" wrap="square" tIns="91425">
+          <a:bodyPr spcFirstLastPara="1" wrap="square" lIns="91425" tIns="91425" rIns="91425" bIns="91425" anchor="t" anchorCtr="0">
             <a:noAutofit/>
           </a:bodyPr>
           <a:lstStyle/>
           <a:p>
-            <a:pPr indent="0" lvl="0" marL="0" rtl="0" algn="l">
+            <a:pPr marL="0" lvl="0" indent="0" algn="l" rtl="0">
               <a:spcBef>
                 <a:spcPts val="0"/>
               </a:spcBef>
@@ -11170,15 +11260,15 @@
               <a:buNone/>
             </a:pPr>
             <a:r>
-              <a:rPr lang="en">
+              <a:rPr lang="th-TH" dirty="0">
                 <a:latin typeface="Sriracha"/>
                 <a:ea typeface="Sriracha"/>
                 <a:cs typeface="Sriracha"/>
                 <a:sym typeface="Sriracha"/>
               </a:rPr>
-              <a:t>3</a:t>
-            </a:r>
-            <a:endParaRPr>
+              <a:t>2</a:t>
+            </a:r>
+            <a:endParaRPr dirty="0">
               <a:latin typeface="Sriracha"/>
               <a:ea typeface="Sriracha"/>
               <a:cs typeface="Sriracha"/>
@@ -11196,11 +11286,11 @@
 </file>
 
 <file path=ppt/slides/slide3.xml><?xml version="1.0" encoding="utf-8"?>
-<p:sld xmlns:a="http://schemas.openxmlformats.org/drawingml/2006/main" xmlns:r="http://schemas.openxmlformats.org/officeDocument/2006/relationships" xmlns:mc="http://schemas.openxmlformats.org/markup-compatibility/2006" xmlns:mv="urn:schemas-microsoft-com:mac:vml" xmlns:p="http://schemas.openxmlformats.org/presentationml/2006/main" xmlns:c="http://schemas.openxmlformats.org/drawingml/2006/chart" xmlns:dgm="http://schemas.openxmlformats.org/drawingml/2006/diagram" xmlns:o="urn:schemas-microsoft-com:office:office" xmlns:v="urn:schemas-microsoft-com:vml" xmlns:pvml="urn:schemas-microsoft-com:office:powerpoint" xmlns:com="http://schemas.openxmlformats.org/drawingml/2006/compatibility" xmlns:p14="http://schemas.microsoft.com/office/powerpoint/2010/main" xmlns:p15="http://schemas.microsoft.com/office/powerpoint/2012/main">
+<p:sld xmlns:a="http://schemas.openxmlformats.org/drawingml/2006/main" xmlns:r="http://schemas.openxmlformats.org/officeDocument/2006/relationships" xmlns:p="http://schemas.openxmlformats.org/presentationml/2006/main">
   <p:cSld>
     <p:spTree>
       <p:nvGrpSpPr>
-        <p:cNvPr id="102" name="Shape 102"/>
+        <p:cNvPr id="1" name="Shape 102"/>
         <p:cNvGrpSpPr/>
         <p:nvPr/>
       </p:nvGrpSpPr>
@@ -11215,7 +11305,9 @@
       <p:sp>
         <p:nvSpPr>
           <p:cNvPr id="103" name="Google Shape;103;p15"/>
-          <p:cNvSpPr txBox="1"/>
+          <p:cNvSpPr txBox="1">
+            <a:spLocks noGrp="1"/>
+          </p:cNvSpPr>
           <p:nvPr>
             <p:ph type="title"/>
           </p:nvPr>
@@ -11230,12 +11322,12 @@
           </a:prstGeom>
         </p:spPr>
         <p:txBody>
-          <a:bodyPr anchorCtr="0" anchor="t" bIns="91425" lIns="91425" spcFirstLastPara="1" rIns="91425" wrap="square" tIns="91425">
+          <a:bodyPr spcFirstLastPara="1" wrap="square" lIns="91425" tIns="91425" rIns="91425" bIns="91425" anchor="t" anchorCtr="0">
             <a:noAutofit/>
           </a:bodyPr>
           <a:lstStyle/>
           <a:p>
-            <a:pPr indent="0" lvl="0" marL="0" rtl="0" algn="l">
+            <a:pPr marL="0" lvl="0" indent="0" algn="l" rtl="0">
               <a:spcBef>
                 <a:spcPts val="0"/>
               </a:spcBef>
@@ -11265,9 +11357,11 @@
       <p:sp>
         <p:nvSpPr>
           <p:cNvPr id="104" name="Google Shape;104;p15"/>
-          <p:cNvSpPr txBox="1"/>
+          <p:cNvSpPr txBox="1">
+            <a:spLocks noGrp="1"/>
+          </p:cNvSpPr>
           <p:nvPr>
-            <p:ph idx="1" type="body"/>
+            <p:ph type="body" idx="1"/>
           </p:nvPr>
         </p:nvSpPr>
         <p:spPr>
@@ -11283,12 +11377,12 @@
           </a:solidFill>
         </p:spPr>
         <p:txBody>
-          <a:bodyPr anchorCtr="0" anchor="t" bIns="91425" lIns="91425" spcFirstLastPara="1" rIns="91425" wrap="square" tIns="91425">
+          <a:bodyPr spcFirstLastPara="1" wrap="square" lIns="91425" tIns="91425" rIns="91425" bIns="91425" anchor="t" anchorCtr="0">
             <a:noAutofit/>
           </a:bodyPr>
           <a:lstStyle/>
           <a:p>
-            <a:pPr indent="-342900" lvl="0" marL="457200" rtl="0" algn="l">
+            <a:pPr marL="457200" lvl="0" indent="-342900" algn="l" rtl="0">
               <a:lnSpc>
                 <a:spcPct val="95000"/>
               </a:lnSpc>
@@ -11328,7 +11422,7 @@
             </a:endParaRPr>
           </a:p>
           <a:p>
-            <a:pPr indent="-342900" lvl="0" marL="457200" rtl="0" algn="l">
+            <a:pPr marL="457200" lvl="0" indent="-342900" algn="l" rtl="0">
               <a:lnSpc>
                 <a:spcPct val="95000"/>
               </a:lnSpc>
@@ -11368,7 +11462,7 @@
             </a:endParaRPr>
           </a:p>
           <a:p>
-            <a:pPr indent="-342900" lvl="0" marL="457200" rtl="0" algn="l">
+            <a:pPr marL="457200" lvl="0" indent="-342900" algn="l" rtl="0">
               <a:lnSpc>
                 <a:spcPct val="95000"/>
               </a:lnSpc>
@@ -11408,7 +11502,7 @@
             </a:endParaRPr>
           </a:p>
           <a:p>
-            <a:pPr indent="0" lvl="0" marL="457200" rtl="0" algn="l">
+            <a:pPr marL="457200" lvl="0" indent="0" algn="l" rtl="0">
               <a:lnSpc>
                 <a:spcPct val="95000"/>
               </a:lnSpc>
@@ -11443,7 +11537,7 @@
             </a:endParaRPr>
           </a:p>
           <a:p>
-            <a:pPr indent="0" lvl="0" marL="457200" rtl="0" algn="l">
+            <a:pPr marL="457200" lvl="0" indent="0" algn="l" rtl="0">
               <a:lnSpc>
                 <a:spcPct val="95000"/>
               </a:lnSpc>
@@ -11478,7 +11572,7 @@
             </a:endParaRPr>
           </a:p>
           <a:p>
-            <a:pPr indent="0" lvl="0" marL="457200" rtl="0" algn="l">
+            <a:pPr marL="457200" lvl="0" indent="0" algn="l" rtl="0">
               <a:lnSpc>
                 <a:spcPct val="95000"/>
               </a:lnSpc>
@@ -11513,7 +11607,7 @@
             </a:endParaRPr>
           </a:p>
           <a:p>
-            <a:pPr indent="0" lvl="0" marL="0" rtl="0" algn="l">
+            <a:pPr marL="0" lvl="0" indent="0" algn="l" rtl="0">
               <a:lnSpc>
                 <a:spcPct val="150000"/>
               </a:lnSpc>
@@ -11548,7 +11642,7 @@
             </a:endParaRPr>
           </a:p>
           <a:p>
-            <a:pPr indent="0" lvl="0" marL="0" rtl="0" algn="l">
+            <a:pPr marL="0" lvl="0" indent="0" algn="l" rtl="0">
               <a:lnSpc>
                 <a:spcPct val="150000"/>
               </a:lnSpc>
@@ -11583,7 +11677,7 @@
             </a:endParaRPr>
           </a:p>
           <a:p>
-            <a:pPr indent="0" lvl="0" marL="457200" rtl="0" algn="l">
+            <a:pPr marL="457200" lvl="0" indent="0" algn="l" rtl="0">
               <a:spcBef>
                 <a:spcPts val="1600"/>
               </a:spcBef>
@@ -11592,9 +11686,6 @@
               </a:spcAft>
               <a:buNone/>
             </a:pPr>
-            <a:r>
-              <a:t/>
-            </a:r>
             <a:endParaRPr>
               <a:solidFill>
                 <a:srgbClr val="000000"/>
@@ -11651,12 +11742,12 @@
           </a:ln>
         </p:spPr>
         <p:txBody>
-          <a:bodyPr anchorCtr="0" anchor="t" bIns="91425" lIns="91425" spcFirstLastPara="1" rIns="91425" wrap="square" tIns="91425">
+          <a:bodyPr spcFirstLastPara="1" wrap="square" lIns="91425" tIns="91425" rIns="91425" bIns="91425" anchor="t" anchorCtr="0">
             <a:noAutofit/>
           </a:bodyPr>
           <a:lstStyle/>
           <a:p>
-            <a:pPr indent="0" lvl="0" marL="0" rtl="0" algn="l">
+            <a:pPr marL="0" lvl="0" indent="0" algn="l" rtl="0">
               <a:lnSpc>
                 <a:spcPct val="150000"/>
               </a:lnSpc>
@@ -11685,7 +11776,7 @@
             </a:endParaRPr>
           </a:p>
           <a:p>
-            <a:pPr indent="0" lvl="0" marL="0" rtl="0" algn="l">
+            <a:pPr marL="0" lvl="0" indent="0" algn="l" rtl="0">
               <a:lnSpc>
                 <a:spcPct val="115000"/>
               </a:lnSpc>
@@ -11697,9 +11788,6 @@
               </a:spcAft>
               <a:buNone/>
             </a:pPr>
-            <a:r>
-              <a:t/>
-            </a:r>
             <a:endParaRPr sz="1800">
               <a:latin typeface="Angsana New"/>
               <a:ea typeface="Angsana New"/>
@@ -11729,12 +11817,12 @@
           </a:ln>
         </p:spPr>
         <p:txBody>
-          <a:bodyPr anchorCtr="0" anchor="t" bIns="91425" lIns="91425" spcFirstLastPara="1" rIns="91425" wrap="square" tIns="91425">
+          <a:bodyPr spcFirstLastPara="1" wrap="square" lIns="91425" tIns="91425" rIns="91425" bIns="91425" anchor="t" anchorCtr="0">
             <a:noAutofit/>
           </a:bodyPr>
           <a:lstStyle/>
           <a:p>
-            <a:pPr indent="0" lvl="0" marL="0" rtl="0" algn="l">
+            <a:pPr marL="0" lvl="0" indent="0" algn="l" rtl="0">
               <a:spcBef>
                 <a:spcPts val="0"/>
               </a:spcBef>
@@ -11743,9 +11831,6 @@
               </a:spcAft>
               <a:buNone/>
             </a:pPr>
-            <a:r>
-              <a:t/>
-            </a:r>
             <a:endParaRPr>
               <a:latin typeface="Roboto"/>
               <a:ea typeface="Roboto"/>
@@ -11775,12 +11860,12 @@
           </a:ln>
         </p:spPr>
         <p:txBody>
-          <a:bodyPr anchorCtr="0" anchor="t" bIns="91425" lIns="91425" spcFirstLastPara="1" rIns="91425" wrap="square" tIns="91425">
+          <a:bodyPr spcFirstLastPara="1" wrap="square" lIns="91425" tIns="91425" rIns="91425" bIns="91425" anchor="t" anchorCtr="0">
             <a:noAutofit/>
           </a:bodyPr>
           <a:lstStyle/>
           <a:p>
-            <a:pPr indent="0" lvl="0" marL="0" rtl="0" algn="l">
+            <a:pPr marL="0" lvl="0" indent="0" algn="l" rtl="0">
               <a:spcBef>
                 <a:spcPts val="0"/>
               </a:spcBef>
@@ -11790,15 +11875,15 @@
               <a:buNone/>
             </a:pPr>
             <a:r>
-              <a:rPr lang="en">
+              <a:rPr lang="th-TH" dirty="0">
                 <a:latin typeface="Sriracha"/>
                 <a:ea typeface="Sriracha"/>
                 <a:cs typeface="Sriracha"/>
                 <a:sym typeface="Sriracha"/>
               </a:rPr>
-              <a:t>4</a:t>
-            </a:r>
-            <a:endParaRPr>
+              <a:t>3</a:t>
+            </a:r>
+            <a:endParaRPr dirty="0">
               <a:latin typeface="Sriracha"/>
               <a:ea typeface="Sriracha"/>
               <a:cs typeface="Sriracha"/>
@@ -11816,11 +11901,11 @@
 </file>
 
 <file path=ppt/slides/slide4.xml><?xml version="1.0" encoding="utf-8"?>
-<p:sld xmlns:a="http://schemas.openxmlformats.org/drawingml/2006/main" xmlns:r="http://schemas.openxmlformats.org/officeDocument/2006/relationships" xmlns:mc="http://schemas.openxmlformats.org/markup-compatibility/2006" xmlns:mv="urn:schemas-microsoft-com:mac:vml" xmlns:p="http://schemas.openxmlformats.org/presentationml/2006/main" xmlns:c="http://schemas.openxmlformats.org/drawingml/2006/chart" xmlns:dgm="http://schemas.openxmlformats.org/drawingml/2006/diagram" xmlns:o="urn:schemas-microsoft-com:office:office" xmlns:v="urn:schemas-microsoft-com:vml" xmlns:pvml="urn:schemas-microsoft-com:office:powerpoint" xmlns:com="http://schemas.openxmlformats.org/drawingml/2006/compatibility" xmlns:p14="http://schemas.microsoft.com/office/powerpoint/2010/main" xmlns:p15="http://schemas.microsoft.com/office/powerpoint/2012/main">
+<p:sld xmlns:a="http://schemas.openxmlformats.org/drawingml/2006/main" xmlns:r="http://schemas.openxmlformats.org/officeDocument/2006/relationships" xmlns:p="http://schemas.openxmlformats.org/presentationml/2006/main">
   <p:cSld>
     <p:spTree>
       <p:nvGrpSpPr>
-        <p:cNvPr id="112" name="Shape 112"/>
+        <p:cNvPr id="1" name="Shape 112"/>
         <p:cNvGrpSpPr/>
         <p:nvPr/>
       </p:nvGrpSpPr>
@@ -11835,7 +11920,9 @@
       <p:sp>
         <p:nvSpPr>
           <p:cNvPr id="113" name="Google Shape;113;p16"/>
-          <p:cNvSpPr txBox="1"/>
+          <p:cNvSpPr txBox="1">
+            <a:spLocks noGrp="1"/>
+          </p:cNvSpPr>
           <p:nvPr>
             <p:ph type="title"/>
           </p:nvPr>
@@ -11850,12 +11937,12 @@
           </a:prstGeom>
         </p:spPr>
         <p:txBody>
-          <a:bodyPr anchorCtr="0" anchor="t" bIns="91425" lIns="91425" spcFirstLastPara="1" rIns="91425" wrap="square" tIns="91425">
+          <a:bodyPr spcFirstLastPara="1" wrap="square" lIns="91425" tIns="91425" rIns="91425" bIns="91425" anchor="t" anchorCtr="0">
             <a:noAutofit/>
           </a:bodyPr>
           <a:lstStyle/>
           <a:p>
-            <a:pPr indent="0" lvl="0" marL="0" rtl="0" algn="l">
+            <a:pPr marL="0" lvl="0" indent="0" algn="l" rtl="0">
               <a:spcBef>
                 <a:spcPts val="0"/>
               </a:spcBef>
@@ -11885,9 +11972,11 @@
       <p:sp>
         <p:nvSpPr>
           <p:cNvPr id="114" name="Google Shape;114;p16"/>
-          <p:cNvSpPr txBox="1"/>
+          <p:cNvSpPr txBox="1">
+            <a:spLocks noGrp="1"/>
+          </p:cNvSpPr>
           <p:nvPr>
-            <p:ph idx="1" type="body"/>
+            <p:ph type="body" idx="1"/>
           </p:nvPr>
         </p:nvSpPr>
         <p:spPr>
@@ -11900,12 +11989,12 @@
           </a:prstGeom>
         </p:spPr>
         <p:txBody>
-          <a:bodyPr anchorCtr="0" anchor="t" bIns="91425" lIns="91425" spcFirstLastPara="1" rIns="91425" wrap="square" tIns="91425">
+          <a:bodyPr spcFirstLastPara="1" wrap="square" lIns="91425" tIns="91425" rIns="91425" bIns="91425" anchor="t" anchorCtr="0">
             <a:noAutofit/>
           </a:bodyPr>
           <a:lstStyle/>
           <a:p>
-            <a:pPr indent="0" lvl="0" marL="0" rtl="0" algn="l">
+            <a:pPr marL="0" lvl="0" indent="0" algn="l" rtl="0">
               <a:lnSpc>
                 <a:spcPct val="100000"/>
               </a:lnSpc>
@@ -11918,7 +12007,7 @@
               <a:buNone/>
             </a:pPr>
             <a:r>
-              <a:rPr lang="en">
+              <a:rPr lang="en" dirty="0">
                 <a:latin typeface="Sriracha"/>
                 <a:ea typeface="Sriracha"/>
                 <a:cs typeface="Sriracha"/>
@@ -11926,7 +12015,7 @@
               </a:rPr>
               <a:t>Seneor ตรวจเจอขวดพลาสติกเปล่า  	ส่งสัญญาณให้ 	ปั๊มน้ำทำงาน </a:t>
             </a:r>
-            <a:endParaRPr>
+            <a:endParaRPr dirty="0">
               <a:latin typeface="Sriracha"/>
               <a:ea typeface="Sriracha"/>
               <a:cs typeface="Sriracha"/>
@@ -11934,7 +12023,7 @@
             </a:endParaRPr>
           </a:p>
           <a:p>
-            <a:pPr indent="0" lvl="0" marL="0" rtl="0" algn="l">
+            <a:pPr marL="0" lvl="0" indent="0" algn="l" rtl="0">
               <a:lnSpc>
                 <a:spcPct val="100000"/>
               </a:lnSpc>
@@ -11946,10 +12035,7 @@
               </a:spcAft>
               <a:buNone/>
             </a:pPr>
-            <a:r>
-              <a:t/>
-            </a:r>
-            <a:endParaRPr>
+            <a:endParaRPr dirty="0">
               <a:latin typeface="Sriracha"/>
               <a:ea typeface="Sriracha"/>
               <a:cs typeface="Sriracha"/>
@@ -11957,7 +12043,7 @@
             </a:endParaRPr>
           </a:p>
           <a:p>
-            <a:pPr indent="457200" lvl="0" marL="6400800" rtl="0" algn="l">
+            <a:pPr marL="6400800" lvl="0" indent="457200" algn="l" rtl="0">
               <a:lnSpc>
                 <a:spcPct val="100000"/>
               </a:lnSpc>
@@ -11970,7 +12056,7 @@
               <a:buNone/>
             </a:pPr>
             <a:r>
-              <a:rPr lang="en">
+              <a:rPr lang="en" dirty="0">
                 <a:latin typeface="Sriracha"/>
                 <a:ea typeface="Sriracha"/>
                 <a:cs typeface="Sriracha"/>
@@ -11978,7 +12064,7 @@
               </a:rPr>
               <a:t>ระหว่างนั้นก็มี </a:t>
             </a:r>
-            <a:endParaRPr>
+            <a:endParaRPr dirty="0">
               <a:latin typeface="Sriracha"/>
               <a:ea typeface="Sriracha"/>
               <a:cs typeface="Sriracha"/>
@@ -11986,7 +12072,7 @@
             </a:endParaRPr>
           </a:p>
           <a:p>
-            <a:pPr indent="457200" lvl="0" marL="4114800" rtl="0" algn="l">
+            <a:pPr marL="4114800" lvl="0" indent="457200" algn="l" rtl="0">
               <a:lnSpc>
                 <a:spcPct val="100000"/>
               </a:lnSpc>
@@ -11998,10 +12084,7 @@
               </a:spcAft>
               <a:buNone/>
             </a:pPr>
-            <a:r>
-              <a:t/>
-            </a:r>
-            <a:endParaRPr>
+            <a:endParaRPr dirty="0">
               <a:latin typeface="Sriracha"/>
               <a:ea typeface="Sriracha"/>
               <a:cs typeface="Sriracha"/>
@@ -12009,7 +12092,7 @@
             </a:endParaRPr>
           </a:p>
           <a:p>
-            <a:pPr indent="0" lvl="0" marL="5943600" rtl="0" algn="l">
+            <a:pPr marL="5943600" lvl="0" indent="0" algn="l" rtl="0">
               <a:lnSpc>
                 <a:spcPct val="100000"/>
               </a:lnSpc>
@@ -12022,7 +12105,7 @@
               <a:buNone/>
             </a:pPr>
             <a:r>
-              <a:rPr lang="en">
+              <a:rPr lang="en" dirty="0">
                 <a:latin typeface="Sriracha"/>
                 <a:ea typeface="Sriracha"/>
                 <a:cs typeface="Sriracha"/>
@@ -12030,7 +12113,7 @@
               </a:rPr>
               <a:t>    </a:t>
             </a:r>
-            <a:endParaRPr>
+            <a:endParaRPr dirty="0">
               <a:latin typeface="Sriracha"/>
               <a:ea typeface="Sriracha"/>
               <a:cs typeface="Sriracha"/>
@@ -12038,7 +12121,7 @@
             </a:endParaRPr>
           </a:p>
           <a:p>
-            <a:pPr indent="0" lvl="0" marL="5943600" rtl="0" algn="l">
+            <a:pPr marL="5943600" lvl="0" indent="0" algn="l" rtl="0">
               <a:lnSpc>
                 <a:spcPct val="100000"/>
               </a:lnSpc>
@@ -12051,7 +12134,7 @@
               <a:buNone/>
             </a:pPr>
             <a:r>
-              <a:rPr lang="en">
+              <a:rPr lang="en" dirty="0">
                 <a:latin typeface="Sriracha"/>
                 <a:ea typeface="Sriracha"/>
                 <a:cs typeface="Sriracha"/>
@@ -12059,7 +12142,7 @@
               </a:rPr>
               <a:t>    Sensor ตรวจวัดระดับน้ำ </a:t>
             </a:r>
-            <a:endParaRPr>
+            <a:endParaRPr dirty="0">
               <a:latin typeface="Sriracha"/>
               <a:ea typeface="Sriracha"/>
               <a:cs typeface="Sriracha"/>
@@ -12067,7 +12150,7 @@
             </a:endParaRPr>
           </a:p>
           <a:p>
-            <a:pPr indent="0" lvl="0" marL="0" rtl="0" algn="l">
+            <a:pPr marL="0" lvl="0" indent="0" algn="l" rtl="0">
               <a:lnSpc>
                 <a:spcPct val="100000"/>
               </a:lnSpc>
@@ -12080,7 +12163,7 @@
               <a:buNone/>
             </a:pPr>
             <a:r>
-              <a:rPr lang="en">
+              <a:rPr lang="en" dirty="0">
                 <a:latin typeface="Sriracha"/>
                 <a:ea typeface="Sriracha"/>
                 <a:cs typeface="Sriracha"/>
@@ -12088,7 +12171,7 @@
               </a:rPr>
               <a:t>  </a:t>
             </a:r>
-            <a:endParaRPr>
+            <a:endParaRPr dirty="0">
               <a:latin typeface="Sriracha"/>
               <a:ea typeface="Sriracha"/>
               <a:cs typeface="Sriracha"/>
@@ -12096,7 +12179,7 @@
             </a:endParaRPr>
           </a:p>
           <a:p>
-            <a:pPr indent="0" lvl="0" marL="0" rtl="0" algn="l">
+            <a:pPr marL="0" lvl="0" indent="0" algn="l" rtl="0">
               <a:lnSpc>
                 <a:spcPct val="100000"/>
               </a:lnSpc>
@@ -12109,42 +12192,15 @@
               <a:buNone/>
             </a:pPr>
             <a:r>
-              <a:rPr lang="en">
+              <a:rPr lang="en" dirty="0">
                 <a:latin typeface="Sriracha"/>
                 <a:ea typeface="Sriracha"/>
                 <a:cs typeface="Sriracha"/>
                 <a:sym typeface="Sriracha"/>
               </a:rPr>
-              <a:t>แล้ว steper moter เลื่อนไปขวดต่อไป	</a:t>
-            </a:r>
-            <a:r>
-              <a:rPr lang="en">
-                <a:latin typeface="Sriracha"/>
-                <a:ea typeface="Sriracha"/>
-                <a:cs typeface="Sriracha"/>
-                <a:sym typeface="Sriracha"/>
-              </a:rPr>
-              <a:t>ก็จะสั่งให้ปั๊มน้ำหยุดทำงาน</a:t>
-            </a:r>
-            <a:r>
-              <a:rPr lang="en">
-                <a:latin typeface="Sriracha"/>
-                <a:ea typeface="Sriracha"/>
-                <a:cs typeface="Sriracha"/>
-                <a:sym typeface="Sriracha"/>
-              </a:rPr>
-              <a:t>	</a:t>
-            </a:r>
-            <a:r>
-              <a:rPr lang="en">
-                <a:latin typeface="Sriracha"/>
-                <a:ea typeface="Sriracha"/>
-                <a:cs typeface="Sriracha"/>
-                <a:sym typeface="Sriracha"/>
-              </a:rPr>
-              <a:t>ถ้าถึงระดับที่ต้องการ</a:t>
-            </a:r>
-            <a:endParaRPr>
+              <a:t>แล้ว steper moter เลื่อนไปขวดต่อไป	ก็จะสั่งให้ปั๊มน้ำหยุดทำงาน	ถ้าถึงระดับที่ต้องการ</a:t>
+            </a:r>
+            <a:endParaRPr dirty="0">
               <a:latin typeface="Sriracha"/>
               <a:ea typeface="Sriracha"/>
               <a:cs typeface="Sriracha"/>
@@ -12201,12 +12257,12 @@
           </a:ln>
         </p:spPr>
         <p:txBody>
-          <a:bodyPr anchorCtr="0" anchor="t" bIns="91425" lIns="91425" spcFirstLastPara="1" rIns="91425" wrap="square" tIns="91425">
+          <a:bodyPr spcFirstLastPara="1" wrap="square" lIns="91425" tIns="91425" rIns="91425" bIns="91425" anchor="t" anchorCtr="0">
             <a:noAutofit/>
           </a:bodyPr>
           <a:lstStyle/>
           <a:p>
-            <a:pPr indent="0" lvl="0" marL="0" rtl="0" algn="l">
+            <a:pPr marL="0" lvl="0" indent="0" algn="l" rtl="0">
               <a:spcBef>
                 <a:spcPts val="0"/>
               </a:spcBef>
@@ -12216,15 +12272,15 @@
               <a:buNone/>
             </a:pPr>
             <a:r>
-              <a:rPr lang="en">
+              <a:rPr lang="th-TH" dirty="0">
                 <a:latin typeface="Sriracha"/>
                 <a:ea typeface="Sriracha"/>
                 <a:cs typeface="Sriracha"/>
                 <a:sym typeface="Sriracha"/>
               </a:rPr>
-              <a:t>5</a:t>
-            </a:r>
-            <a:endParaRPr>
+              <a:t>4</a:t>
+            </a:r>
+            <a:endParaRPr dirty="0">
               <a:latin typeface="Sriracha"/>
               <a:ea typeface="Sriracha"/>
               <a:cs typeface="Sriracha"/>
@@ -12268,7 +12324,7 @@
           <p:nvPr/>
         </p:nvCxnSpPr>
         <p:spPr>
-          <a:xfrm flipH="1" rot="10800000">
+          <a:xfrm rot="10800000" flipH="1">
             <a:off x="4024800" y="2000425"/>
             <a:ext cx="1289700" cy="7500"/>
           </a:xfrm>
@@ -12276,14 +12332,14 @@
             <a:avLst/>
           </a:prstGeom>
           <a:noFill/>
-          <a:ln cap="flat" cmpd="sng" w="9525">
+          <a:ln w="9525" cap="flat" cmpd="sng">
             <a:solidFill>
               <a:schemeClr val="dk2"/>
             </a:solidFill>
             <a:prstDash val="solid"/>
             <a:round/>
-            <a:headEnd len="med" w="med" type="none"/>
-            <a:tailEnd len="med" w="med" type="triangle"/>
+            <a:headEnd type="none" w="med" len="med"/>
+            <a:tailEnd type="triangle" w="med" len="med"/>
           </a:ln>
         </p:spPr>
       </p:cxnSp>
@@ -12358,14 +12414,14 @@
             <a:avLst/>
           </a:prstGeom>
           <a:noFill/>
-          <a:ln cap="flat" cmpd="sng" w="9525">
+          <a:ln w="9525" cap="flat" cmpd="sng">
             <a:solidFill>
               <a:schemeClr val="dk2"/>
             </a:solidFill>
             <a:prstDash val="solid"/>
             <a:round/>
-            <a:headEnd len="med" w="med" type="none"/>
-            <a:tailEnd len="med" w="med" type="triangle"/>
+            <a:headEnd type="none" w="med" len="med"/>
+            <a:tailEnd type="triangle" w="med" len="med"/>
           </a:ln>
         </p:spPr>
       </p:cxnSp>
@@ -12384,14 +12440,14 @@
             <a:avLst/>
           </a:prstGeom>
           <a:noFill/>
-          <a:ln cap="flat" cmpd="sng" w="9525">
+          <a:ln w="9525" cap="flat" cmpd="sng">
             <a:solidFill>
               <a:schemeClr val="dk2"/>
             </a:solidFill>
             <a:prstDash val="solid"/>
             <a:round/>
-            <a:headEnd len="med" w="med" type="none"/>
-            <a:tailEnd len="med" w="med" type="triangle"/>
+            <a:headEnd type="none" w="med" len="med"/>
+            <a:tailEnd type="triangle" w="med" len="med"/>
           </a:ln>
         </p:spPr>
       </p:cxnSp>
@@ -12410,14 +12466,14 @@
             <a:avLst/>
           </a:prstGeom>
           <a:noFill/>
-          <a:ln cap="flat" cmpd="sng" w="9525">
+          <a:ln w="9525" cap="flat" cmpd="sng">
             <a:solidFill>
               <a:schemeClr val="dk2"/>
             </a:solidFill>
             <a:prstDash val="solid"/>
             <a:round/>
-            <a:headEnd len="med" w="med" type="none"/>
-            <a:tailEnd len="med" w="med" type="triangle"/>
+            <a:headEnd type="none" w="med" len="med"/>
+            <a:tailEnd type="triangle" w="med" len="med"/>
           </a:ln>
         </p:spPr>
       </p:cxnSp>
@@ -12428,7 +12484,7 @@
           <p:nvPr/>
         </p:nvPicPr>
         <p:blipFill>
-          <a:blip r:embed="rId7">
+          <a:blip r:embed="rId6">
             <a:alphaModFix/>
           </a:blip>
           <a:stretch>
@@ -12464,14 +12520,14 @@
             <a:avLst/>
           </a:prstGeom>
           <a:noFill/>
-          <a:ln cap="flat" cmpd="sng" w="9525">
+          <a:ln w="9525" cap="flat" cmpd="sng">
             <a:solidFill>
               <a:schemeClr val="dk2"/>
             </a:solidFill>
             <a:prstDash val="solid"/>
             <a:round/>
-            <a:headEnd len="med" w="med" type="none"/>
-            <a:tailEnd len="med" w="med" type="triangle"/>
+            <a:headEnd type="none" w="med" len="med"/>
+            <a:tailEnd type="triangle" w="med" len="med"/>
           </a:ln>
         </p:spPr>
       </p:cxnSp>
@@ -12482,7 +12538,7 @@
           <p:nvPr/>
         </p:nvPicPr>
         <p:blipFill>
-          <a:blip r:embed="rId8">
+          <a:blip r:embed="rId7">
             <a:alphaModFix/>
           </a:blip>
           <a:stretch>
@@ -12512,11 +12568,11 @@
 </file>
 
 <file path=ppt/slides/slide5.xml><?xml version="1.0" encoding="utf-8"?>
-<p:sld xmlns:a="http://schemas.openxmlformats.org/drawingml/2006/main" xmlns:r="http://schemas.openxmlformats.org/officeDocument/2006/relationships" xmlns:mc="http://schemas.openxmlformats.org/markup-compatibility/2006" xmlns:mv="urn:schemas-microsoft-com:mac:vml" xmlns:p="http://schemas.openxmlformats.org/presentationml/2006/main" xmlns:c="http://schemas.openxmlformats.org/drawingml/2006/chart" xmlns:dgm="http://schemas.openxmlformats.org/drawingml/2006/diagram" xmlns:o="urn:schemas-microsoft-com:office:office" xmlns:v="urn:schemas-microsoft-com:vml" xmlns:pvml="urn:schemas-microsoft-com:office:powerpoint" xmlns:com="http://schemas.openxmlformats.org/drawingml/2006/compatibility" xmlns:p14="http://schemas.microsoft.com/office/powerpoint/2010/main" xmlns:p15="http://schemas.microsoft.com/office/powerpoint/2012/main">
+<p:sld xmlns:a="http://schemas.openxmlformats.org/drawingml/2006/main" xmlns:r="http://schemas.openxmlformats.org/officeDocument/2006/relationships" xmlns:p="http://schemas.openxmlformats.org/presentationml/2006/main">
   <p:cSld>
     <p:spTree>
       <p:nvGrpSpPr>
-        <p:cNvPr id="130" name="Shape 130"/>
+        <p:cNvPr id="1" name="Shape 130"/>
         <p:cNvGrpSpPr/>
         <p:nvPr/>
       </p:nvGrpSpPr>
@@ -12531,7 +12587,9 @@
       <p:sp>
         <p:nvSpPr>
           <p:cNvPr id="131" name="Google Shape;131;p17"/>
-          <p:cNvSpPr txBox="1"/>
+          <p:cNvSpPr txBox="1">
+            <a:spLocks noGrp="1"/>
+          </p:cNvSpPr>
           <p:nvPr>
             <p:ph type="title"/>
           </p:nvPr>
@@ -12546,12 +12604,12 @@
           </a:prstGeom>
         </p:spPr>
         <p:txBody>
-          <a:bodyPr anchorCtr="0" anchor="t" bIns="91425" lIns="91425" spcFirstLastPara="1" rIns="91425" wrap="square" tIns="91425">
+          <a:bodyPr spcFirstLastPara="1" wrap="square" lIns="91425" tIns="91425" rIns="91425" bIns="91425" anchor="t" anchorCtr="0">
             <a:noAutofit/>
           </a:bodyPr>
           <a:lstStyle/>
           <a:p>
-            <a:pPr indent="0" lvl="0" marL="0" rtl="0" algn="l">
+            <a:pPr marL="0" lvl="0" indent="0" algn="l" rtl="0">
               <a:spcBef>
                 <a:spcPts val="0"/>
               </a:spcBef>
@@ -12575,45 +12633,6 @@
               <a:cs typeface="Sriracha"/>
               <a:sym typeface="Sriracha"/>
             </a:endParaRPr>
-          </a:p>
-        </p:txBody>
-      </p:sp>
-      <p:sp>
-        <p:nvSpPr>
-          <p:cNvPr id="132" name="Google Shape;132;p17"/>
-          <p:cNvSpPr txBox="1"/>
-          <p:nvPr>
-            <p:ph idx="1" type="body"/>
-          </p:nvPr>
-        </p:nvSpPr>
-        <p:spPr>
-          <a:xfrm>
-            <a:off x="311700" y="1229875"/>
-            <a:ext cx="8520600" cy="3339000"/>
-          </a:xfrm>
-          <a:prstGeom prst="rect">
-            <a:avLst/>
-          </a:prstGeom>
-        </p:spPr>
-        <p:txBody>
-          <a:bodyPr anchorCtr="0" anchor="t" bIns="91425" lIns="91425" spcFirstLastPara="1" rIns="91425" wrap="square" tIns="91425">
-            <a:noAutofit/>
-          </a:bodyPr>
-          <a:lstStyle/>
-          <a:p>
-            <a:pPr indent="0" lvl="0" marL="0" rtl="0" algn="l">
-              <a:spcBef>
-                <a:spcPts val="0"/>
-              </a:spcBef>
-              <a:spcAft>
-                <a:spcPts val="1600"/>
-              </a:spcAft>
-              <a:buNone/>
-            </a:pPr>
-            <a:r>
-              <a:t/>
-            </a:r>
-            <a:endParaRPr/>
           </a:p>
         </p:txBody>
       </p:sp>
@@ -12665,12 +12684,12 @@
           </a:ln>
         </p:spPr>
         <p:txBody>
-          <a:bodyPr anchorCtr="0" anchor="t" bIns="91425" lIns="91425" spcFirstLastPara="1" rIns="91425" wrap="square" tIns="91425">
+          <a:bodyPr spcFirstLastPara="1" wrap="square" lIns="91425" tIns="91425" rIns="91425" bIns="91425" anchor="t" anchorCtr="0">
             <a:noAutofit/>
           </a:bodyPr>
           <a:lstStyle/>
           <a:p>
-            <a:pPr indent="0" lvl="0" marL="0" rtl="0" algn="l">
+            <a:pPr marL="0" lvl="0" indent="0" algn="l" rtl="0">
               <a:spcBef>
                 <a:spcPts val="0"/>
               </a:spcBef>
@@ -12680,15 +12699,15 @@
               <a:buNone/>
             </a:pPr>
             <a:r>
-              <a:rPr lang="en">
+              <a:rPr lang="th-TH" dirty="0">
                 <a:latin typeface="Sriracha"/>
                 <a:ea typeface="Sriracha"/>
                 <a:cs typeface="Sriracha"/>
                 <a:sym typeface="Sriracha"/>
               </a:rPr>
-              <a:t>6</a:t>
-            </a:r>
-            <a:endParaRPr>
+              <a:t>5</a:t>
+            </a:r>
+            <a:endParaRPr dirty="0">
               <a:latin typeface="Sriracha"/>
               <a:ea typeface="Sriracha"/>
               <a:cs typeface="Sriracha"/>
@@ -12697,6 +12716,36 @@
           </a:p>
         </p:txBody>
       </p:sp>
+      <p:pic>
+        <p:nvPicPr>
+          <p:cNvPr id="7" name="Picture 6">
+            <a:extLst>
+              <a:ext uri="{FF2B5EF4-FFF2-40B4-BE49-F238E27FC236}">
+                <a16:creationId xmlns:a16="http://schemas.microsoft.com/office/drawing/2014/main" id="{CBAA4CCB-1170-4335-B894-C2C0C5F3FB77}"/>
+              </a:ext>
+            </a:extLst>
+          </p:cNvPr>
+          <p:cNvPicPr>
+            <a:picLocks noChangeAspect="1"/>
+          </p:cNvPicPr>
+          <p:nvPr/>
+        </p:nvPicPr>
+        <p:blipFill>
+          <a:blip r:embed="rId4"/>
+          <a:stretch>
+            <a:fillRect/>
+          </a:stretch>
+        </p:blipFill>
+        <p:spPr>
+          <a:xfrm>
+            <a:off x="2915739" y="410000"/>
+            <a:ext cx="3665138" cy="4055209"/>
+          </a:xfrm>
+          <a:prstGeom prst="rect">
+            <a:avLst/>
+          </a:prstGeom>
+        </p:spPr>
+      </p:pic>
     </p:spTree>
   </p:cSld>
   <p:clrMapOvr>
@@ -12706,11 +12755,11 @@
 </file>
 
 <file path=ppt/slides/slide6.xml><?xml version="1.0" encoding="utf-8"?>
-<p:sld xmlns:a="http://schemas.openxmlformats.org/drawingml/2006/main" xmlns:r="http://schemas.openxmlformats.org/officeDocument/2006/relationships" xmlns:mc="http://schemas.openxmlformats.org/markup-compatibility/2006" xmlns:mv="urn:schemas-microsoft-com:mac:vml" xmlns:p="http://schemas.openxmlformats.org/presentationml/2006/main" xmlns:c="http://schemas.openxmlformats.org/drawingml/2006/chart" xmlns:dgm="http://schemas.openxmlformats.org/drawingml/2006/diagram" xmlns:o="urn:schemas-microsoft-com:office:office" xmlns:v="urn:schemas-microsoft-com:vml" xmlns:pvml="urn:schemas-microsoft-com:office:powerpoint" xmlns:com="http://schemas.openxmlformats.org/drawingml/2006/compatibility" xmlns:p14="http://schemas.microsoft.com/office/powerpoint/2010/main" xmlns:p15="http://schemas.microsoft.com/office/powerpoint/2012/main">
+<p:sld xmlns:a="http://schemas.openxmlformats.org/drawingml/2006/main" xmlns:r="http://schemas.openxmlformats.org/officeDocument/2006/relationships" xmlns:p="http://schemas.openxmlformats.org/presentationml/2006/main">
   <p:cSld>
     <p:spTree>
       <p:nvGrpSpPr>
-        <p:cNvPr id="138" name="Shape 138"/>
+        <p:cNvPr id="1" name="Shape 138"/>
         <p:cNvGrpSpPr/>
         <p:nvPr/>
       </p:nvGrpSpPr>
@@ -12725,7 +12774,9 @@
       <p:sp>
         <p:nvSpPr>
           <p:cNvPr id="139" name="Google Shape;139;p18"/>
-          <p:cNvSpPr txBox="1"/>
+          <p:cNvSpPr txBox="1">
+            <a:spLocks noGrp="1"/>
+          </p:cNvSpPr>
           <p:nvPr>
             <p:ph type="title"/>
           </p:nvPr>
@@ -12740,12 +12791,12 @@
           </a:prstGeom>
         </p:spPr>
         <p:txBody>
-          <a:bodyPr anchorCtr="0" anchor="t" bIns="91425" lIns="91425" spcFirstLastPara="1" rIns="91425" wrap="square" tIns="91425">
+          <a:bodyPr spcFirstLastPara="1" wrap="square" lIns="91425" tIns="91425" rIns="91425" bIns="91425" anchor="t" anchorCtr="0">
             <a:noAutofit/>
           </a:bodyPr>
           <a:lstStyle/>
           <a:p>
-            <a:pPr indent="0" lvl="0" marL="0" rtl="0" algn="l">
+            <a:pPr marL="0" lvl="0" indent="0" algn="l" rtl="0">
               <a:spcBef>
                 <a:spcPts val="0"/>
               </a:spcBef>
@@ -12755,59 +12806,38 @@
               <a:buNone/>
             </a:pPr>
             <a:r>
-              <a:rPr lang="en" u="sng">
+              <a:rPr lang="en" u="sng" dirty="0">
                 <a:latin typeface="Sriracha"/>
                 <a:ea typeface="Sriracha"/>
                 <a:cs typeface="Sriracha"/>
                 <a:sym typeface="Sriracha"/>
               </a:rPr>
-              <a:t>DETAIL DESIGN</a:t>
-            </a:r>
-            <a:endParaRPr u="sng">
+              <a:t>H</a:t>
+            </a:r>
+            <a:r>
+              <a:rPr lang="en-US" u="sng" dirty="0">
+                <a:latin typeface="Sriracha"/>
+                <a:ea typeface="Sriracha"/>
+                <a:cs typeface="Sriracha"/>
+                <a:sym typeface="Sriracha"/>
+              </a:rPr>
+              <a:t>IGH LEVEL</a:t>
+            </a:r>
+            <a:r>
+              <a:rPr lang="en" u="sng" dirty="0">
+                <a:latin typeface="Sriracha"/>
+                <a:ea typeface="Sriracha"/>
+                <a:cs typeface="Sriracha"/>
+                <a:sym typeface="Sriracha"/>
+              </a:rPr>
+              <a:t> DESIGN</a:t>
+            </a:r>
+            <a:endParaRPr u="sng" dirty="0">
               <a:latin typeface="Sriracha"/>
               <a:ea typeface="Sriracha"/>
               <a:cs typeface="Sriracha"/>
               <a:sym typeface="Sriracha"/>
             </a:endParaRPr>
-          </a:p>
-        </p:txBody>
-      </p:sp>
-      <p:sp>
-        <p:nvSpPr>
-          <p:cNvPr id="140" name="Google Shape;140;p18"/>
-          <p:cNvSpPr txBox="1"/>
-          <p:nvPr>
-            <p:ph idx="1" type="body"/>
-          </p:nvPr>
-        </p:nvSpPr>
-        <p:spPr>
-          <a:xfrm>
-            <a:off x="311700" y="1229875"/>
-            <a:ext cx="8520600" cy="3339000"/>
-          </a:xfrm>
-          <a:prstGeom prst="rect">
-            <a:avLst/>
-          </a:prstGeom>
-        </p:spPr>
-        <p:txBody>
-          <a:bodyPr anchorCtr="0" anchor="t" bIns="91425" lIns="91425" spcFirstLastPara="1" rIns="91425" wrap="square" tIns="91425">
-            <a:noAutofit/>
-          </a:bodyPr>
-          <a:lstStyle/>
-          <a:p>
-            <a:pPr indent="0" lvl="0" marL="0" rtl="0" algn="l">
-              <a:spcBef>
-                <a:spcPts val="0"/>
-              </a:spcBef>
-              <a:spcAft>
-                <a:spcPts val="1600"/>
-              </a:spcAft>
-              <a:buNone/>
-            </a:pPr>
-            <a:r>
-              <a:t/>
-            </a:r>
-            <a:endParaRPr/>
           </a:p>
         </p:txBody>
       </p:sp>
@@ -12859,12 +12889,12 @@
           </a:ln>
         </p:spPr>
         <p:txBody>
-          <a:bodyPr anchorCtr="0" anchor="t" bIns="91425" lIns="91425" spcFirstLastPara="1" rIns="91425" wrap="square" tIns="91425">
+          <a:bodyPr spcFirstLastPara="1" wrap="square" lIns="91425" tIns="91425" rIns="91425" bIns="91425" anchor="t" anchorCtr="0">
             <a:noAutofit/>
           </a:bodyPr>
           <a:lstStyle/>
           <a:p>
-            <a:pPr indent="0" lvl="0" marL="0" rtl="0" algn="l">
+            <a:pPr marL="0" lvl="0" indent="0" algn="l" rtl="0">
               <a:spcBef>
                 <a:spcPts val="0"/>
               </a:spcBef>
@@ -12874,15 +12904,15 @@
               <a:buNone/>
             </a:pPr>
             <a:r>
-              <a:rPr lang="en">
+              <a:rPr lang="th-TH" dirty="0">
                 <a:latin typeface="Sriracha"/>
                 <a:ea typeface="Sriracha"/>
                 <a:cs typeface="Sriracha"/>
                 <a:sym typeface="Sriracha"/>
               </a:rPr>
-              <a:t>7</a:t>
-            </a:r>
-            <a:endParaRPr>
+              <a:t>6</a:t>
+            </a:r>
+            <a:endParaRPr dirty="0">
               <a:latin typeface="Sriracha"/>
               <a:ea typeface="Sriracha"/>
               <a:cs typeface="Sriracha"/>
@@ -12891,6 +12921,48 @@
           </a:p>
         </p:txBody>
       </p:sp>
+      <p:pic>
+        <p:nvPicPr>
+          <p:cNvPr id="3" name="Picture 2">
+            <a:extLst>
+              <a:ext uri="{FF2B5EF4-FFF2-40B4-BE49-F238E27FC236}">
+                <a16:creationId xmlns:a16="http://schemas.microsoft.com/office/drawing/2014/main" id="{A28AE686-6B6E-47D0-994C-72A0B070FD48}"/>
+              </a:ext>
+            </a:extLst>
+          </p:cNvPr>
+          <p:cNvPicPr>
+            <a:picLocks noChangeAspect="1"/>
+          </p:cNvPicPr>
+          <p:nvPr/>
+        </p:nvPicPr>
+        <p:blipFill>
+          <a:blip r:embed="rId4"/>
+          <a:stretch>
+            <a:fillRect/>
+          </a:stretch>
+        </p:blipFill>
+        <p:spPr>
+          <a:xfrm>
+            <a:off x="465213" y="1092131"/>
+            <a:ext cx="4782909" cy="3499813"/>
+          </a:xfrm>
+          <a:prstGeom prst="rect">
+            <a:avLst/>
+          </a:prstGeom>
+          <a:ln w="88900" cap="sq" cmpd="thickThin">
+            <a:solidFill>
+              <a:srgbClr val="000000"/>
+            </a:solidFill>
+            <a:prstDash val="solid"/>
+            <a:miter lim="800000"/>
+          </a:ln>
+          <a:effectLst>
+            <a:innerShdw blurRad="76200">
+              <a:srgbClr val="000000"/>
+            </a:innerShdw>
+          </a:effectLst>
+        </p:spPr>
+      </p:pic>
     </p:spTree>
   </p:cSld>
   <p:clrMapOvr>
@@ -12900,11 +12972,11 @@
 </file>
 
 <file path=ppt/slides/slide7.xml><?xml version="1.0" encoding="utf-8"?>
-<p:sld xmlns:a="http://schemas.openxmlformats.org/drawingml/2006/main" xmlns:r="http://schemas.openxmlformats.org/officeDocument/2006/relationships" xmlns:mc="http://schemas.openxmlformats.org/markup-compatibility/2006" xmlns:mv="urn:schemas-microsoft-com:mac:vml" xmlns:p="http://schemas.openxmlformats.org/presentationml/2006/main" xmlns:c="http://schemas.openxmlformats.org/drawingml/2006/chart" xmlns:dgm="http://schemas.openxmlformats.org/drawingml/2006/diagram" xmlns:o="urn:schemas-microsoft-com:office:office" xmlns:v="urn:schemas-microsoft-com:vml" xmlns:pvml="urn:schemas-microsoft-com:office:powerpoint" xmlns:com="http://schemas.openxmlformats.org/drawingml/2006/compatibility" xmlns:p14="http://schemas.microsoft.com/office/powerpoint/2010/main" xmlns:p15="http://schemas.microsoft.com/office/powerpoint/2012/main">
+<p:sld xmlns:a="http://schemas.openxmlformats.org/drawingml/2006/main" xmlns:r="http://schemas.openxmlformats.org/officeDocument/2006/relationships" xmlns:p="http://schemas.openxmlformats.org/presentationml/2006/main">
   <p:cSld>
     <p:spTree>
       <p:nvGrpSpPr>
-        <p:cNvPr id="146" name="Shape 146"/>
+        <p:cNvPr id="1" name="Shape 146"/>
         <p:cNvGrpSpPr/>
         <p:nvPr/>
       </p:nvGrpSpPr>
@@ -12919,7 +12991,9 @@
       <p:sp>
         <p:nvSpPr>
           <p:cNvPr id="147" name="Google Shape;147;p19"/>
-          <p:cNvSpPr txBox="1"/>
+          <p:cNvSpPr txBox="1">
+            <a:spLocks noGrp="1"/>
+          </p:cNvSpPr>
           <p:nvPr>
             <p:ph type="title"/>
           </p:nvPr>
@@ -12934,12 +13008,12 @@
           </a:prstGeom>
         </p:spPr>
         <p:txBody>
-          <a:bodyPr anchorCtr="0" anchor="t" bIns="91425" lIns="91425" spcFirstLastPara="1" rIns="91425" wrap="square" tIns="91425">
+          <a:bodyPr spcFirstLastPara="1" wrap="square" lIns="91425" tIns="91425" rIns="91425" bIns="91425" anchor="t" anchorCtr="0">
             <a:noAutofit/>
           </a:bodyPr>
           <a:lstStyle/>
           <a:p>
-            <a:pPr indent="0" lvl="0" marL="0" rtl="0" algn="l">
+            <a:pPr marL="0" lvl="0" indent="0" algn="l" rtl="0">
               <a:spcBef>
                 <a:spcPts val="0"/>
               </a:spcBef>
@@ -12963,46 +13037,6 @@
               <a:cs typeface="Sriracha"/>
               <a:sym typeface="Sriracha"/>
             </a:endParaRPr>
-          </a:p>
-        </p:txBody>
-      </p:sp>
-      <p:sp>
-        <p:nvSpPr>
-          <p:cNvPr id="148" name="Google Shape;148;p19"/>
-          <p:cNvSpPr txBox="1"/>
-          <p:nvPr>
-            <p:ph idx="1" type="body"/>
-          </p:nvPr>
-        </p:nvSpPr>
-        <p:spPr>
-          <a:xfrm>
-            <a:off x="311700" y="1229875"/>
-            <a:ext cx="8520600" cy="3339000"/>
-          </a:xfrm>
-          <a:prstGeom prst="rect">
-            <a:avLst/>
-          </a:prstGeom>
-        </p:spPr>
-        <p:txBody>
-          <a:bodyPr anchorCtr="0" anchor="t" bIns="91425" lIns="91425" spcFirstLastPara="1" rIns="91425" wrap="square" tIns="91425">
-            <a:noAutofit/>
-          </a:bodyPr>
-          <a:lstStyle/>
-          <a:p>
-            <a:pPr indent="0" lvl="0" marL="0" rtl="0" algn="l">
-              <a:spcBef>
-                <a:spcPts val="0"/>
-              </a:spcBef>
-              <a:spcAft>
-                <a:spcPts val="1600"/>
-              </a:spcAft>
-              <a:buNone/>
-            </a:pPr>
-            <a:r>
-              <a:rPr lang="en"/>
-              <a:t>***</a:t>
-            </a:r>
-            <a:endParaRPr/>
           </a:p>
         </p:txBody>
       </p:sp>
@@ -13013,7 +13047,7 @@
           <p:nvPr/>
         </p:nvPicPr>
         <p:blipFill>
-          <a:blip r:embed="rId3">
+          <a:blip r:embed="rId5">
             <a:alphaModFix/>
           </a:blip>
           <a:stretch>
@@ -13054,12 +13088,12 @@
           </a:ln>
         </p:spPr>
         <p:txBody>
-          <a:bodyPr anchorCtr="0" anchor="t" bIns="91425" lIns="91425" spcFirstLastPara="1" rIns="91425" wrap="square" tIns="91425">
+          <a:bodyPr spcFirstLastPara="1" wrap="square" lIns="91425" tIns="91425" rIns="91425" bIns="91425" anchor="t" anchorCtr="0">
             <a:noAutofit/>
           </a:bodyPr>
           <a:lstStyle/>
           <a:p>
-            <a:pPr indent="0" lvl="0" marL="0" rtl="0" algn="l">
+            <a:pPr marL="0" lvl="0" indent="0" algn="l" rtl="0">
               <a:spcBef>
                 <a:spcPts val="0"/>
               </a:spcBef>
@@ -13069,19 +13103,167 @@
               <a:buNone/>
             </a:pPr>
             <a:r>
-              <a:rPr lang="en">
+              <a:rPr lang="th-TH" dirty="0">
                 <a:latin typeface="Sriracha"/>
                 <a:ea typeface="Sriracha"/>
                 <a:cs typeface="Sriracha"/>
                 <a:sym typeface="Sriracha"/>
               </a:rPr>
-              <a:t>8</a:t>
-            </a:r>
-            <a:endParaRPr>
+              <a:t>7</a:t>
+            </a:r>
+            <a:endParaRPr dirty="0">
               <a:latin typeface="Sriracha"/>
               <a:ea typeface="Sriracha"/>
               <a:cs typeface="Sriracha"/>
               <a:sym typeface="Sriracha"/>
+            </a:endParaRPr>
+          </a:p>
+        </p:txBody>
+      </p:sp>
+      <p:pic>
+        <p:nvPicPr>
+          <p:cNvPr id="2" name="Assem3">
+            <a:hlinkClick r:id="" action="ppaction://media"/>
+            <a:extLst>
+              <a:ext uri="{FF2B5EF4-FFF2-40B4-BE49-F238E27FC236}">
+                <a16:creationId xmlns:a16="http://schemas.microsoft.com/office/drawing/2014/main" id="{C680779E-3DCF-4137-A223-3349F5462FF3}"/>
+              </a:ext>
+            </a:extLst>
+          </p:cNvPr>
+          <p:cNvPicPr>
+            <a:picLocks noChangeAspect="1"/>
+          </p:cNvPicPr>
+          <p:nvPr>
+            <a:videoFile r:link="rId2"/>
+            <p:extLst>
+              <p:ext uri="{DAA4B4D4-6D71-4841-9C94-3DE7FCFB9230}">
+                <p14:media xmlns:p14="http://schemas.microsoft.com/office/powerpoint/2010/main" r:embed="rId1"/>
+              </p:ext>
+            </p:extLst>
+          </p:nvPr>
+        </p:nvPicPr>
+        <p:blipFill>
+          <a:blip r:embed="rId6"/>
+          <a:stretch>
+            <a:fillRect/>
+          </a:stretch>
+        </p:blipFill>
+        <p:spPr>
+          <a:xfrm>
+            <a:off x="1047890" y="1514503"/>
+            <a:ext cx="7495410" cy="2007885"/>
+          </a:xfrm>
+          <a:prstGeom prst="rect">
+            <a:avLst/>
+          </a:prstGeom>
+        </p:spPr>
+      </p:pic>
+      <p:sp>
+        <p:nvSpPr>
+          <p:cNvPr id="5" name="Rectangle 4">
+            <a:extLst>
+              <a:ext uri="{FF2B5EF4-FFF2-40B4-BE49-F238E27FC236}">
+                <a16:creationId xmlns:a16="http://schemas.microsoft.com/office/drawing/2014/main" id="{B7A43238-C0EB-4080-B8E1-1733C6333E4F}"/>
+              </a:ext>
+            </a:extLst>
+          </p:cNvPr>
+          <p:cNvSpPr/>
+          <p:nvPr/>
+        </p:nvSpPr>
+        <p:spPr>
+          <a:xfrm>
+            <a:off x="6767902" y="1102930"/>
+            <a:ext cx="2193665" cy="2655068"/>
+          </a:xfrm>
+          <a:prstGeom prst="rect">
+            <a:avLst/>
+          </a:prstGeom>
+          <a:ln>
+            <a:solidFill>
+              <a:schemeClr val="bg1"/>
+            </a:solidFill>
+          </a:ln>
+        </p:spPr>
+        <p:style>
+          <a:lnRef idx="2">
+            <a:schemeClr val="accent1">
+              <a:shade val="50000"/>
+            </a:schemeClr>
+          </a:lnRef>
+          <a:fillRef idx="1001">
+            <a:schemeClr val="lt1"/>
+          </a:fillRef>
+          <a:effectRef idx="0">
+            <a:schemeClr val="accent1"/>
+          </a:effectRef>
+          <a:fontRef idx="minor">
+            <a:schemeClr val="lt1"/>
+          </a:fontRef>
+        </p:style>
+        <p:txBody>
+          <a:bodyPr rtlCol="0" anchor="ctr"/>
+          <a:lstStyle/>
+          <a:p>
+            <a:pPr algn="ctr"/>
+            <a:endParaRPr lang="en-US">
+              <a:solidFill>
+                <a:schemeClr val="bg1"/>
+              </a:solidFill>
+            </a:endParaRPr>
+          </a:p>
+        </p:txBody>
+      </p:sp>
+      <p:sp>
+        <p:nvSpPr>
+          <p:cNvPr id="10" name="Rectangle 9">
+            <a:extLst>
+              <a:ext uri="{FF2B5EF4-FFF2-40B4-BE49-F238E27FC236}">
+                <a16:creationId xmlns:a16="http://schemas.microsoft.com/office/drawing/2014/main" id="{1EBDDDF9-D31E-4288-A628-4AC25EDCD9ED}"/>
+              </a:ext>
+            </a:extLst>
+          </p:cNvPr>
+          <p:cNvSpPr/>
+          <p:nvPr/>
+        </p:nvSpPr>
+        <p:spPr>
+          <a:xfrm>
+            <a:off x="696368" y="1205701"/>
+            <a:ext cx="1299294" cy="2449525"/>
+          </a:xfrm>
+          <a:prstGeom prst="rect">
+            <a:avLst/>
+          </a:prstGeom>
+          <a:ln>
+            <a:solidFill>
+              <a:schemeClr val="bg1"/>
+            </a:solidFill>
+          </a:ln>
+        </p:spPr>
+        <p:style>
+          <a:lnRef idx="2">
+            <a:schemeClr val="accent1">
+              <a:shade val="50000"/>
+            </a:schemeClr>
+          </a:lnRef>
+          <a:fillRef idx="1001">
+            <a:schemeClr val="lt1"/>
+          </a:fillRef>
+          <a:effectRef idx="0">
+            <a:schemeClr val="accent1"/>
+          </a:effectRef>
+          <a:fontRef idx="minor">
+            <a:schemeClr val="lt1"/>
+          </a:fontRef>
+        </p:style>
+        <p:txBody>
+          <a:bodyPr rtlCol="0" anchor="ctr"/>
+          <a:lstStyle/>
+          <a:p>
+            <a:pPr algn="ctr"/>
+            <a:endParaRPr lang="en-US">
+              <a:solidFill>
+                <a:schemeClr val="bg1"/>
+              </a:solidFill>
             </a:endParaRPr>
           </a:p>
         </p:txBody>
@@ -13091,15 +13273,150 @@
   <p:clrMapOvr>
     <a:masterClrMapping/>
   </p:clrMapOvr>
+  <p:timing>
+    <p:tnLst>
+      <p:par>
+        <p:cTn id="1" dur="indefinite" restart="never" nodeType="tmRoot">
+          <p:childTnLst>
+            <p:seq concurrent="1" nextAc="seek">
+              <p:cTn id="2" dur="indefinite" nodeType="mainSeq">
+                <p:childTnLst>
+                  <p:par>
+                    <p:cTn id="3" fill="hold">
+                      <p:stCondLst>
+                        <p:cond delay="indefinite"/>
+                      </p:stCondLst>
+                      <p:childTnLst>
+                        <p:par>
+                          <p:cTn id="4" fill="hold">
+                            <p:stCondLst>
+                              <p:cond delay="0"/>
+                            </p:stCondLst>
+                            <p:childTnLst>
+                              <p:par>
+                                <p:cTn id="5" presetID="1" presetClass="mediacall" presetSubtype="0" fill="hold" nodeType="clickEffect">
+                                  <p:stCondLst>
+                                    <p:cond delay="0"/>
+                                  </p:stCondLst>
+                                  <p:childTnLst>
+                                    <p:cmd type="call" cmd="playFrom(0.0)">
+                                      <p:cBhvr>
+                                        <p:cTn id="6" dur="20133" fill="hold"/>
+                                        <p:tgtEl>
+                                          <p:spTgt spid="2"/>
+                                        </p:tgtEl>
+                                      </p:cBhvr>
+                                    </p:cmd>
+                                  </p:childTnLst>
+                                </p:cTn>
+                              </p:par>
+                            </p:childTnLst>
+                          </p:cTn>
+                        </p:par>
+                      </p:childTnLst>
+                    </p:cTn>
+                  </p:par>
+                </p:childTnLst>
+              </p:cTn>
+              <p:prevCondLst>
+                <p:cond evt="onPrev" delay="0">
+                  <p:tgtEl>
+                    <p:sldTgt/>
+                  </p:tgtEl>
+                </p:cond>
+              </p:prevCondLst>
+              <p:nextCondLst>
+                <p:cond evt="onNext" delay="0">
+                  <p:tgtEl>
+                    <p:sldTgt/>
+                  </p:tgtEl>
+                </p:cond>
+              </p:nextCondLst>
+            </p:seq>
+            <p:video>
+              <p:cMediaNode vol="80000">
+                <p:cTn id="7" fill="hold" display="0">
+                  <p:stCondLst>
+                    <p:cond delay="indefinite"/>
+                  </p:stCondLst>
+                </p:cTn>
+                <p:tgtEl>
+                  <p:spTgt spid="2"/>
+                </p:tgtEl>
+              </p:cMediaNode>
+            </p:video>
+            <p:seq concurrent="1" nextAc="seek">
+              <p:cTn id="8" restart="whenNotActive" fill="hold" evtFilter="cancelBubble" nodeType="interactiveSeq">
+                <p:stCondLst>
+                  <p:cond evt="onClick" delay="0">
+                    <p:tgtEl>
+                      <p:spTgt spid="2"/>
+                    </p:tgtEl>
+                  </p:cond>
+                </p:stCondLst>
+                <p:endSync evt="end" delay="0">
+                  <p:rtn val="all"/>
+                </p:endSync>
+                <p:childTnLst>
+                  <p:par>
+                    <p:cTn id="9" fill="hold">
+                      <p:stCondLst>
+                        <p:cond delay="0"/>
+                      </p:stCondLst>
+                      <p:childTnLst>
+                        <p:par>
+                          <p:cTn id="10" fill="hold">
+                            <p:stCondLst>
+                              <p:cond delay="0"/>
+                            </p:stCondLst>
+                            <p:childTnLst>
+                              <p:par>
+                                <p:cTn id="11" presetID="2" presetClass="mediacall" presetSubtype="0" fill="hold" nodeType="clickEffect">
+                                  <p:stCondLst>
+                                    <p:cond delay="0"/>
+                                  </p:stCondLst>
+                                  <p:childTnLst>
+                                    <p:cmd type="call" cmd="togglePause">
+                                      <p:cBhvr>
+                                        <p:cTn id="12" dur="1" fill="hold"/>
+                                        <p:tgtEl>
+                                          <p:spTgt spid="2"/>
+                                        </p:tgtEl>
+                                      </p:cBhvr>
+                                    </p:cmd>
+                                  </p:childTnLst>
+                                </p:cTn>
+                              </p:par>
+                            </p:childTnLst>
+                          </p:cTn>
+                        </p:par>
+                      </p:childTnLst>
+                    </p:cTn>
+                  </p:par>
+                </p:childTnLst>
+              </p:cTn>
+              <p:nextCondLst>
+                <p:cond evt="onClick" delay="0">
+                  <p:tgtEl>
+                    <p:spTgt spid="2"/>
+                  </p:tgtEl>
+                </p:cond>
+              </p:nextCondLst>
+            </p:seq>
+          </p:childTnLst>
+        </p:cTn>
+      </p:par>
+    </p:tnLst>
+  </p:timing>
 </p:sld>
 </file>
 
 <file path=ppt/slides/slide8.xml><?xml version="1.0" encoding="utf-8"?>
-<p:sld xmlns:a="http://schemas.openxmlformats.org/drawingml/2006/main" xmlns:r="http://schemas.openxmlformats.org/officeDocument/2006/relationships" xmlns:mc="http://schemas.openxmlformats.org/markup-compatibility/2006" xmlns:mv="urn:schemas-microsoft-com:mac:vml" xmlns:p="http://schemas.openxmlformats.org/presentationml/2006/main" xmlns:c="http://schemas.openxmlformats.org/drawingml/2006/chart" xmlns:dgm="http://schemas.openxmlformats.org/drawingml/2006/diagram" xmlns:o="urn:schemas-microsoft-com:office:office" xmlns:v="urn:schemas-microsoft-com:vml" xmlns:pvml="urn:schemas-microsoft-com:office:powerpoint" xmlns:com="http://schemas.openxmlformats.org/drawingml/2006/compatibility" xmlns:p14="http://schemas.microsoft.com/office/powerpoint/2010/main" xmlns:p15="http://schemas.microsoft.com/office/powerpoint/2012/main">
+<p:sld xmlns:a="http://schemas.openxmlformats.org/drawingml/2006/main" xmlns:r="http://schemas.openxmlformats.org/officeDocument/2006/relationships" xmlns:p="http://schemas.openxmlformats.org/presentationml/2006/main">
   <p:cSld>
     <p:spTree>
       <p:nvGrpSpPr>
-        <p:cNvPr id="154" name="Shape 154"/>
+        <p:cNvPr id="1" name="Shape 154"/>
         <p:cNvGrpSpPr/>
         <p:nvPr/>
       </p:nvGrpSpPr>
@@ -13114,7 +13431,9 @@
       <p:sp>
         <p:nvSpPr>
           <p:cNvPr id="155" name="Google Shape;155;p20"/>
-          <p:cNvSpPr txBox="1"/>
+          <p:cNvSpPr txBox="1">
+            <a:spLocks noGrp="1"/>
+          </p:cNvSpPr>
           <p:nvPr>
             <p:ph type="title"/>
           </p:nvPr>
@@ -13129,12 +13448,12 @@
           </a:prstGeom>
         </p:spPr>
         <p:txBody>
-          <a:bodyPr anchorCtr="0" anchor="t" bIns="91425" lIns="91425" spcFirstLastPara="1" rIns="91425" wrap="square" tIns="91425">
+          <a:bodyPr spcFirstLastPara="1" wrap="square" lIns="91425" tIns="91425" rIns="91425" bIns="91425" anchor="t" anchorCtr="0">
             <a:noAutofit/>
           </a:bodyPr>
           <a:lstStyle/>
           <a:p>
-            <a:pPr indent="0" lvl="0" marL="0" rtl="0" algn="l">
+            <a:pPr marL="0" lvl="0" indent="0" algn="l" rtl="0">
               <a:spcBef>
                 <a:spcPts val="0"/>
               </a:spcBef>
@@ -13164,9 +13483,11 @@
       <p:sp>
         <p:nvSpPr>
           <p:cNvPr id="156" name="Google Shape;156;p20"/>
-          <p:cNvSpPr txBox="1"/>
+          <p:cNvSpPr txBox="1">
+            <a:spLocks noGrp="1"/>
+          </p:cNvSpPr>
           <p:nvPr>
-            <p:ph idx="1" type="body"/>
+            <p:ph type="body" idx="1"/>
           </p:nvPr>
         </p:nvSpPr>
         <p:spPr>
@@ -13179,12 +13500,12 @@
           </a:prstGeom>
         </p:spPr>
         <p:txBody>
-          <a:bodyPr anchorCtr="0" anchor="t" bIns="91425" lIns="91425" spcFirstLastPara="1" rIns="91425" wrap="square" tIns="91425">
+          <a:bodyPr spcFirstLastPara="1" wrap="square" lIns="91425" tIns="91425" rIns="91425" bIns="91425" anchor="t" anchorCtr="0">
             <a:noAutofit/>
           </a:bodyPr>
           <a:lstStyle/>
           <a:p>
-            <a:pPr indent="0" lvl="0" marL="0" rtl="0" algn="l">
+            <a:pPr marL="0" lvl="0" indent="0" algn="l" rtl="0">
               <a:lnSpc>
                 <a:spcPct val="142857"/>
               </a:lnSpc>
@@ -13219,7 +13540,7 @@
             </a:endParaRPr>
           </a:p>
           <a:p>
-            <a:pPr indent="0" lvl="0" marL="0" rtl="0" algn="l">
+            <a:pPr marL="0" lvl="0" indent="0" algn="l" rtl="0">
               <a:lnSpc>
                 <a:spcPct val="142857"/>
               </a:lnSpc>
@@ -13254,7 +13575,7 @@
             </a:endParaRPr>
           </a:p>
           <a:p>
-            <a:pPr indent="0" lvl="0" marL="0" rtl="0" algn="l">
+            <a:pPr marL="0" lvl="0" indent="0" algn="l" rtl="0">
               <a:lnSpc>
                 <a:spcPct val="142857"/>
               </a:lnSpc>
@@ -13325,7 +13646,7 @@
             </a:endParaRPr>
           </a:p>
           <a:p>
-            <a:pPr indent="0" lvl="0" marL="0" rtl="0" algn="l">
+            <a:pPr marL="0" lvl="0" indent="0" algn="l" rtl="0">
               <a:lnSpc>
                 <a:spcPct val="142857"/>
               </a:lnSpc>
@@ -13360,7 +13681,7 @@
             </a:endParaRPr>
           </a:p>
           <a:p>
-            <a:pPr indent="0" lvl="0" marL="0" rtl="0" algn="l">
+            <a:pPr marL="0" lvl="0" indent="0" algn="l" rtl="0">
               <a:lnSpc>
                 <a:spcPct val="142857"/>
               </a:lnSpc>
@@ -13455,7 +13776,7 @@
             </a:endParaRPr>
           </a:p>
           <a:p>
-            <a:pPr indent="0" lvl="0" marL="0" rtl="0" algn="l">
+            <a:pPr marL="0" lvl="0" indent="0" algn="l" rtl="0">
               <a:lnSpc>
                 <a:spcPct val="142857"/>
               </a:lnSpc>
@@ -13550,7 +13871,7 @@
             </a:endParaRPr>
           </a:p>
           <a:p>
-            <a:pPr indent="0" lvl="0" marL="0" rtl="0" algn="l">
+            <a:pPr marL="0" lvl="0" indent="0" algn="l" rtl="0">
               <a:lnSpc>
                 <a:spcPct val="142857"/>
               </a:lnSpc>
@@ -13645,7 +13966,7 @@
             </a:endParaRPr>
           </a:p>
           <a:p>
-            <a:pPr indent="0" lvl="0" marL="0" rtl="0" algn="l">
+            <a:pPr marL="0" lvl="0" indent="0" algn="l" rtl="0">
               <a:lnSpc>
                 <a:spcPct val="142857"/>
               </a:lnSpc>
@@ -13680,7 +14001,7 @@
             </a:endParaRPr>
           </a:p>
           <a:p>
-            <a:pPr indent="0" lvl="0" marL="0" rtl="0" algn="l">
+            <a:pPr marL="0" lvl="0" indent="0" algn="l" rtl="0">
               <a:lnSpc>
                 <a:spcPct val="142857"/>
               </a:lnSpc>
@@ -13715,7 +14036,7 @@
             </a:endParaRPr>
           </a:p>
           <a:p>
-            <a:pPr indent="0" lvl="0" marL="0" rtl="0" algn="l">
+            <a:pPr marL="0" lvl="0" indent="0" algn="l" rtl="0">
               <a:lnSpc>
                 <a:spcPct val="142857"/>
               </a:lnSpc>
@@ -13786,7 +14107,7 @@
             </a:endParaRPr>
           </a:p>
           <a:p>
-            <a:pPr indent="0" lvl="0" marL="0" rtl="0" algn="l">
+            <a:pPr marL="0" lvl="0" indent="0" algn="l" rtl="0">
               <a:lnSpc>
                 <a:spcPct val="142857"/>
               </a:lnSpc>
@@ -13833,7 +14154,7 @@
             </a:endParaRPr>
           </a:p>
           <a:p>
-            <a:pPr indent="0" lvl="0" marL="0" rtl="0" algn="l">
+            <a:pPr marL="0" lvl="0" indent="0" algn="l" rtl="0">
               <a:lnSpc>
                 <a:spcPct val="142857"/>
               </a:lnSpc>
@@ -13916,7 +14237,7 @@
             </a:endParaRPr>
           </a:p>
           <a:p>
-            <a:pPr indent="0" lvl="0" marL="0" rtl="0" algn="l">
+            <a:pPr marL="0" lvl="0" indent="0" algn="l" rtl="0">
               <a:lnSpc>
                 <a:spcPct val="142857"/>
               </a:lnSpc>
@@ -13951,7 +14272,7 @@
             </a:endParaRPr>
           </a:p>
           <a:p>
-            <a:pPr indent="0" lvl="0" marL="0" rtl="0" algn="l">
+            <a:pPr marL="0" lvl="0" indent="0" algn="l" rtl="0">
               <a:lnSpc>
                 <a:spcPct val="142857"/>
               </a:lnSpc>
@@ -13963,9 +14284,6 @@
               </a:spcAft>
               <a:buNone/>
             </a:pPr>
-            <a:r>
-              <a:t/>
-            </a:r>
             <a:endParaRPr sz="900">
               <a:solidFill>
                 <a:srgbClr val="24292E"/>
@@ -13980,7 +14298,7 @@
             </a:endParaRPr>
           </a:p>
           <a:p>
-            <a:pPr indent="0" lvl="0" marL="0" rtl="0" algn="l">
+            <a:pPr marL="0" lvl="0" indent="0" algn="l" rtl="0">
               <a:spcBef>
                 <a:spcPts val="0"/>
               </a:spcBef>
@@ -13989,9 +14307,6 @@
               </a:spcAft>
               <a:buNone/>
             </a:pPr>
-            <a:r>
-              <a:t/>
-            </a:r>
             <a:endParaRPr/>
           </a:p>
         </p:txBody>
@@ -14044,12 +14359,12 @@
           </a:ln>
         </p:spPr>
         <p:txBody>
-          <a:bodyPr anchorCtr="0" anchor="t" bIns="91425" lIns="91425" spcFirstLastPara="1" rIns="91425" wrap="square" tIns="91425">
+          <a:bodyPr spcFirstLastPara="1" wrap="square" lIns="91425" tIns="91425" rIns="91425" bIns="91425" anchor="t" anchorCtr="0">
             <a:noAutofit/>
           </a:bodyPr>
           <a:lstStyle/>
           <a:p>
-            <a:pPr indent="0" lvl="0" marL="0" rtl="0" algn="l">
+            <a:pPr marL="0" lvl="0" indent="0" algn="l" rtl="0">
               <a:spcBef>
                 <a:spcPts val="0"/>
               </a:spcBef>
@@ -14059,15 +14374,15 @@
               <a:buNone/>
             </a:pPr>
             <a:r>
-              <a:rPr lang="en">
+              <a:rPr lang="th-TH" dirty="0">
                 <a:latin typeface="Sriracha"/>
                 <a:ea typeface="Sriracha"/>
                 <a:cs typeface="Sriracha"/>
                 <a:sym typeface="Sriracha"/>
               </a:rPr>
-              <a:t>9</a:t>
-            </a:r>
-            <a:endParaRPr>
+              <a:t>8</a:t>
+            </a:r>
+            <a:endParaRPr dirty="0">
               <a:latin typeface="Sriracha"/>
               <a:ea typeface="Sriracha"/>
               <a:cs typeface="Sriracha"/>
@@ -14085,11 +14400,11 @@
 </file>
 
 <file path=ppt/slides/slide9.xml><?xml version="1.0" encoding="utf-8"?>
-<p:sld xmlns:a="http://schemas.openxmlformats.org/drawingml/2006/main" xmlns:r="http://schemas.openxmlformats.org/officeDocument/2006/relationships" xmlns:mc="http://schemas.openxmlformats.org/markup-compatibility/2006" xmlns:mv="urn:schemas-microsoft-com:mac:vml" xmlns:p="http://schemas.openxmlformats.org/presentationml/2006/main" xmlns:c="http://schemas.openxmlformats.org/drawingml/2006/chart" xmlns:dgm="http://schemas.openxmlformats.org/drawingml/2006/diagram" xmlns:o="urn:schemas-microsoft-com:office:office" xmlns:v="urn:schemas-microsoft-com:vml" xmlns:pvml="urn:schemas-microsoft-com:office:powerpoint" xmlns:com="http://schemas.openxmlformats.org/drawingml/2006/compatibility" xmlns:p14="http://schemas.microsoft.com/office/powerpoint/2010/main" xmlns:p15="http://schemas.microsoft.com/office/powerpoint/2012/main">
+<p:sld xmlns:a="http://schemas.openxmlformats.org/drawingml/2006/main" xmlns:r="http://schemas.openxmlformats.org/officeDocument/2006/relationships" xmlns:p="http://schemas.openxmlformats.org/presentationml/2006/main">
   <p:cSld>
     <p:spTree>
       <p:nvGrpSpPr>
-        <p:cNvPr id="162" name="Shape 162"/>
+        <p:cNvPr id="1" name="Shape 162"/>
         <p:cNvGrpSpPr/>
         <p:nvPr/>
       </p:nvGrpSpPr>
@@ -14104,7 +14419,9 @@
       <p:sp>
         <p:nvSpPr>
           <p:cNvPr id="163" name="Google Shape;163;p21"/>
-          <p:cNvSpPr txBox="1"/>
+          <p:cNvSpPr txBox="1">
+            <a:spLocks noGrp="1"/>
+          </p:cNvSpPr>
           <p:nvPr>
             <p:ph type="title"/>
           </p:nvPr>
@@ -14119,12 +14436,12 @@
           </a:prstGeom>
         </p:spPr>
         <p:txBody>
-          <a:bodyPr anchorCtr="0" anchor="t" bIns="91425" lIns="91425" spcFirstLastPara="1" rIns="91425" wrap="square" tIns="91425">
+          <a:bodyPr spcFirstLastPara="1" wrap="square" lIns="91425" tIns="91425" rIns="91425" bIns="91425" anchor="t" anchorCtr="0">
             <a:noAutofit/>
           </a:bodyPr>
           <a:lstStyle/>
           <a:p>
-            <a:pPr indent="0" lvl="0" marL="0" rtl="0" algn="l">
+            <a:pPr marL="0" lvl="0" indent="0" algn="l" rtl="0">
               <a:spcBef>
                 <a:spcPts val="0"/>
               </a:spcBef>
@@ -14150,7 +14467,7 @@
             </a:endParaRPr>
           </a:p>
           <a:p>
-            <a:pPr indent="0" lvl="0" marL="0" rtl="0" algn="l">
+            <a:pPr marL="0" lvl="0" indent="0" algn="l" rtl="0">
               <a:spcBef>
                 <a:spcPts val="0"/>
               </a:spcBef>
@@ -14159,9 +14476,6 @@
               </a:spcAft>
               <a:buNone/>
             </a:pPr>
-            <a:r>
-              <a:t/>
-            </a:r>
             <a:endParaRPr/>
           </a:p>
         </p:txBody>
@@ -14169,9 +14483,11 @@
       <p:sp>
         <p:nvSpPr>
           <p:cNvPr id="164" name="Google Shape;164;p21"/>
-          <p:cNvSpPr txBox="1"/>
+          <p:cNvSpPr txBox="1">
+            <a:spLocks noGrp="1"/>
+          </p:cNvSpPr>
           <p:nvPr>
-            <p:ph idx="1" type="body"/>
+            <p:ph type="body" idx="1"/>
           </p:nvPr>
         </p:nvSpPr>
         <p:spPr>
@@ -14184,12 +14500,12 @@
           </a:prstGeom>
         </p:spPr>
         <p:txBody>
-          <a:bodyPr anchorCtr="0" anchor="t" bIns="91425" lIns="91425" spcFirstLastPara="1" rIns="91425" wrap="square" tIns="91425">
+          <a:bodyPr spcFirstLastPara="1" wrap="square" lIns="91425" tIns="91425" rIns="91425" bIns="91425" anchor="t" anchorCtr="0">
             <a:noAutofit/>
           </a:bodyPr>
           <a:lstStyle/>
           <a:p>
-            <a:pPr indent="0" lvl="0" marL="0" rtl="0" algn="l">
+            <a:pPr marL="0" lvl="0" indent="0" algn="l" rtl="0">
               <a:lnSpc>
                 <a:spcPct val="142857"/>
               </a:lnSpc>
@@ -14260,7 +14576,7 @@
             </a:endParaRPr>
           </a:p>
           <a:p>
-            <a:pPr indent="0" lvl="0" marL="0" rtl="0" algn="l">
+            <a:pPr marL="0" lvl="0" indent="0" algn="l" rtl="0">
               <a:lnSpc>
                 <a:spcPct val="142857"/>
               </a:lnSpc>
@@ -14307,7 +14623,7 @@
             </a:endParaRPr>
           </a:p>
           <a:p>
-            <a:pPr indent="0" lvl="0" marL="0" rtl="0" algn="l">
+            <a:pPr marL="0" lvl="0" indent="0" algn="l" rtl="0">
               <a:lnSpc>
                 <a:spcPct val="142857"/>
               </a:lnSpc>
@@ -14390,7 +14706,7 @@
             </a:endParaRPr>
           </a:p>
           <a:p>
-            <a:pPr indent="0" lvl="0" marL="0" rtl="0" algn="l">
+            <a:pPr marL="0" lvl="0" indent="0" algn="l" rtl="0">
               <a:lnSpc>
                 <a:spcPct val="142857"/>
               </a:lnSpc>
@@ -14437,7 +14753,7 @@
             </a:endParaRPr>
           </a:p>
           <a:p>
-            <a:pPr indent="0" lvl="0" marL="0" rtl="0" algn="l">
+            <a:pPr marL="0" lvl="0" indent="0" algn="l" rtl="0">
               <a:lnSpc>
                 <a:spcPct val="142857"/>
               </a:lnSpc>
@@ -14544,7 +14860,7 @@
             </a:endParaRPr>
           </a:p>
           <a:p>
-            <a:pPr indent="0" lvl="0" marL="0" rtl="0" algn="l">
+            <a:pPr marL="0" lvl="0" indent="0" algn="l" rtl="0">
               <a:lnSpc>
                 <a:spcPct val="142857"/>
               </a:lnSpc>
@@ -14579,7 +14895,7 @@
             </a:endParaRPr>
           </a:p>
           <a:p>
-            <a:pPr indent="0" lvl="0" marL="0" rtl="0" algn="l">
+            <a:pPr marL="0" lvl="0" indent="0" algn="l" rtl="0">
               <a:lnSpc>
                 <a:spcPct val="142857"/>
               </a:lnSpc>
@@ -14662,7 +14978,7 @@
             </a:endParaRPr>
           </a:p>
           <a:p>
-            <a:pPr indent="0" lvl="0" marL="0" rtl="0" algn="l">
+            <a:pPr marL="0" lvl="0" indent="0" algn="l" rtl="0">
               <a:lnSpc>
                 <a:spcPct val="142857"/>
               </a:lnSpc>
@@ -14721,7 +15037,7 @@
             </a:endParaRPr>
           </a:p>
           <a:p>
-            <a:pPr indent="0" lvl="0" marL="0" rtl="0" algn="l">
+            <a:pPr marL="0" lvl="0" indent="0" algn="l" rtl="0">
               <a:lnSpc>
                 <a:spcPct val="142857"/>
               </a:lnSpc>
@@ -14756,7 +15072,7 @@
             </a:endParaRPr>
           </a:p>
           <a:p>
-            <a:pPr indent="0" lvl="0" marL="0" rtl="0" algn="l">
+            <a:pPr marL="0" lvl="0" indent="0" algn="l" rtl="0">
               <a:lnSpc>
                 <a:spcPct val="142857"/>
               </a:lnSpc>
@@ -14839,7 +15155,7 @@
             </a:endParaRPr>
           </a:p>
           <a:p>
-            <a:pPr indent="0" lvl="0" marL="0" rtl="0" algn="l">
+            <a:pPr marL="0" lvl="0" indent="0" algn="l" rtl="0">
               <a:lnSpc>
                 <a:spcPct val="142857"/>
               </a:lnSpc>
@@ -14886,7 +15202,7 @@
             </a:endParaRPr>
           </a:p>
           <a:p>
-            <a:pPr indent="0" lvl="0" marL="0" rtl="0" algn="l">
+            <a:pPr marL="0" lvl="0" indent="0" algn="l" rtl="0">
               <a:lnSpc>
                 <a:spcPct val="142857"/>
               </a:lnSpc>
@@ -14969,7 +15285,7 @@
             </a:endParaRPr>
           </a:p>
           <a:p>
-            <a:pPr indent="0" lvl="0" marL="0" rtl="0" algn="l">
+            <a:pPr marL="0" lvl="0" indent="0" algn="l" rtl="0">
               <a:lnSpc>
                 <a:spcPct val="142857"/>
               </a:lnSpc>
@@ -15016,7 +15332,7 @@
             </a:endParaRPr>
           </a:p>
           <a:p>
-            <a:pPr indent="0" lvl="0" marL="0" rtl="0" algn="l">
+            <a:pPr marL="0" lvl="0" indent="0" algn="l" rtl="0">
               <a:lnSpc>
                 <a:spcPct val="142857"/>
               </a:lnSpc>
@@ -15123,7 +15439,7 @@
             </a:endParaRPr>
           </a:p>
           <a:p>
-            <a:pPr indent="0" lvl="0" marL="0" rtl="0" algn="l">
+            <a:pPr marL="0" lvl="0" indent="0" algn="l" rtl="0">
               <a:lnSpc>
                 <a:spcPct val="142857"/>
               </a:lnSpc>
@@ -15158,7 +15474,7 @@
             </a:endParaRPr>
           </a:p>
           <a:p>
-            <a:pPr indent="0" lvl="0" marL="0" rtl="0" algn="l">
+            <a:pPr marL="0" lvl="0" indent="0" algn="l" rtl="0">
               <a:lnSpc>
                 <a:spcPct val="142857"/>
               </a:lnSpc>
@@ -15241,7 +15557,7 @@
             </a:endParaRPr>
           </a:p>
           <a:p>
-            <a:pPr indent="0" lvl="0" marL="0" rtl="0" algn="l">
+            <a:pPr marL="0" lvl="0" indent="0" algn="l" rtl="0">
               <a:lnSpc>
                 <a:spcPct val="142857"/>
               </a:lnSpc>
@@ -15300,7 +15616,7 @@
             </a:endParaRPr>
           </a:p>
           <a:p>
-            <a:pPr indent="0" lvl="0" marL="0" rtl="0" algn="l">
+            <a:pPr marL="0" lvl="0" indent="0" algn="l" rtl="0">
               <a:lnSpc>
                 <a:spcPct val="142857"/>
               </a:lnSpc>
@@ -15335,7 +15651,7 @@
             </a:endParaRPr>
           </a:p>
           <a:p>
-            <a:pPr indent="0" lvl="0" marL="0" rtl="0" algn="l">
+            <a:pPr marL="0" lvl="0" indent="0" algn="l" rtl="0">
               <a:spcBef>
                 <a:spcPts val="0"/>
               </a:spcBef>
@@ -15344,9 +15660,6 @@
               </a:spcAft>
               <a:buNone/>
             </a:pPr>
-            <a:r>
-              <a:t/>
-            </a:r>
             <a:endParaRPr/>
           </a:p>
         </p:txBody>
@@ -15371,12 +15684,12 @@
           </a:ln>
         </p:spPr>
         <p:txBody>
-          <a:bodyPr anchorCtr="0" anchor="t" bIns="91425" lIns="91425" spcFirstLastPara="1" rIns="91425" wrap="square" tIns="91425">
+          <a:bodyPr spcFirstLastPara="1" wrap="square" lIns="91425" tIns="91425" rIns="91425" bIns="91425" anchor="t" anchorCtr="0">
             <a:noAutofit/>
           </a:bodyPr>
           <a:lstStyle/>
           <a:p>
-            <a:pPr indent="0" lvl="0" marL="0" rtl="0" algn="l">
+            <a:pPr marL="0" lvl="0" indent="0" algn="l" rtl="0">
               <a:spcBef>
                 <a:spcPts val="0"/>
               </a:spcBef>
@@ -15386,15 +15699,15 @@
               <a:buNone/>
             </a:pPr>
             <a:r>
-              <a:rPr lang="en">
+              <a:rPr lang="th-TH" dirty="0">
                 <a:latin typeface="Sriracha"/>
                 <a:ea typeface="Sriracha"/>
                 <a:cs typeface="Sriracha"/>
                 <a:sym typeface="Sriracha"/>
               </a:rPr>
-              <a:t>10</a:t>
-            </a:r>
-            <a:endParaRPr>
+              <a:t>9</a:t>
+            </a:r>
+            <a:endParaRPr dirty="0">
               <a:latin typeface="Sriracha"/>
               <a:ea typeface="Sriracha"/>
               <a:cs typeface="Sriracha"/>
@@ -15412,7 +15725,7 @@
 </file>
 
 <file path=ppt/theme/theme1.xml><?xml version="1.0" encoding="utf-8"?>
-<a:theme xmlns:a="http://schemas.openxmlformats.org/drawingml/2006/main" xmlns:r="http://schemas.openxmlformats.org/officeDocument/2006/relationships" name="Geometric">
+<a:theme xmlns:a="http://schemas.openxmlformats.org/drawingml/2006/main" name="Geometric">
   <a:themeElements>
     <a:clrScheme name="Geometric">
       <a:dk1>
@@ -15687,11 +16000,13 @@
       </a:bgFillStyleLst>
     </a:fmtScheme>
   </a:themeElements>
+  <a:objectDefaults/>
+  <a:extraClrSchemeLst/>
 </a:theme>
 </file>
 
 <file path=ppt/theme/theme2.xml><?xml version="1.0" encoding="utf-8"?>
-<a:theme xmlns:a="http://schemas.openxmlformats.org/drawingml/2006/main" xmlns:r="http://schemas.openxmlformats.org/officeDocument/2006/relationships">
+<a:theme xmlns:a="http://schemas.openxmlformats.org/drawingml/2006/main">
   <a:themeElements>
     <a:clrScheme name="Default">
       <a:dk1>
@@ -15966,5 +16281,7 @@
       </a:bgFillStyleLst>
     </a:fmtScheme>
   </a:themeElements>
+  <a:objectDefaults/>
+  <a:extraClrSchemeLst/>
 </a:theme>
 </file>
--- a/เครื่องกรอกน้ำอัตโนมัติ.pptx
+++ b/เครื่องกรอกน้ำอัตโนมัติ.pptx
@@ -12718,10 +12718,10 @@
       </p:sp>
       <p:pic>
         <p:nvPicPr>
-          <p:cNvPr id="7" name="Picture 6">
+          <p:cNvPr id="3" name="Picture 2">
             <a:extLst>
               <a:ext uri="{FF2B5EF4-FFF2-40B4-BE49-F238E27FC236}">
-                <a16:creationId xmlns:a16="http://schemas.microsoft.com/office/drawing/2014/main" id="{CBAA4CCB-1170-4335-B894-C2C0C5F3FB77}"/>
+                <a16:creationId xmlns:a16="http://schemas.microsoft.com/office/drawing/2014/main" id="{AB614C81-A40A-4B7B-8F1A-E21C11C3650B}"/>
               </a:ext>
             </a:extLst>
           </p:cNvPr>
@@ -12738,8 +12738,8 @@
         </p:blipFill>
         <p:spPr>
           <a:xfrm>
-            <a:off x="2915739" y="410000"/>
-            <a:ext cx="3665138" cy="4055209"/>
+            <a:off x="2707560" y="205050"/>
+            <a:ext cx="3706590" cy="4405494"/>
           </a:xfrm>
           <a:prstGeom prst="rect">
             <a:avLst/>
